--- a/MySQL整理/28读写分离有哪些坑？.pptx
+++ b/MySQL整理/28读写分离有哪些坑？.pptx
@@ -5,15 +5,16 @@
     <p:sldMasterId id="2147483678" r:id="rId1"/>
   </p:sldMasterIdLst>
   <p:notesMasterIdLst>
-    <p:notesMasterId r:id="rId8"/>
+    <p:notesMasterId r:id="rId9"/>
   </p:notesMasterIdLst>
   <p:sldIdLst>
     <p:sldId id="256" r:id="rId2"/>
     <p:sldId id="265" r:id="rId3"/>
     <p:sldId id="266" r:id="rId4"/>
     <p:sldId id="267" r:id="rId5"/>
-    <p:sldId id="268" r:id="rId6"/>
-    <p:sldId id="269" r:id="rId7"/>
+    <p:sldId id="270" r:id="rId6"/>
+    <p:sldId id="268" r:id="rId7"/>
+    <p:sldId id="269" r:id="rId8"/>
   </p:sldIdLst>
   <p:sldSz cx="12192000" cy="6858000"/>
   <p:notesSz cx="6858000" cy="9144000"/>
@@ -202,7 +203,7 @@
           <a:p>
             <a:fld id="{A900F2CD-AD8F-46FC-AAAB-A0D218D6826F}" type="datetimeFigureOut">
               <a:rPr lang="zh-CN" altLang="en-US" smtClean="0"/>
-              <a:t>2019/6/3</a:t>
+              <a:t>2021/10/15</a:t>
             </a:fld>
             <a:endParaRPr lang="zh-CN" altLang="en-US"/>
           </a:p>
@@ -796,7 +797,7 @@
     </p:spTree>
     <p:extLst>
       <p:ext uri="{BB962C8B-B14F-4D97-AF65-F5344CB8AC3E}">
-        <p14:creationId xmlns:p14="http://schemas.microsoft.com/office/powerpoint/2010/main" val="1102447138"/>
+        <p14:creationId xmlns:p14="http://schemas.microsoft.com/office/powerpoint/2010/main" val="2239715795"/>
       </p:ext>
     </p:extLst>
   </p:cSld>
@@ -872,6 +873,90 @@
             <a:fld id="{36BCCB51-EBEF-4070-8A6F-AD7BCDF80C49}" type="slidenum">
               <a:rPr lang="zh-CN" altLang="en-US" smtClean="0"/>
               <a:t>6</a:t>
+            </a:fld>
+            <a:endParaRPr lang="zh-CN" altLang="en-US"/>
+          </a:p>
+        </p:txBody>
+      </p:sp>
+    </p:spTree>
+    <p:extLst>
+      <p:ext uri="{BB962C8B-B14F-4D97-AF65-F5344CB8AC3E}">
+        <p14:creationId xmlns:p14="http://schemas.microsoft.com/office/powerpoint/2010/main" val="1102447138"/>
+      </p:ext>
+    </p:extLst>
+  </p:cSld>
+  <p:clrMapOvr>
+    <a:masterClrMapping/>
+  </p:clrMapOvr>
+</p:notes>
+</file>
+
+<file path=ppt/notesSlides/notesSlide6.xml><?xml version="1.0" encoding="utf-8"?>
+<p:notes xmlns:a="http://schemas.openxmlformats.org/drawingml/2006/main" xmlns:r="http://schemas.openxmlformats.org/officeDocument/2006/relationships" xmlns:p="http://schemas.openxmlformats.org/presentationml/2006/main">
+  <p:cSld>
+    <p:spTree>
+      <p:nvGrpSpPr>
+        <p:cNvPr id="1" name=""/>
+        <p:cNvGrpSpPr/>
+        <p:nvPr/>
+      </p:nvGrpSpPr>
+      <p:grpSpPr>
+        <a:xfrm>
+          <a:off x="0" y="0"/>
+          <a:ext cx="0" cy="0"/>
+          <a:chOff x="0" y="0"/>
+          <a:chExt cx="0" cy="0"/>
+        </a:xfrm>
+      </p:grpSpPr>
+      <p:sp>
+        <p:nvSpPr>
+          <p:cNvPr id="2" name="幻灯片图像占位符 1"/>
+          <p:cNvSpPr>
+            <a:spLocks noGrp="1" noRot="1" noChangeAspect="1"/>
+          </p:cNvSpPr>
+          <p:nvPr>
+            <p:ph type="sldImg"/>
+          </p:nvPr>
+        </p:nvSpPr>
+        <p:spPr/>
+      </p:sp>
+      <p:sp>
+        <p:nvSpPr>
+          <p:cNvPr id="3" name="备注占位符 2"/>
+          <p:cNvSpPr>
+            <a:spLocks noGrp="1"/>
+          </p:cNvSpPr>
+          <p:nvPr>
+            <p:ph type="body" idx="1"/>
+          </p:nvPr>
+        </p:nvSpPr>
+        <p:spPr/>
+        <p:txBody>
+          <a:bodyPr/>
+          <a:lstStyle/>
+          <a:p>
+            <a:endParaRPr lang="zh-CN" altLang="en-US" dirty="0"/>
+          </a:p>
+        </p:txBody>
+      </p:sp>
+      <p:sp>
+        <p:nvSpPr>
+          <p:cNvPr id="4" name="灯片编号占位符 3"/>
+          <p:cNvSpPr>
+            <a:spLocks noGrp="1"/>
+          </p:cNvSpPr>
+          <p:nvPr>
+            <p:ph type="sldNum" sz="quarter" idx="10"/>
+          </p:nvPr>
+        </p:nvSpPr>
+        <p:spPr/>
+        <p:txBody>
+          <a:bodyPr/>
+          <a:lstStyle/>
+          <a:p>
+            <a:fld id="{36BCCB51-EBEF-4070-8A6F-AD7BCDF80C49}" type="slidenum">
+              <a:rPr lang="zh-CN" altLang="en-US" smtClean="0"/>
+              <a:t>7</a:t>
             </a:fld>
             <a:endParaRPr lang="zh-CN" altLang="en-US"/>
           </a:p>
@@ -1076,7 +1161,7 @@
           <a:p>
             <a:fld id="{E396512D-F96B-4538-B91A-F7EB57A489A0}" type="datetimeFigureOut">
               <a:rPr lang="zh-CN" altLang="en-US" smtClean="0"/>
-              <a:t>2019/6/3</a:t>
+              <a:t>2021/10/15</a:t>
             </a:fld>
             <a:endParaRPr lang="zh-CN" altLang="en-US"/>
           </a:p>
@@ -1351,7 +1436,7 @@
           <a:p>
             <a:fld id="{E396512D-F96B-4538-B91A-F7EB57A489A0}" type="datetimeFigureOut">
               <a:rPr lang="zh-CN" altLang="en-US" smtClean="0"/>
-              <a:t>2019/6/3</a:t>
+              <a:t>2021/10/15</a:t>
             </a:fld>
             <a:endParaRPr lang="zh-CN" altLang="en-US"/>
           </a:p>
@@ -1545,7 +1630,7 @@
           <a:p>
             <a:fld id="{E396512D-F96B-4538-B91A-F7EB57A489A0}" type="datetimeFigureOut">
               <a:rPr lang="zh-CN" altLang="en-US" smtClean="0"/>
-              <a:t>2019/6/3</a:t>
+              <a:t>2021/10/15</a:t>
             </a:fld>
             <a:endParaRPr lang="zh-CN" altLang="en-US"/>
           </a:p>
@@ -1818,7 +1903,7 @@
           <a:p>
             <a:fld id="{E396512D-F96B-4538-B91A-F7EB57A489A0}" type="datetimeFigureOut">
               <a:rPr lang="zh-CN" altLang="en-US" smtClean="0"/>
-              <a:t>2019/6/3</a:t>
+              <a:t>2021/10/15</a:t>
             </a:fld>
             <a:endParaRPr lang="zh-CN" altLang="en-US"/>
           </a:p>
@@ -2159,7 +2244,7 @@
           <a:p>
             <a:fld id="{E396512D-F96B-4538-B91A-F7EB57A489A0}" type="datetimeFigureOut">
               <a:rPr lang="zh-CN" altLang="en-US" smtClean="0"/>
-              <a:t>2019/6/3</a:t>
+              <a:t>2021/10/15</a:t>
             </a:fld>
             <a:endParaRPr lang="zh-CN" altLang="en-US"/>
           </a:p>
@@ -2782,7 +2867,7 @@
           <a:p>
             <a:fld id="{E396512D-F96B-4538-B91A-F7EB57A489A0}" type="datetimeFigureOut">
               <a:rPr lang="zh-CN" altLang="en-US" smtClean="0"/>
-              <a:t>2019/6/3</a:t>
+              <a:t>2021/10/15</a:t>
             </a:fld>
             <a:endParaRPr lang="zh-CN" altLang="en-US"/>
           </a:p>
@@ -3642,7 +3727,7 @@
           <a:p>
             <a:fld id="{E396512D-F96B-4538-B91A-F7EB57A489A0}" type="datetimeFigureOut">
               <a:rPr lang="zh-CN" altLang="en-US" smtClean="0"/>
-              <a:t>2019/6/3</a:t>
+              <a:t>2021/10/15</a:t>
             </a:fld>
             <a:endParaRPr lang="zh-CN" altLang="en-US"/>
           </a:p>
@@ -3812,7 +3897,7 @@
           <a:p>
             <a:fld id="{E396512D-F96B-4538-B91A-F7EB57A489A0}" type="datetimeFigureOut">
               <a:rPr lang="zh-CN" altLang="en-US" smtClean="0"/>
-              <a:t>2019/6/3</a:t>
+              <a:t>2021/10/15</a:t>
             </a:fld>
             <a:endParaRPr lang="zh-CN" altLang="en-US"/>
           </a:p>
@@ -3992,7 +4077,7 @@
           <a:p>
             <a:fld id="{E396512D-F96B-4538-B91A-F7EB57A489A0}" type="datetimeFigureOut">
               <a:rPr lang="zh-CN" altLang="en-US" smtClean="0"/>
-              <a:t>2019/6/3</a:t>
+              <a:t>2021/10/15</a:t>
             </a:fld>
             <a:endParaRPr lang="zh-CN" altLang="en-US"/>
           </a:p>
@@ -4162,7 +4247,7 @@
           <a:p>
             <a:fld id="{E396512D-F96B-4538-B91A-F7EB57A489A0}" type="datetimeFigureOut">
               <a:rPr lang="zh-CN" altLang="en-US" smtClean="0"/>
-              <a:t>2019/6/3</a:t>
+              <a:t>2021/10/15</a:t>
             </a:fld>
             <a:endParaRPr lang="zh-CN" altLang="en-US"/>
           </a:p>
@@ -4409,7 +4494,7 @@
           <a:p>
             <a:fld id="{E396512D-F96B-4538-B91A-F7EB57A489A0}" type="datetimeFigureOut">
               <a:rPr lang="zh-CN" altLang="en-US" smtClean="0"/>
-              <a:t>2019/6/3</a:t>
+              <a:t>2021/10/15</a:t>
             </a:fld>
             <a:endParaRPr lang="zh-CN" altLang="en-US"/>
           </a:p>
@@ -4701,7 +4786,7 @@
           <a:p>
             <a:fld id="{E396512D-F96B-4538-B91A-F7EB57A489A0}" type="datetimeFigureOut">
               <a:rPr lang="zh-CN" altLang="en-US" smtClean="0"/>
-              <a:t>2019/6/3</a:t>
+              <a:t>2021/10/15</a:t>
             </a:fld>
             <a:endParaRPr lang="zh-CN" altLang="en-US"/>
           </a:p>
@@ -5145,7 +5230,7 @@
           <a:p>
             <a:fld id="{E396512D-F96B-4538-B91A-F7EB57A489A0}" type="datetimeFigureOut">
               <a:rPr lang="zh-CN" altLang="en-US" smtClean="0"/>
-              <a:t>2019/6/3</a:t>
+              <a:t>2021/10/15</a:t>
             </a:fld>
             <a:endParaRPr lang="zh-CN" altLang="en-US"/>
           </a:p>
@@ -5263,7 +5348,7 @@
           <a:p>
             <a:fld id="{E396512D-F96B-4538-B91A-F7EB57A489A0}" type="datetimeFigureOut">
               <a:rPr lang="zh-CN" altLang="en-US" smtClean="0"/>
-              <a:t>2019/6/3</a:t>
+              <a:t>2021/10/15</a:t>
             </a:fld>
             <a:endParaRPr lang="zh-CN" altLang="en-US"/>
           </a:p>
@@ -5358,7 +5443,7 @@
           <a:p>
             <a:fld id="{E396512D-F96B-4538-B91A-F7EB57A489A0}" type="datetimeFigureOut">
               <a:rPr lang="zh-CN" altLang="en-US" smtClean="0"/>
-              <a:t>2019/6/3</a:t>
+              <a:t>2021/10/15</a:t>
             </a:fld>
             <a:endParaRPr lang="zh-CN" altLang="en-US"/>
           </a:p>
@@ -5637,7 +5722,7 @@
           <a:p>
             <a:fld id="{E396512D-F96B-4538-B91A-F7EB57A489A0}" type="datetimeFigureOut">
               <a:rPr lang="zh-CN" altLang="en-US" smtClean="0"/>
-              <a:t>2019/6/3</a:t>
+              <a:t>2021/10/15</a:t>
             </a:fld>
             <a:endParaRPr lang="zh-CN" altLang="en-US"/>
           </a:p>
@@ -5912,7 +5997,7 @@
           <a:p>
             <a:fld id="{E396512D-F96B-4538-B91A-F7EB57A489A0}" type="datetimeFigureOut">
               <a:rPr lang="zh-CN" altLang="en-US" smtClean="0"/>
-              <a:t>2019/6/3</a:t>
+              <a:t>2021/10/15</a:t>
             </a:fld>
             <a:endParaRPr lang="zh-CN" altLang="en-US"/>
           </a:p>
@@ -6341,7 +6426,7 @@
           <a:p>
             <a:fld id="{E396512D-F96B-4538-B91A-F7EB57A489A0}" type="datetimeFigureOut">
               <a:rPr lang="zh-CN" altLang="en-US" smtClean="0"/>
-              <a:t>2019/6/3</a:t>
+              <a:t>2021/10/15</a:t>
             </a:fld>
             <a:endParaRPr lang="zh-CN" altLang="en-US"/>
           </a:p>
@@ -7232,10 +7317,6 @@
               </a:rPr>
               <a:t>读写分离有哪些坑？</a:t>
             </a:r>
-            <a:endParaRPr lang="zh-CN" altLang="en-US" sz="3200" b="1" dirty="0">
-              <a:latin typeface="微软雅黑" panose="020B0503020204020204" pitchFamily="34" charset="-122"/>
-              <a:ea typeface="微软雅黑" panose="020B0503020204020204" pitchFamily="34" charset="-122"/>
-            </a:endParaRPr>
           </a:p>
         </p:txBody>
       </p:sp>
@@ -7554,13 +7635,6 @@
               </a:rPr>
               <a:t>write</a:t>
             </a:r>
-            <a:endParaRPr lang="en-US" altLang="zh-CN" sz="1400" dirty="0" smtClean="0">
-              <a:solidFill>
-                <a:srgbClr val="FFFF00"/>
-              </a:solidFill>
-              <a:latin typeface="微软雅黑" panose="020B0503020204020204" pitchFamily="34" charset="-122"/>
-              <a:ea typeface="微软雅黑" panose="020B0503020204020204" pitchFamily="34" charset="-122"/>
-            </a:endParaRPr>
           </a:p>
         </p:txBody>
       </p:sp>
@@ -8807,13 +8881,6 @@
               </a:rPr>
               <a:t>write</a:t>
             </a:r>
-            <a:endParaRPr lang="en-US" altLang="zh-CN" sz="1400" dirty="0" smtClean="0">
-              <a:solidFill>
-                <a:srgbClr val="FFFF00"/>
-              </a:solidFill>
-              <a:latin typeface="微软雅黑" panose="020B0503020204020204" pitchFamily="34" charset="-122"/>
-              <a:ea typeface="微软雅黑" panose="020B0503020204020204" pitchFamily="34" charset="-122"/>
-            </a:endParaRPr>
           </a:p>
         </p:txBody>
       </p:sp>
@@ -9889,13 +9956,6 @@
               </a:rPr>
               <a:t>read/write</a:t>
             </a:r>
-            <a:endParaRPr lang="en-US" altLang="zh-CN" sz="1400" dirty="0" smtClean="0">
-              <a:solidFill>
-                <a:srgbClr val="FFFF00"/>
-              </a:solidFill>
-              <a:latin typeface="微软雅黑" panose="020B0503020204020204" pitchFamily="34" charset="-122"/>
-              <a:ea typeface="微软雅黑" panose="020B0503020204020204" pitchFamily="34" charset="-122"/>
-            </a:endParaRPr>
           </a:p>
         </p:txBody>
       </p:sp>
@@ -10204,10 +10264,6 @@
               </a:rPr>
               <a:t>读写分离有哪些坑？</a:t>
             </a:r>
-            <a:endParaRPr lang="zh-CN" altLang="en-US" sz="3200" b="1" dirty="0">
-              <a:latin typeface="微软雅黑" panose="020B0503020204020204" pitchFamily="34" charset="-122"/>
-              <a:ea typeface="微软雅黑" panose="020B0503020204020204" pitchFamily="34" charset="-122"/>
-            </a:endParaRPr>
           </a:p>
         </p:txBody>
       </p:sp>
@@ -10977,7 +11033,47 @@
                 <a:latin typeface="微软雅黑" panose="020B0503020204020204" pitchFamily="34" charset="-122"/>
                 <a:ea typeface="微软雅黑" panose="020B0503020204020204" pitchFamily="34" charset="-122"/>
               </a:rPr>
-              <a:t>，对比位点确保主备无延迟：</a:t>
+              <a:t>，对比位点确保主备无</a:t>
+            </a:r>
+            <a:r>
+              <a:rPr lang="zh-CN" altLang="en-US" sz="1400" smtClean="0">
+                <a:solidFill>
+                  <a:srgbClr val="92D050"/>
+                </a:solidFill>
+                <a:latin typeface="微软雅黑" panose="020B0503020204020204" pitchFamily="34" charset="-122"/>
+                <a:ea typeface="微软雅黑" panose="020B0503020204020204" pitchFamily="34" charset="-122"/>
+              </a:rPr>
+              <a:t>延</a:t>
+            </a:r>
+            <a:r>
+              <a:rPr lang="zh-CN" altLang="en-US" sz="1400" smtClean="0">
+                <a:solidFill>
+                  <a:srgbClr val="92D050"/>
+                </a:solidFill>
+                <a:latin typeface="微软雅黑" panose="020B0503020204020204" pitchFamily="34" charset="-122"/>
+                <a:ea typeface="微软雅黑" panose="020B0503020204020204" pitchFamily="34" charset="-122"/>
+              </a:rPr>
+              <a:t>迟：</a:t>
+            </a:r>
+            <a:r>
+              <a:rPr lang="en-US" altLang="zh-CN" sz="1400" smtClean="0">
+                <a:solidFill>
+                  <a:srgbClr val="92D050"/>
+                </a:solidFill>
+                <a:latin typeface="微软雅黑" panose="020B0503020204020204" pitchFamily="34" charset="-122"/>
+                <a:ea typeface="微软雅黑" panose="020B0503020204020204" pitchFamily="34" charset="-122"/>
+              </a:rPr>
+              <a:t>show slave status</a:t>
+            </a:r>
+            <a:r>
+              <a:rPr lang="zh-CN" altLang="en-US" sz="1400" smtClean="0">
+                <a:solidFill>
+                  <a:srgbClr val="92D050"/>
+                </a:solidFill>
+                <a:latin typeface="微软雅黑" panose="020B0503020204020204" pitchFamily="34" charset="-122"/>
+                <a:ea typeface="微软雅黑" panose="020B0503020204020204" pitchFamily="34" charset="-122"/>
+              </a:rPr>
+              <a:t>的返回结果：</a:t>
             </a:r>
             <a:endParaRPr lang="en-US" altLang="zh-CN" sz="1400" dirty="0" smtClean="0">
               <a:solidFill>
@@ -11246,8 +11342,8 @@
         </p:nvSpPr>
         <p:spPr>
           <a:xfrm>
-            <a:off x="5491207" y="6129346"/>
-            <a:ext cx="197621" cy="398550"/>
+            <a:off x="6171682" y="4738032"/>
+            <a:ext cx="197621" cy="257199"/>
           </a:xfrm>
           <a:prstGeom prst="rightBrace">
             <a:avLst/>
@@ -11289,7 +11385,7 @@
         </p:nvSpPr>
         <p:spPr>
           <a:xfrm>
-            <a:off x="5688829" y="6050206"/>
+            <a:off x="6369304" y="4658892"/>
             <a:ext cx="2549780" cy="523220"/>
           </a:xfrm>
           <a:prstGeom prst="rect">
@@ -12114,8 +12210,8 @@
         </p:nvSpPr>
         <p:spPr>
           <a:xfrm>
-            <a:off x="8346058" y="4134104"/>
-            <a:ext cx="302641" cy="2190496"/>
+            <a:off x="9098006" y="3991555"/>
+            <a:ext cx="302641" cy="1129085"/>
           </a:xfrm>
           <a:prstGeom prst="rightBrace">
             <a:avLst/>
@@ -12157,7 +12253,7 @@
         </p:nvSpPr>
         <p:spPr>
           <a:xfrm>
-            <a:off x="8713577" y="4967742"/>
+            <a:off x="9465525" y="4410455"/>
             <a:ext cx="2549780" cy="1169551"/>
           </a:xfrm>
           <a:prstGeom prst="rect">
@@ -12306,248 +12402,6 @@
       </p:sp>
       <p:sp>
         <p:nvSpPr>
-          <p:cNvPr id="50" name="矩形 49"/>
-          <p:cNvSpPr/>
-          <p:nvPr/>
-        </p:nvSpPr>
-        <p:spPr>
-          <a:xfrm>
-            <a:off x="490825" y="5160003"/>
-            <a:ext cx="4850609" cy="954107"/>
-          </a:xfrm>
-          <a:prstGeom prst="rect">
-            <a:avLst/>
-          </a:prstGeom>
-        </p:spPr>
-        <p:txBody>
-          <a:bodyPr wrap="square">
-            <a:spAutoFit/>
-          </a:bodyPr>
-          <a:lstStyle/>
-          <a:p>
-            <a:r>
-              <a:rPr lang="zh-CN" altLang="en-US" sz="1400" dirty="0" smtClean="0">
-                <a:solidFill>
-                  <a:schemeClr val="accent1">
-                    <a:lumMod val="40000"/>
-                    <a:lumOff val="60000"/>
-                  </a:schemeClr>
-                </a:solidFill>
-                <a:latin typeface="微软雅黑" panose="020B0503020204020204" pitchFamily="34" charset="-122"/>
-                <a:ea typeface="微软雅黑" panose="020B0503020204020204" pitchFamily="34" charset="-122"/>
-              </a:rPr>
-              <a:t>其实思想就是：</a:t>
-            </a:r>
-            <a:endParaRPr lang="en-US" altLang="zh-CN" sz="1400" dirty="0" smtClean="0">
-              <a:solidFill>
-                <a:schemeClr val="accent1">
-                  <a:lumMod val="40000"/>
-                  <a:lumOff val="60000"/>
-                </a:schemeClr>
-              </a:solidFill>
-              <a:latin typeface="微软雅黑" panose="020B0503020204020204" pitchFamily="34" charset="-122"/>
-              <a:ea typeface="微软雅黑" panose="020B0503020204020204" pitchFamily="34" charset="-122"/>
-            </a:endParaRPr>
-          </a:p>
-          <a:p>
-            <a:r>
-              <a:rPr lang="zh-CN" altLang="en-US" sz="1400" dirty="0" smtClean="0">
-                <a:solidFill>
-                  <a:schemeClr val="accent1">
-                    <a:lumMod val="40000"/>
-                    <a:lumOff val="60000"/>
-                  </a:schemeClr>
-                </a:solidFill>
-                <a:latin typeface="微软雅黑" panose="020B0503020204020204" pitchFamily="34" charset="-122"/>
-                <a:ea typeface="微软雅黑" panose="020B0503020204020204" pitchFamily="34" charset="-122"/>
-              </a:rPr>
-              <a:t>记录主库的</a:t>
-            </a:r>
-            <a:r>
-              <a:rPr lang="en-US" altLang="zh-CN" sz="1400" dirty="0" err="1" smtClean="0">
-                <a:solidFill>
-                  <a:schemeClr val="accent1">
-                    <a:lumMod val="40000"/>
-                    <a:lumOff val="60000"/>
-                  </a:schemeClr>
-                </a:solidFill>
-                <a:latin typeface="微软雅黑" panose="020B0503020204020204" pitchFamily="34" charset="-122"/>
-                <a:ea typeface="微软雅黑" panose="020B0503020204020204" pitchFamily="34" charset="-122"/>
-              </a:rPr>
-              <a:t>sql</a:t>
-            </a:r>
-            <a:r>
-              <a:rPr lang="zh-CN" altLang="en-US" sz="1400" dirty="0" smtClean="0">
-                <a:solidFill>
-                  <a:schemeClr val="accent1">
-                    <a:lumMod val="40000"/>
-                    <a:lumOff val="60000"/>
-                  </a:schemeClr>
-                </a:solidFill>
-                <a:latin typeface="微软雅黑" panose="020B0503020204020204" pitchFamily="34" charset="-122"/>
-                <a:ea typeface="微软雅黑" panose="020B0503020204020204" pitchFamily="34" charset="-122"/>
-              </a:rPr>
-              <a:t>语句执行的</a:t>
-            </a:r>
-            <a:r>
-              <a:rPr lang="en-US" altLang="zh-CN" sz="1400" dirty="0" smtClean="0">
-                <a:solidFill>
-                  <a:schemeClr val="accent1">
-                    <a:lumMod val="40000"/>
-                    <a:lumOff val="60000"/>
-                  </a:schemeClr>
-                </a:solidFill>
-                <a:latin typeface="微软雅黑" panose="020B0503020204020204" pitchFamily="34" charset="-122"/>
-                <a:ea typeface="微软雅黑" panose="020B0503020204020204" pitchFamily="34" charset="-122"/>
-              </a:rPr>
-              <a:t>file</a:t>
-            </a:r>
-            <a:r>
-              <a:rPr lang="zh-CN" altLang="en-US" sz="1400" dirty="0" smtClean="0">
-                <a:solidFill>
-                  <a:schemeClr val="accent1">
-                    <a:lumMod val="40000"/>
-                    <a:lumOff val="60000"/>
-                  </a:schemeClr>
-                </a:solidFill>
-                <a:latin typeface="微软雅黑" panose="020B0503020204020204" pitchFamily="34" charset="-122"/>
-                <a:ea typeface="微软雅黑" panose="020B0503020204020204" pitchFamily="34" charset="-122"/>
-              </a:rPr>
-              <a:t>和</a:t>
-            </a:r>
-            <a:r>
-              <a:rPr lang="en-US" altLang="zh-CN" sz="1400" dirty="0" smtClean="0">
-                <a:solidFill>
-                  <a:schemeClr val="accent1">
-                    <a:lumMod val="40000"/>
-                    <a:lumOff val="60000"/>
-                  </a:schemeClr>
-                </a:solidFill>
-                <a:latin typeface="微软雅黑" panose="020B0503020204020204" pitchFamily="34" charset="-122"/>
-                <a:ea typeface="微软雅黑" panose="020B0503020204020204" pitchFamily="34" charset="-122"/>
-              </a:rPr>
-              <a:t>position</a:t>
-            </a:r>
-          </a:p>
-          <a:p>
-            <a:r>
-              <a:rPr lang="zh-CN" altLang="en-US" sz="1400" dirty="0" smtClean="0">
-                <a:solidFill>
-                  <a:schemeClr val="accent1">
-                    <a:lumMod val="40000"/>
-                    <a:lumOff val="60000"/>
-                  </a:schemeClr>
-                </a:solidFill>
-                <a:latin typeface="微软雅黑" panose="020B0503020204020204" pitchFamily="34" charset="-122"/>
-                <a:ea typeface="微软雅黑" panose="020B0503020204020204" pitchFamily="34" charset="-122"/>
-              </a:rPr>
-              <a:t>到备库上等待这个</a:t>
-            </a:r>
-            <a:r>
-              <a:rPr lang="en-US" altLang="zh-CN" sz="1400" dirty="0" smtClean="0">
-                <a:solidFill>
-                  <a:schemeClr val="accent1">
-                    <a:lumMod val="40000"/>
-                    <a:lumOff val="60000"/>
-                  </a:schemeClr>
-                </a:solidFill>
-                <a:latin typeface="微软雅黑" panose="020B0503020204020204" pitchFamily="34" charset="-122"/>
-                <a:ea typeface="微软雅黑" panose="020B0503020204020204" pitchFamily="34" charset="-122"/>
-              </a:rPr>
-              <a:t>file</a:t>
-            </a:r>
-            <a:r>
-              <a:rPr lang="zh-CN" altLang="en-US" sz="1400" dirty="0" smtClean="0">
-                <a:solidFill>
-                  <a:schemeClr val="accent1">
-                    <a:lumMod val="40000"/>
-                    <a:lumOff val="60000"/>
-                  </a:schemeClr>
-                </a:solidFill>
-                <a:latin typeface="微软雅黑" panose="020B0503020204020204" pitchFamily="34" charset="-122"/>
-                <a:ea typeface="微软雅黑" panose="020B0503020204020204" pitchFamily="34" charset="-122"/>
-              </a:rPr>
-              <a:t>和</a:t>
-            </a:r>
-            <a:r>
-              <a:rPr lang="en-US" altLang="zh-CN" sz="1400" dirty="0" smtClean="0">
-                <a:solidFill>
-                  <a:schemeClr val="accent1">
-                    <a:lumMod val="40000"/>
-                    <a:lumOff val="60000"/>
-                  </a:schemeClr>
-                </a:solidFill>
-                <a:latin typeface="微软雅黑" panose="020B0503020204020204" pitchFamily="34" charset="-122"/>
-                <a:ea typeface="微软雅黑" panose="020B0503020204020204" pitchFamily="34" charset="-122"/>
-              </a:rPr>
-              <a:t>position</a:t>
-            </a:r>
-            <a:r>
-              <a:rPr lang="zh-CN" altLang="en-US" sz="1400" dirty="0" smtClean="0">
-                <a:solidFill>
-                  <a:schemeClr val="accent1">
-                    <a:lumMod val="40000"/>
-                    <a:lumOff val="60000"/>
-                  </a:schemeClr>
-                </a:solidFill>
-                <a:latin typeface="微软雅黑" panose="020B0503020204020204" pitchFamily="34" charset="-122"/>
-                <a:ea typeface="微软雅黑" panose="020B0503020204020204" pitchFamily="34" charset="-122"/>
-              </a:rPr>
-              <a:t>为止的日志应用完毕</a:t>
-            </a:r>
-            <a:endParaRPr lang="en-US" altLang="zh-CN" sz="1400" dirty="0" smtClean="0">
-              <a:solidFill>
-                <a:schemeClr val="accent1">
-                  <a:lumMod val="40000"/>
-                  <a:lumOff val="60000"/>
-                </a:schemeClr>
-              </a:solidFill>
-              <a:latin typeface="微软雅黑" panose="020B0503020204020204" pitchFamily="34" charset="-122"/>
-              <a:ea typeface="微软雅黑" panose="020B0503020204020204" pitchFamily="34" charset="-122"/>
-            </a:endParaRPr>
-          </a:p>
-          <a:p>
-            <a:r>
-              <a:rPr lang="zh-CN" altLang="en-US" sz="1400" dirty="0" smtClean="0">
-                <a:solidFill>
-                  <a:schemeClr val="accent1">
-                    <a:lumMod val="40000"/>
-                    <a:lumOff val="60000"/>
-                  </a:schemeClr>
-                </a:solidFill>
-                <a:latin typeface="微软雅黑" panose="020B0503020204020204" pitchFamily="34" charset="-122"/>
-                <a:ea typeface="微软雅黑" panose="020B0503020204020204" pitchFamily="34" charset="-122"/>
-              </a:rPr>
-              <a:t>就</a:t>
-            </a:r>
-            <a:r>
-              <a:rPr lang="zh-CN" altLang="en-US" sz="1400" dirty="0" smtClean="0">
-                <a:solidFill>
-                  <a:schemeClr val="accent1">
-                    <a:lumMod val="40000"/>
-                    <a:lumOff val="60000"/>
-                  </a:schemeClr>
-                </a:solidFill>
-                <a:latin typeface="微软雅黑" panose="020B0503020204020204" pitchFamily="34" charset="-122"/>
-                <a:ea typeface="微软雅黑" panose="020B0503020204020204" pitchFamily="34" charset="-122"/>
-              </a:rPr>
-              <a:t>确保查询正确。</a:t>
-            </a:r>
-            <a:endParaRPr lang="en-US" altLang="zh-CN" sz="1400" dirty="0" smtClean="0">
-              <a:solidFill>
-                <a:schemeClr val="accent1">
-                  <a:lumMod val="40000"/>
-                  <a:lumOff val="60000"/>
-                </a:schemeClr>
-              </a:solidFill>
-              <a:latin typeface="微软雅黑" panose="020B0503020204020204" pitchFamily="34" charset="-122"/>
-              <a:ea typeface="微软雅黑" panose="020B0503020204020204" pitchFamily="34" charset="-122"/>
-            </a:endParaRPr>
-          </a:p>
-        </p:txBody>
-      </p:sp>
-      <p:sp>
-        <p:nvSpPr>
           <p:cNvPr id="83" name="文本框 82"/>
           <p:cNvSpPr txBox="1"/>
           <p:nvPr/>
@@ -12555,7 +12409,7 @@
         <p:spPr>
           <a:xfrm>
             <a:off x="114300" y="842111"/>
-            <a:ext cx="1800493" cy="369332"/>
+            <a:ext cx="1343638" cy="369332"/>
           </a:xfrm>
           <a:prstGeom prst="rect">
             <a:avLst/>
@@ -12584,7 +12438,7 @@
               <a:defRPr/>
             </a:pPr>
             <a:r>
-              <a:rPr lang="zh-CN" altLang="en-US" b="1" dirty="0" smtClean="0">
+              <a:rPr lang="en-US" altLang="zh-CN" b="1">
                 <a:ln/>
                 <a:solidFill>
                   <a:srgbClr val="4FD1FF"/>
@@ -12592,7 +12446,7 @@
                 <a:latin typeface="微软雅黑" panose="020B0503020204020204" pitchFamily="34" charset="-122"/>
                 <a:ea typeface="微软雅黑" panose="020B0503020204020204" pitchFamily="34" charset="-122"/>
               </a:rPr>
-              <a:t>等主库位点方案</a:t>
+              <a:t>semi-sync</a:t>
             </a:r>
             <a:endParaRPr lang="en-US" altLang="zh-CN" b="1" dirty="0" smtClean="0">
               <a:ln/>
@@ -12614,7 +12468,7 @@
         <p:spPr>
           <a:xfrm>
             <a:off x="114300" y="1279079"/>
-            <a:ext cx="7469124" cy="830997"/>
+            <a:ext cx="7469124" cy="646331"/>
           </a:xfrm>
           <a:prstGeom prst="rect">
             <a:avLst/>
@@ -12631,66 +12485,200 @@
               <a:buChar char="•"/>
             </a:pPr>
             <a:r>
-              <a:rPr lang="en-US" altLang="zh-CN" sz="1200" dirty="0" smtClean="0">
+              <a:rPr lang="zh-CN" altLang="en-US" sz="1200">
                 <a:solidFill>
                   <a:srgbClr val="92D050"/>
                 </a:solidFill>
                 <a:latin typeface="微软雅黑" panose="020B0503020204020204" pitchFamily="34" charset="-122"/>
                 <a:ea typeface="微软雅黑" panose="020B0503020204020204" pitchFamily="34" charset="-122"/>
               </a:rPr>
-              <a:t>select </a:t>
-            </a:r>
-            <a:r>
-              <a:rPr lang="en-US" altLang="zh-CN" sz="1200" dirty="0" err="1" smtClean="0">
+              <a:t>事务提交的时候，主库把 </a:t>
+            </a:r>
+            <a:r>
+              <a:rPr lang="en-US" altLang="zh-CN" sz="1200">
                 <a:solidFill>
                   <a:srgbClr val="92D050"/>
                 </a:solidFill>
                 <a:latin typeface="微软雅黑" panose="020B0503020204020204" pitchFamily="34" charset="-122"/>
                 <a:ea typeface="微软雅黑" panose="020B0503020204020204" pitchFamily="34" charset="-122"/>
               </a:rPr>
-              <a:t>master_pos_wait</a:t>
-            </a:r>
-            <a:r>
-              <a:rPr lang="en-US" altLang="zh-CN" sz="1200" dirty="0" smtClean="0">
+              <a:t>binlog </a:t>
+            </a:r>
+            <a:r>
+              <a:rPr lang="zh-CN" altLang="en-US" sz="1200">
                 <a:solidFill>
                   <a:srgbClr val="92D050"/>
                 </a:solidFill>
                 <a:latin typeface="微软雅黑" panose="020B0503020204020204" pitchFamily="34" charset="-122"/>
                 <a:ea typeface="微软雅黑" panose="020B0503020204020204" pitchFamily="34" charset="-122"/>
               </a:rPr>
-              <a:t>(fail, </a:t>
-            </a:r>
-            <a:r>
-              <a:rPr lang="en-US" altLang="zh-CN" sz="1200" dirty="0" err="1" smtClean="0">
+              <a:t>发给从</a:t>
+            </a:r>
+            <a:r>
+              <a:rPr lang="zh-CN" altLang="en-US" sz="1200">
                 <a:solidFill>
                   <a:srgbClr val="92D050"/>
                 </a:solidFill>
                 <a:latin typeface="微软雅黑" panose="020B0503020204020204" pitchFamily="34" charset="-122"/>
                 <a:ea typeface="微软雅黑" panose="020B0503020204020204" pitchFamily="34" charset="-122"/>
               </a:rPr>
-              <a:t>pos</a:t>
-            </a:r>
-            <a:r>
-              <a:rPr lang="en-US" altLang="zh-CN" sz="1200" dirty="0" smtClean="0">
+              <a:t>库</a:t>
+            </a:r>
+            <a:r>
+              <a:rPr lang="zh-CN" altLang="en-US" sz="1200" smtClean="0">
                 <a:solidFill>
                   <a:srgbClr val="92D050"/>
                 </a:solidFill>
                 <a:latin typeface="微软雅黑" panose="020B0503020204020204" pitchFamily="34" charset="-122"/>
                 <a:ea typeface="微软雅黑" panose="020B0503020204020204" pitchFamily="34" charset="-122"/>
               </a:rPr>
-              <a:t>[, timeout]);</a:t>
-            </a:r>
-          </a:p>
-          <a:p>
-            <a:r>
-              <a:rPr lang="zh-CN" altLang="en-US" sz="1200" dirty="0" smtClean="0">
+              <a:t>；</a:t>
+            </a:r>
+            <a:endParaRPr lang="en-US" altLang="zh-CN" sz="1200" smtClean="0">
+              <a:solidFill>
+                <a:srgbClr val="92D050"/>
+              </a:solidFill>
+              <a:latin typeface="微软雅黑" panose="020B0503020204020204" pitchFamily="34" charset="-122"/>
+              <a:ea typeface="微软雅黑" panose="020B0503020204020204" pitchFamily="34" charset="-122"/>
+            </a:endParaRPr>
+          </a:p>
+          <a:p>
+            <a:pPr marL="171450" indent="-171450">
+              <a:buFont typeface="Arial" panose="020B0604020202020204" pitchFamily="34" charset="0"/>
+              <a:buChar char="•"/>
+            </a:pPr>
+            <a:r>
+              <a:rPr lang="zh-CN" altLang="en-US" sz="1200" smtClean="0">
                 <a:solidFill>
                   <a:srgbClr val="92D050"/>
                 </a:solidFill>
                 <a:latin typeface="微软雅黑" panose="020B0503020204020204" pitchFamily="34" charset="-122"/>
                 <a:ea typeface="微软雅黑" panose="020B0503020204020204" pitchFamily="34" charset="-122"/>
               </a:rPr>
-              <a:t>语句在从库上执行。</a:t>
+              <a:t>从</a:t>
+            </a:r>
+            <a:r>
+              <a:rPr lang="zh-CN" altLang="en-US" sz="1200">
+                <a:solidFill>
+                  <a:srgbClr val="92D050"/>
+                </a:solidFill>
+                <a:latin typeface="微软雅黑" panose="020B0503020204020204" pitchFamily="34" charset="-122"/>
+                <a:ea typeface="微软雅黑" panose="020B0503020204020204" pitchFamily="34" charset="-122"/>
+              </a:rPr>
+              <a:t>库收到 </a:t>
+            </a:r>
+            <a:r>
+              <a:rPr lang="en-US" altLang="zh-CN" sz="1200">
+                <a:solidFill>
+                  <a:srgbClr val="92D050"/>
+                </a:solidFill>
+                <a:latin typeface="微软雅黑" panose="020B0503020204020204" pitchFamily="34" charset="-122"/>
+                <a:ea typeface="微软雅黑" panose="020B0503020204020204" pitchFamily="34" charset="-122"/>
+              </a:rPr>
+              <a:t>binlog </a:t>
+            </a:r>
+            <a:r>
+              <a:rPr lang="zh-CN" altLang="en-US" sz="1200">
+                <a:solidFill>
+                  <a:srgbClr val="92D050"/>
+                </a:solidFill>
+                <a:latin typeface="微软雅黑" panose="020B0503020204020204" pitchFamily="34" charset="-122"/>
+                <a:ea typeface="微软雅黑" panose="020B0503020204020204" pitchFamily="34" charset="-122"/>
+              </a:rPr>
+              <a:t>以后，发回给主库一个 </a:t>
+            </a:r>
+            <a:r>
+              <a:rPr lang="en-US" altLang="zh-CN" sz="1200">
+                <a:solidFill>
+                  <a:srgbClr val="92D050"/>
+                </a:solidFill>
+                <a:latin typeface="微软雅黑" panose="020B0503020204020204" pitchFamily="34" charset="-122"/>
+                <a:ea typeface="微软雅黑" panose="020B0503020204020204" pitchFamily="34" charset="-122"/>
+              </a:rPr>
+              <a:t>ack</a:t>
+            </a:r>
+            <a:r>
+              <a:rPr lang="zh-CN" altLang="en-US" sz="1200">
+                <a:solidFill>
+                  <a:srgbClr val="92D050"/>
+                </a:solidFill>
+                <a:latin typeface="微软雅黑" panose="020B0503020204020204" pitchFamily="34" charset="-122"/>
+                <a:ea typeface="微软雅黑" panose="020B0503020204020204" pitchFamily="34" charset="-122"/>
+              </a:rPr>
+              <a:t>，表示收到</a:t>
+            </a:r>
+            <a:r>
+              <a:rPr lang="zh-CN" altLang="en-US" sz="1200">
+                <a:solidFill>
+                  <a:srgbClr val="92D050"/>
+                </a:solidFill>
+                <a:latin typeface="微软雅黑" panose="020B0503020204020204" pitchFamily="34" charset="-122"/>
+                <a:ea typeface="微软雅黑" panose="020B0503020204020204" pitchFamily="34" charset="-122"/>
+              </a:rPr>
+              <a:t>了</a:t>
+            </a:r>
+            <a:r>
+              <a:rPr lang="zh-CN" altLang="en-US" sz="1200" smtClean="0">
+                <a:solidFill>
+                  <a:srgbClr val="92D050"/>
+                </a:solidFill>
+                <a:latin typeface="微软雅黑" panose="020B0503020204020204" pitchFamily="34" charset="-122"/>
+                <a:ea typeface="微软雅黑" panose="020B0503020204020204" pitchFamily="34" charset="-122"/>
+              </a:rPr>
+              <a:t>；</a:t>
+            </a:r>
+            <a:endParaRPr lang="en-US" altLang="zh-CN" sz="1200" smtClean="0">
+              <a:solidFill>
+                <a:srgbClr val="92D050"/>
+              </a:solidFill>
+              <a:latin typeface="微软雅黑" panose="020B0503020204020204" pitchFamily="34" charset="-122"/>
+              <a:ea typeface="微软雅黑" panose="020B0503020204020204" pitchFamily="34" charset="-122"/>
+            </a:endParaRPr>
+          </a:p>
+          <a:p>
+            <a:pPr marL="171450" indent="-171450">
+              <a:buFont typeface="Arial" panose="020B0604020202020204" pitchFamily="34" charset="0"/>
+              <a:buChar char="•"/>
+            </a:pPr>
+            <a:r>
+              <a:rPr lang="zh-CN" altLang="en-US" sz="1200" smtClean="0">
+                <a:solidFill>
+                  <a:srgbClr val="92D050"/>
+                </a:solidFill>
+                <a:latin typeface="微软雅黑" panose="020B0503020204020204" pitchFamily="34" charset="-122"/>
+                <a:ea typeface="微软雅黑" panose="020B0503020204020204" pitchFamily="34" charset="-122"/>
+              </a:rPr>
+              <a:t>主</a:t>
+            </a:r>
+            <a:r>
+              <a:rPr lang="zh-CN" altLang="en-US" sz="1200">
+                <a:solidFill>
+                  <a:srgbClr val="92D050"/>
+                </a:solidFill>
+                <a:latin typeface="微软雅黑" panose="020B0503020204020204" pitchFamily="34" charset="-122"/>
+                <a:ea typeface="微软雅黑" panose="020B0503020204020204" pitchFamily="34" charset="-122"/>
+              </a:rPr>
+              <a:t>库收到这个 </a:t>
+            </a:r>
+            <a:r>
+              <a:rPr lang="en-US" altLang="zh-CN" sz="1200">
+                <a:solidFill>
+                  <a:srgbClr val="92D050"/>
+                </a:solidFill>
+                <a:latin typeface="微软雅黑" panose="020B0503020204020204" pitchFamily="34" charset="-122"/>
+                <a:ea typeface="微软雅黑" panose="020B0503020204020204" pitchFamily="34" charset="-122"/>
+              </a:rPr>
+              <a:t>ack </a:t>
+            </a:r>
+            <a:r>
+              <a:rPr lang="zh-CN" altLang="en-US" sz="1200">
+                <a:solidFill>
+                  <a:srgbClr val="92D050"/>
+                </a:solidFill>
+                <a:latin typeface="微软雅黑" panose="020B0503020204020204" pitchFamily="34" charset="-122"/>
+                <a:ea typeface="微软雅黑" panose="020B0503020204020204" pitchFamily="34" charset="-122"/>
+              </a:rPr>
+              <a:t>以后，才能给客户端返回“事务完成”的确认。</a:t>
             </a:r>
             <a:endParaRPr lang="en-US" altLang="zh-CN" sz="1200" dirty="0" smtClean="0">
               <a:solidFill>
@@ -12700,134 +12688,6 @@
               <a:ea typeface="微软雅黑" panose="020B0503020204020204" pitchFamily="34" charset="-122"/>
             </a:endParaRPr>
           </a:p>
-          <a:p>
-            <a:r>
-              <a:rPr lang="zh-CN" altLang="en-US" sz="1200" dirty="0" smtClean="0">
-                <a:solidFill>
-                  <a:srgbClr val="92D050"/>
-                </a:solidFill>
-                <a:latin typeface="微软雅黑" panose="020B0503020204020204" pitchFamily="34" charset="-122"/>
-                <a:ea typeface="微软雅黑" panose="020B0503020204020204" pitchFamily="34" charset="-122"/>
-              </a:rPr>
-              <a:t>参数</a:t>
-            </a:r>
-            <a:r>
-              <a:rPr lang="en-US" altLang="zh-CN" sz="1200" dirty="0" smtClean="0">
-                <a:solidFill>
-                  <a:srgbClr val="92D050"/>
-                </a:solidFill>
-                <a:latin typeface="微软雅黑" panose="020B0503020204020204" pitchFamily="34" charset="-122"/>
-                <a:ea typeface="微软雅黑" panose="020B0503020204020204" pitchFamily="34" charset="-122"/>
-              </a:rPr>
-              <a:t>file</a:t>
-            </a:r>
-            <a:r>
-              <a:rPr lang="zh-CN" altLang="en-US" sz="1200" dirty="0" smtClean="0">
-                <a:solidFill>
-                  <a:srgbClr val="92D050"/>
-                </a:solidFill>
-                <a:latin typeface="微软雅黑" panose="020B0503020204020204" pitchFamily="34" charset="-122"/>
-                <a:ea typeface="微软雅黑" panose="020B0503020204020204" pitchFamily="34" charset="-122"/>
-              </a:rPr>
-              <a:t>和</a:t>
-            </a:r>
-            <a:r>
-              <a:rPr lang="en-US" altLang="zh-CN" sz="1200" dirty="0" err="1" smtClean="0">
-                <a:solidFill>
-                  <a:srgbClr val="92D050"/>
-                </a:solidFill>
-                <a:latin typeface="微软雅黑" panose="020B0503020204020204" pitchFamily="34" charset="-122"/>
-                <a:ea typeface="微软雅黑" panose="020B0503020204020204" pitchFamily="34" charset="-122"/>
-              </a:rPr>
-              <a:t>pos</a:t>
-            </a:r>
-            <a:r>
-              <a:rPr lang="zh-CN" altLang="en-US" sz="1200" dirty="0" smtClean="0">
-                <a:solidFill>
-                  <a:srgbClr val="92D050"/>
-                </a:solidFill>
-                <a:latin typeface="微软雅黑" panose="020B0503020204020204" pitchFamily="34" charset="-122"/>
-                <a:ea typeface="微软雅黑" panose="020B0503020204020204" pitchFamily="34" charset="-122"/>
-              </a:rPr>
-              <a:t>指的是主库上的文件名和位置。</a:t>
-            </a:r>
-            <a:endParaRPr lang="en-US" altLang="zh-CN" sz="1200" dirty="0" smtClean="0">
-              <a:solidFill>
-                <a:srgbClr val="92D050"/>
-              </a:solidFill>
-              <a:latin typeface="微软雅黑" panose="020B0503020204020204" pitchFamily="34" charset="-122"/>
-              <a:ea typeface="微软雅黑" panose="020B0503020204020204" pitchFamily="34" charset="-122"/>
-            </a:endParaRPr>
-          </a:p>
-          <a:p>
-            <a:r>
-              <a:rPr lang="en-US" altLang="zh-CN" sz="1200" dirty="0" smtClean="0">
-                <a:solidFill>
-                  <a:srgbClr val="92D050"/>
-                </a:solidFill>
-                <a:latin typeface="微软雅黑" panose="020B0503020204020204" pitchFamily="34" charset="-122"/>
-                <a:ea typeface="微软雅黑" panose="020B0503020204020204" pitchFamily="34" charset="-122"/>
-              </a:rPr>
-              <a:t>timeout</a:t>
-            </a:r>
-            <a:r>
-              <a:rPr lang="zh-CN" altLang="en-US" sz="1200" dirty="0" smtClean="0">
-                <a:solidFill>
-                  <a:srgbClr val="92D050"/>
-                </a:solidFill>
-                <a:latin typeface="微软雅黑" panose="020B0503020204020204" pitchFamily="34" charset="-122"/>
-                <a:ea typeface="微软雅黑" panose="020B0503020204020204" pitchFamily="34" charset="-122"/>
-              </a:rPr>
-              <a:t>可选，设置为正整数</a:t>
-            </a:r>
-            <a:r>
-              <a:rPr lang="en-US" altLang="zh-CN" sz="1200" dirty="0" smtClean="0">
-                <a:solidFill>
-                  <a:srgbClr val="92D050"/>
-                </a:solidFill>
-                <a:latin typeface="微软雅黑" panose="020B0503020204020204" pitchFamily="34" charset="-122"/>
-                <a:ea typeface="微软雅黑" panose="020B0503020204020204" pitchFamily="34" charset="-122"/>
-              </a:rPr>
-              <a:t>N</a:t>
-            </a:r>
-            <a:r>
-              <a:rPr lang="zh-CN" altLang="en-US" sz="1200" dirty="0" smtClean="0">
-                <a:solidFill>
-                  <a:srgbClr val="92D050"/>
-                </a:solidFill>
-                <a:latin typeface="微软雅黑" panose="020B0503020204020204" pitchFamily="34" charset="-122"/>
-                <a:ea typeface="微软雅黑" panose="020B0503020204020204" pitchFamily="34" charset="-122"/>
-              </a:rPr>
-              <a:t>表示这个函数最多等待</a:t>
-            </a:r>
-            <a:r>
-              <a:rPr lang="en-US" altLang="zh-CN" sz="1200" dirty="0" smtClean="0">
-                <a:solidFill>
-                  <a:srgbClr val="92D050"/>
-                </a:solidFill>
-                <a:latin typeface="微软雅黑" panose="020B0503020204020204" pitchFamily="34" charset="-122"/>
-                <a:ea typeface="微软雅黑" panose="020B0503020204020204" pitchFamily="34" charset="-122"/>
-              </a:rPr>
-              <a:t>N</a:t>
-            </a:r>
-            <a:r>
-              <a:rPr lang="zh-CN" altLang="en-US" sz="1200" dirty="0" smtClean="0">
-                <a:solidFill>
-                  <a:srgbClr val="92D050"/>
-                </a:solidFill>
-                <a:latin typeface="微软雅黑" panose="020B0503020204020204" pitchFamily="34" charset="-122"/>
-                <a:ea typeface="微软雅黑" panose="020B0503020204020204" pitchFamily="34" charset="-122"/>
-              </a:rPr>
-              <a:t>秒。</a:t>
-            </a:r>
-            <a:endParaRPr lang="en-US" altLang="zh-CN" sz="1200" dirty="0" smtClean="0">
-              <a:solidFill>
-                <a:srgbClr val="92D050"/>
-              </a:solidFill>
-              <a:latin typeface="微软雅黑" panose="020B0503020204020204" pitchFamily="34" charset="-122"/>
-              <a:ea typeface="微软雅黑" panose="020B0503020204020204" pitchFamily="34" charset="-122"/>
-            </a:endParaRPr>
-          </a:p>
         </p:txBody>
       </p:sp>
       <p:sp>
@@ -12838,7 +12698,7 @@
         </p:nvSpPr>
         <p:spPr>
           <a:xfrm>
-            <a:off x="184404" y="3208982"/>
+            <a:off x="490825" y="3768218"/>
             <a:ext cx="900066" cy="470052"/>
           </a:xfrm>
           <a:prstGeom prst="rect">
@@ -12911,7 +12771,7 @@
         </p:nvSpPr>
         <p:spPr>
           <a:xfrm>
-            <a:off x="792053" y="2294742"/>
+            <a:off x="1890202" y="2273357"/>
             <a:ext cx="990600" cy="451873"/>
           </a:xfrm>
           <a:prstGeom prst="ellipse">
@@ -12977,8 +12837,8 @@
         </p:nvCxnSpPr>
         <p:spPr>
           <a:xfrm flipH="1">
-            <a:off x="634437" y="2680440"/>
-            <a:ext cx="302686" cy="528542"/>
+            <a:off x="940858" y="2659055"/>
+            <a:ext cx="1094414" cy="1109163"/>
           </a:xfrm>
           <a:prstGeom prst="straightConnector1">
             <a:avLst/>
@@ -13013,7 +12873,7 @@
         </p:nvSpPr>
         <p:spPr>
           <a:xfrm>
-            <a:off x="2159508" y="3208982"/>
+            <a:off x="3398829" y="3768218"/>
             <a:ext cx="900066" cy="470052"/>
           </a:xfrm>
           <a:prstGeom prst="rect">
@@ -13089,8 +12949,8 @@
         </p:nvCxnSpPr>
         <p:spPr>
           <a:xfrm>
-            <a:off x="1084470" y="3444008"/>
-            <a:ext cx="1075038" cy="0"/>
+            <a:off x="1390891" y="4003244"/>
+            <a:ext cx="2007938" cy="0"/>
           </a:xfrm>
           <a:prstGeom prst="straightConnector1">
             <a:avLst/>
@@ -13099,7 +12959,8 @@
             <a:solidFill>
               <a:srgbClr val="FFFF00"/>
             </a:solidFill>
-            <a:tailEnd type="triangle"/>
+            <a:headEnd type="triangle" w="med" len="med"/>
+            <a:tailEnd type="none" w="med" len="med"/>
           </a:ln>
         </p:spPr>
         <p:style>
@@ -13125,7 +12986,7 @@
         </p:nvSpPr>
         <p:spPr>
           <a:xfrm>
-            <a:off x="2159508" y="2931983"/>
+            <a:off x="3398829" y="4252859"/>
             <a:ext cx="864478" cy="276999"/>
           </a:xfrm>
           <a:prstGeom prst="rect">
@@ -13171,9 +13032,303 @@
           <p:nvPr/>
         </p:nvCxnSpPr>
         <p:spPr>
-          <a:xfrm flipH="1">
-            <a:off x="1084470" y="3541451"/>
-            <a:ext cx="1075038" cy="14817"/>
+          <a:xfrm flipH="1" flipV="1">
+            <a:off x="1390891" y="3878322"/>
+            <a:ext cx="2007938" cy="3666"/>
+          </a:xfrm>
+          <a:prstGeom prst="straightConnector1">
+            <a:avLst/>
+          </a:prstGeom>
+          <a:ln>
+            <a:solidFill>
+              <a:srgbClr val="FFFF00"/>
+            </a:solidFill>
+            <a:headEnd type="triangle" w="med" len="med"/>
+            <a:tailEnd type="none" w="med" len="med"/>
+          </a:ln>
+        </p:spPr>
+        <p:style>
+          <a:lnRef idx="1">
+            <a:schemeClr val="accent1"/>
+          </a:lnRef>
+          <a:fillRef idx="0">
+            <a:schemeClr val="accent1"/>
+          </a:fillRef>
+          <a:effectRef idx="0">
+            <a:schemeClr val="accent1"/>
+          </a:effectRef>
+          <a:fontRef idx="minor">
+            <a:schemeClr val="tx1"/>
+          </a:fontRef>
+        </p:style>
+      </p:cxnSp>
+      <p:sp>
+        <p:nvSpPr>
+          <p:cNvPr id="96" name="矩形 95"/>
+          <p:cNvSpPr/>
+          <p:nvPr/>
+        </p:nvSpPr>
+        <p:spPr>
+          <a:xfrm>
+            <a:off x="836860" y="2955391"/>
+            <a:ext cx="1302409" cy="246221"/>
+          </a:xfrm>
+          <a:prstGeom prst="rect">
+            <a:avLst/>
+          </a:prstGeom>
+        </p:spPr>
+        <p:txBody>
+          <a:bodyPr wrap="square">
+            <a:spAutoFit/>
+          </a:bodyPr>
+          <a:lstStyle/>
+          <a:p>
+            <a:r>
+              <a:rPr lang="en-US" altLang="zh-CN" sz="1000" smtClean="0">
+                <a:solidFill>
+                  <a:srgbClr val="FFFF00"/>
+                </a:solidFill>
+                <a:latin typeface="微软雅黑" panose="020B0503020204020204" pitchFamily="34" charset="-122"/>
+                <a:ea typeface="微软雅黑" panose="020B0503020204020204" pitchFamily="34" charset="-122"/>
+              </a:rPr>
+              <a:t>1</a:t>
+            </a:r>
+            <a:r>
+              <a:rPr lang="zh-CN" altLang="en-US" sz="1000" smtClean="0">
+                <a:solidFill>
+                  <a:srgbClr val="FFFF00"/>
+                </a:solidFill>
+                <a:latin typeface="微软雅黑" panose="020B0503020204020204" pitchFamily="34" charset="-122"/>
+                <a:ea typeface="微软雅黑" panose="020B0503020204020204" pitchFamily="34" charset="-122"/>
+              </a:rPr>
+              <a:t>、</a:t>
+            </a:r>
+            <a:r>
+              <a:rPr lang="en-US" altLang="zh-CN" sz="1000" smtClean="0">
+                <a:solidFill>
+                  <a:srgbClr val="FFFF00"/>
+                </a:solidFill>
+                <a:latin typeface="微软雅黑" panose="020B0503020204020204" pitchFamily="34" charset="-122"/>
+                <a:ea typeface="微软雅黑" panose="020B0503020204020204" pitchFamily="34" charset="-122"/>
+              </a:rPr>
+              <a:t>write </a:t>
+            </a:r>
+            <a:r>
+              <a:rPr lang="en-US" altLang="zh-CN" sz="1000" dirty="0" smtClean="0">
+                <a:solidFill>
+                  <a:srgbClr val="FFFF00"/>
+                </a:solidFill>
+                <a:latin typeface="微软雅黑" panose="020B0503020204020204" pitchFamily="34" charset="-122"/>
+                <a:ea typeface="微软雅黑" panose="020B0503020204020204" pitchFamily="34" charset="-122"/>
+              </a:rPr>
+              <a:t>trx1</a:t>
+            </a:r>
+          </a:p>
+        </p:txBody>
+      </p:sp>
+      <p:sp>
+        <p:nvSpPr>
+          <p:cNvPr id="51" name="矩形 50"/>
+          <p:cNvSpPr/>
+          <p:nvPr/>
+        </p:nvSpPr>
+        <p:spPr>
+          <a:xfrm>
+            <a:off x="1688777" y="3648396"/>
+            <a:ext cx="1490635" cy="246221"/>
+          </a:xfrm>
+          <a:prstGeom prst="rect">
+            <a:avLst/>
+          </a:prstGeom>
+        </p:spPr>
+        <p:txBody>
+          <a:bodyPr wrap="square">
+            <a:spAutoFit/>
+          </a:bodyPr>
+          <a:lstStyle/>
+          <a:p>
+            <a:r>
+              <a:rPr lang="en-US" altLang="zh-CN" sz="1000" smtClean="0">
+                <a:solidFill>
+                  <a:srgbClr val="FFFF00"/>
+                </a:solidFill>
+                <a:latin typeface="微软雅黑" panose="020B0503020204020204" pitchFamily="34" charset="-122"/>
+                <a:ea typeface="微软雅黑" panose="020B0503020204020204" pitchFamily="34" charset="-122"/>
+              </a:rPr>
+              <a:t>2</a:t>
+            </a:r>
+            <a:r>
+              <a:rPr lang="zh-CN" altLang="en-US" sz="1000" smtClean="0">
+                <a:solidFill>
+                  <a:srgbClr val="FFFF00"/>
+                </a:solidFill>
+                <a:latin typeface="微软雅黑" panose="020B0503020204020204" pitchFamily="34" charset="-122"/>
+                <a:ea typeface="微软雅黑" panose="020B0503020204020204" pitchFamily="34" charset="-122"/>
+              </a:rPr>
+              <a:t>、</a:t>
+            </a:r>
+            <a:r>
+              <a:rPr lang="en-US" altLang="zh-CN" sz="1000" smtClean="0">
+                <a:solidFill>
+                  <a:srgbClr val="FFFF00"/>
+                </a:solidFill>
+                <a:latin typeface="微软雅黑" panose="020B0503020204020204" pitchFamily="34" charset="-122"/>
+                <a:ea typeface="微软雅黑" panose="020B0503020204020204" pitchFamily="34" charset="-122"/>
+              </a:rPr>
+              <a:t>binlog </a:t>
+            </a:r>
+            <a:r>
+              <a:rPr lang="en-US" altLang="zh-CN" sz="1000">
+                <a:solidFill>
+                  <a:srgbClr val="FFFF00"/>
+                </a:solidFill>
+                <a:latin typeface="微软雅黑" panose="020B0503020204020204" pitchFamily="34" charset="-122"/>
+                <a:ea typeface="微软雅黑" panose="020B0503020204020204" pitchFamily="34" charset="-122"/>
+              </a:rPr>
+              <a:t>semi-sync</a:t>
+            </a:r>
+            <a:endParaRPr lang="en-US" altLang="zh-CN" sz="1000" dirty="0">
+              <a:solidFill>
+                <a:srgbClr val="FFFF00"/>
+              </a:solidFill>
+              <a:latin typeface="微软雅黑" panose="020B0503020204020204" pitchFamily="34" charset="-122"/>
+              <a:ea typeface="微软雅黑" panose="020B0503020204020204" pitchFamily="34" charset="-122"/>
+            </a:endParaRPr>
+          </a:p>
+        </p:txBody>
+      </p:sp>
+      <p:sp>
+        <p:nvSpPr>
+          <p:cNvPr id="52" name="矩形 51"/>
+          <p:cNvSpPr/>
+          <p:nvPr/>
+        </p:nvSpPr>
+        <p:spPr>
+          <a:xfrm>
+            <a:off x="1940541" y="4000234"/>
+            <a:ext cx="1302409" cy="246221"/>
+          </a:xfrm>
+          <a:prstGeom prst="rect">
+            <a:avLst/>
+          </a:prstGeom>
+        </p:spPr>
+        <p:txBody>
+          <a:bodyPr wrap="square">
+            <a:spAutoFit/>
+          </a:bodyPr>
+          <a:lstStyle/>
+          <a:p>
+            <a:r>
+              <a:rPr lang="en-US" altLang="zh-CN" sz="1000" smtClean="0">
+                <a:solidFill>
+                  <a:srgbClr val="FFFF00"/>
+                </a:solidFill>
+                <a:latin typeface="微软雅黑" panose="020B0503020204020204" pitchFamily="34" charset="-122"/>
+                <a:ea typeface="微软雅黑" panose="020B0503020204020204" pitchFamily="34" charset="-122"/>
+              </a:rPr>
+              <a:t>3</a:t>
+            </a:r>
+            <a:r>
+              <a:rPr lang="zh-CN" altLang="en-US" sz="1000" smtClean="0">
+                <a:solidFill>
+                  <a:srgbClr val="FFFF00"/>
+                </a:solidFill>
+                <a:latin typeface="微软雅黑" panose="020B0503020204020204" pitchFamily="34" charset="-122"/>
+                <a:ea typeface="微软雅黑" panose="020B0503020204020204" pitchFamily="34" charset="-122"/>
+              </a:rPr>
+              <a:t>、</a:t>
+            </a:r>
+            <a:r>
+              <a:rPr lang="en-US" altLang="zh-CN" sz="1000" smtClean="0">
+                <a:solidFill>
+                  <a:srgbClr val="FFFF00"/>
+                </a:solidFill>
+                <a:latin typeface="微软雅黑" panose="020B0503020204020204" pitchFamily="34" charset="-122"/>
+                <a:ea typeface="微软雅黑" panose="020B0503020204020204" pitchFamily="34" charset="-122"/>
+              </a:rPr>
+              <a:t>ACK</a:t>
+            </a:r>
+            <a:endParaRPr lang="en-US" altLang="zh-CN" sz="1000" dirty="0" smtClean="0">
+              <a:solidFill>
+                <a:srgbClr val="FFFF00"/>
+              </a:solidFill>
+              <a:latin typeface="微软雅黑" panose="020B0503020204020204" pitchFamily="34" charset="-122"/>
+              <a:ea typeface="微软雅黑" panose="020B0503020204020204" pitchFamily="34" charset="-122"/>
+            </a:endParaRPr>
+          </a:p>
+        </p:txBody>
+      </p:sp>
+      <p:sp>
+        <p:nvSpPr>
+          <p:cNvPr id="53" name="矩形 52"/>
+          <p:cNvSpPr/>
+          <p:nvPr/>
+        </p:nvSpPr>
+        <p:spPr>
+          <a:xfrm>
+            <a:off x="1637942" y="3208189"/>
+            <a:ext cx="1302409" cy="246221"/>
+          </a:xfrm>
+          <a:prstGeom prst="rect">
+            <a:avLst/>
+          </a:prstGeom>
+        </p:spPr>
+        <p:txBody>
+          <a:bodyPr wrap="square">
+            <a:spAutoFit/>
+          </a:bodyPr>
+          <a:lstStyle/>
+          <a:p>
+            <a:r>
+              <a:rPr lang="en-US" altLang="zh-CN" sz="1000" smtClean="0">
+                <a:solidFill>
+                  <a:srgbClr val="FFFF00"/>
+                </a:solidFill>
+                <a:latin typeface="微软雅黑" panose="020B0503020204020204" pitchFamily="34" charset="-122"/>
+                <a:ea typeface="微软雅黑" panose="020B0503020204020204" pitchFamily="34" charset="-122"/>
+              </a:rPr>
+              <a:t>4</a:t>
+            </a:r>
+            <a:r>
+              <a:rPr lang="zh-CN" altLang="en-US" sz="1000" smtClean="0">
+                <a:solidFill>
+                  <a:srgbClr val="FFFF00"/>
+                </a:solidFill>
+                <a:latin typeface="微软雅黑" panose="020B0503020204020204" pitchFamily="34" charset="-122"/>
+                <a:ea typeface="微软雅黑" panose="020B0503020204020204" pitchFamily="34" charset="-122"/>
+              </a:rPr>
+              <a:t>、</a:t>
+            </a:r>
+            <a:r>
+              <a:rPr lang="en-US" altLang="zh-CN" sz="1000" smtClean="0">
+                <a:solidFill>
+                  <a:srgbClr val="FFFF00"/>
+                </a:solidFill>
+                <a:latin typeface="微软雅黑" panose="020B0503020204020204" pitchFamily="34" charset="-122"/>
+                <a:ea typeface="微软雅黑" panose="020B0503020204020204" pitchFamily="34" charset="-122"/>
+              </a:rPr>
+              <a:t>OK</a:t>
+            </a:r>
+            <a:endParaRPr lang="en-US" altLang="zh-CN" sz="1000" dirty="0" smtClean="0">
+              <a:solidFill>
+                <a:srgbClr val="FFFF00"/>
+              </a:solidFill>
+              <a:latin typeface="微软雅黑" panose="020B0503020204020204" pitchFamily="34" charset="-122"/>
+              <a:ea typeface="微软雅黑" panose="020B0503020204020204" pitchFamily="34" charset="-122"/>
+            </a:endParaRPr>
+          </a:p>
+        </p:txBody>
+      </p:sp>
+      <p:cxnSp>
+        <p:nvCxnSpPr>
+          <p:cNvPr id="54" name="直接箭头连接符 53"/>
+          <p:cNvCxnSpPr/>
+          <p:nvPr/>
+        </p:nvCxnSpPr>
+        <p:spPr>
+          <a:xfrm flipV="1">
+            <a:off x="1129085" y="2725230"/>
+            <a:ext cx="1062065" cy="1028739"/>
           </a:xfrm>
           <a:prstGeom prst="straightConnector1">
             <a:avLst/>
@@ -13202,483 +13357,13 @@
       </p:cxnSp>
       <p:sp>
         <p:nvSpPr>
-          <p:cNvPr id="93" name="圆角矩形 92"/>
+          <p:cNvPr id="57" name="矩形 56"/>
           <p:cNvSpPr/>
           <p:nvPr/>
         </p:nvSpPr>
         <p:spPr>
           <a:xfrm>
-            <a:off x="9417402" y="3763577"/>
-            <a:ext cx="768350" cy="755650"/>
-          </a:xfrm>
-          <a:prstGeom prst="roundRect">
-            <a:avLst/>
-          </a:prstGeom>
-          <a:noFill/>
-        </p:spPr>
-        <p:style>
-          <a:lnRef idx="2">
-            <a:schemeClr val="accent1">
-              <a:shade val="50000"/>
-            </a:schemeClr>
-          </a:lnRef>
-          <a:fillRef idx="1">
-            <a:schemeClr val="accent1"/>
-          </a:fillRef>
-          <a:effectRef idx="0">
-            <a:schemeClr val="accent1"/>
-          </a:effectRef>
-          <a:fontRef idx="minor">
-            <a:schemeClr val="lt1"/>
-          </a:fontRef>
-        </p:style>
-        <p:txBody>
-          <a:bodyPr rtlCol="0" anchor="ctr"/>
-          <a:lstStyle/>
-          <a:p>
-            <a:pPr algn="ctr"/>
-            <a:r>
-              <a:rPr lang="en-US" altLang="zh-CN" sz="900" dirty="0" smtClean="0">
-                <a:latin typeface="微软雅黑" panose="020B0503020204020204" pitchFamily="34" charset="-122"/>
-                <a:ea typeface="微软雅黑" panose="020B0503020204020204" pitchFamily="34" charset="-122"/>
-              </a:rPr>
-              <a:t>relay log</a:t>
-            </a:r>
-          </a:p>
-          <a:p>
-            <a:pPr algn="ctr"/>
-            <a:r>
-              <a:rPr lang="en-US" altLang="zh-CN" sz="900" dirty="0" err="1" smtClean="0">
-                <a:latin typeface="微软雅黑" panose="020B0503020204020204" pitchFamily="34" charset="-122"/>
-                <a:ea typeface="微软雅黑" panose="020B0503020204020204" pitchFamily="34" charset="-122"/>
-              </a:rPr>
-              <a:t>trx</a:t>
-            </a:r>
-            <a:r>
-              <a:rPr lang="en-US" altLang="zh-CN" sz="900" dirty="0" smtClean="0">
-                <a:latin typeface="微软雅黑" panose="020B0503020204020204" pitchFamily="34" charset="-122"/>
-                <a:ea typeface="微软雅黑" panose="020B0503020204020204" pitchFamily="34" charset="-122"/>
-              </a:rPr>
-              <a:t> 1</a:t>
-            </a:r>
-          </a:p>
-        </p:txBody>
-      </p:sp>
-      <p:sp>
-        <p:nvSpPr>
-          <p:cNvPr id="94" name="圆角矩形 93"/>
-          <p:cNvSpPr/>
-          <p:nvPr/>
-        </p:nvSpPr>
-        <p:spPr>
-          <a:xfrm>
-            <a:off x="250262" y="3829751"/>
-            <a:ext cx="768350" cy="755650"/>
-          </a:xfrm>
-          <a:prstGeom prst="roundRect">
-            <a:avLst/>
-          </a:prstGeom>
-          <a:noFill/>
-        </p:spPr>
-        <p:style>
-          <a:lnRef idx="2">
-            <a:schemeClr val="accent1">
-              <a:shade val="50000"/>
-            </a:schemeClr>
-          </a:lnRef>
-          <a:fillRef idx="1">
-            <a:schemeClr val="accent1"/>
-          </a:fillRef>
-          <a:effectRef idx="0">
-            <a:schemeClr val="accent1"/>
-          </a:effectRef>
-          <a:fontRef idx="minor">
-            <a:schemeClr val="lt1"/>
-          </a:fontRef>
-        </p:style>
-        <p:txBody>
-          <a:bodyPr rtlCol="0" anchor="ctr"/>
-          <a:lstStyle/>
-          <a:p>
-            <a:pPr algn="ctr"/>
-            <a:r>
-              <a:rPr lang="en-US" altLang="zh-CN" sz="900" dirty="0" smtClean="0">
-                <a:latin typeface="微软雅黑" panose="020B0503020204020204" pitchFamily="34" charset="-122"/>
-                <a:ea typeface="微软雅黑" panose="020B0503020204020204" pitchFamily="34" charset="-122"/>
-              </a:rPr>
-              <a:t>bin log</a:t>
-            </a:r>
-          </a:p>
-          <a:p>
-            <a:pPr algn="ctr"/>
-            <a:r>
-              <a:rPr lang="en-US" altLang="zh-CN" sz="900" dirty="0" err="1" smtClean="0">
-                <a:latin typeface="微软雅黑" panose="020B0503020204020204" pitchFamily="34" charset="-122"/>
-                <a:ea typeface="微软雅黑" panose="020B0503020204020204" pitchFamily="34" charset="-122"/>
-              </a:rPr>
-              <a:t>trx</a:t>
-            </a:r>
-            <a:r>
-              <a:rPr lang="en-US" altLang="zh-CN" sz="900" dirty="0" smtClean="0">
-                <a:latin typeface="微软雅黑" panose="020B0503020204020204" pitchFamily="34" charset="-122"/>
-                <a:ea typeface="微软雅黑" panose="020B0503020204020204" pitchFamily="34" charset="-122"/>
-              </a:rPr>
-              <a:t> 1</a:t>
-            </a:r>
-          </a:p>
-          <a:p>
-            <a:pPr algn="ctr"/>
-            <a:r>
-              <a:rPr lang="en-US" altLang="zh-CN" sz="900" dirty="0" err="1" smtClean="0">
-                <a:latin typeface="微软雅黑" panose="020B0503020204020204" pitchFamily="34" charset="-122"/>
-                <a:ea typeface="微软雅黑" panose="020B0503020204020204" pitchFamily="34" charset="-122"/>
-              </a:rPr>
-              <a:t>trx</a:t>
-            </a:r>
-            <a:r>
-              <a:rPr lang="en-US" altLang="zh-CN" sz="900" dirty="0" smtClean="0">
-                <a:latin typeface="微软雅黑" panose="020B0503020204020204" pitchFamily="34" charset="-122"/>
-                <a:ea typeface="微软雅黑" panose="020B0503020204020204" pitchFamily="34" charset="-122"/>
-              </a:rPr>
-              <a:t> 2</a:t>
-            </a:r>
-          </a:p>
-          <a:p>
-            <a:pPr algn="ctr"/>
-            <a:r>
-              <a:rPr lang="en-US" altLang="zh-CN" sz="900" dirty="0" err="1" smtClean="0">
-                <a:latin typeface="微软雅黑" panose="020B0503020204020204" pitchFamily="34" charset="-122"/>
-                <a:ea typeface="微软雅黑" panose="020B0503020204020204" pitchFamily="34" charset="-122"/>
-              </a:rPr>
-              <a:t>trx</a:t>
-            </a:r>
-            <a:r>
-              <a:rPr lang="en-US" altLang="zh-CN" sz="900" dirty="0" smtClean="0">
-                <a:latin typeface="微软雅黑" panose="020B0503020204020204" pitchFamily="34" charset="-122"/>
-                <a:ea typeface="微软雅黑" panose="020B0503020204020204" pitchFamily="34" charset="-122"/>
-              </a:rPr>
-              <a:t> 3</a:t>
-            </a:r>
-            <a:endParaRPr lang="zh-CN" altLang="en-US" sz="900" dirty="0">
-              <a:latin typeface="微软雅黑" panose="020B0503020204020204" pitchFamily="34" charset="-122"/>
-              <a:ea typeface="微软雅黑" panose="020B0503020204020204" pitchFamily="34" charset="-122"/>
-            </a:endParaRPr>
-          </a:p>
-        </p:txBody>
-      </p:sp>
-      <p:sp>
-        <p:nvSpPr>
-          <p:cNvPr id="95" name="矩形 94"/>
-          <p:cNvSpPr/>
-          <p:nvPr/>
-        </p:nvSpPr>
-        <p:spPr>
-          <a:xfrm>
-            <a:off x="4516237" y="1094413"/>
-            <a:ext cx="7469124" cy="1015663"/>
-          </a:xfrm>
-          <a:prstGeom prst="rect">
-            <a:avLst/>
-          </a:prstGeom>
-        </p:spPr>
-        <p:txBody>
-          <a:bodyPr wrap="square">
-            <a:spAutoFit/>
-          </a:bodyPr>
-          <a:lstStyle/>
-          <a:p>
-            <a:r>
-              <a:rPr lang="zh-CN" altLang="en-US" sz="1200" dirty="0" smtClean="0">
-                <a:solidFill>
-                  <a:srgbClr val="92D050"/>
-                </a:solidFill>
-                <a:latin typeface="微软雅黑" panose="020B0503020204020204" pitchFamily="34" charset="-122"/>
-                <a:ea typeface="微软雅黑" panose="020B0503020204020204" pitchFamily="34" charset="-122"/>
-              </a:rPr>
-              <a:t>返回</a:t>
-            </a:r>
-            <a:r>
-              <a:rPr lang="en-US" altLang="zh-CN" sz="1200" dirty="0" smtClean="0">
-                <a:solidFill>
-                  <a:srgbClr val="92D050"/>
-                </a:solidFill>
-                <a:latin typeface="微软雅黑" panose="020B0503020204020204" pitchFamily="34" charset="-122"/>
-                <a:ea typeface="微软雅黑" panose="020B0503020204020204" pitchFamily="34" charset="-122"/>
-              </a:rPr>
-              <a:t>:</a:t>
-            </a:r>
-          </a:p>
-          <a:p>
-            <a:r>
-              <a:rPr lang="zh-CN" altLang="en-US" sz="1200" dirty="0" smtClean="0">
-                <a:solidFill>
-                  <a:srgbClr val="92D050"/>
-                </a:solidFill>
-                <a:latin typeface="微软雅黑" panose="020B0503020204020204" pitchFamily="34" charset="-122"/>
-                <a:ea typeface="微软雅黑" panose="020B0503020204020204" pitchFamily="34" charset="-122"/>
-              </a:rPr>
-              <a:t>正整数</a:t>
-            </a:r>
-            <a:r>
-              <a:rPr lang="en-US" altLang="zh-CN" sz="1200" dirty="0" smtClean="0">
-                <a:solidFill>
-                  <a:srgbClr val="92D050"/>
-                </a:solidFill>
-                <a:latin typeface="微软雅黑" panose="020B0503020204020204" pitchFamily="34" charset="-122"/>
-                <a:ea typeface="微软雅黑" panose="020B0503020204020204" pitchFamily="34" charset="-122"/>
-              </a:rPr>
-              <a:t>M</a:t>
-            </a:r>
-            <a:r>
-              <a:rPr lang="zh-CN" altLang="en-US" sz="1200" dirty="0" smtClean="0">
-                <a:solidFill>
-                  <a:srgbClr val="92D050"/>
-                </a:solidFill>
-                <a:latin typeface="微软雅黑" panose="020B0503020204020204" pitchFamily="34" charset="-122"/>
-                <a:ea typeface="微软雅黑" panose="020B0503020204020204" pitchFamily="34" charset="-122"/>
-              </a:rPr>
-              <a:t>，表示命令开始执行，到应用完</a:t>
-            </a:r>
-            <a:r>
-              <a:rPr lang="en-US" altLang="zh-CN" sz="1200" dirty="0" smtClean="0">
-                <a:solidFill>
-                  <a:srgbClr val="92D050"/>
-                </a:solidFill>
-                <a:latin typeface="微软雅黑" panose="020B0503020204020204" pitchFamily="34" charset="-122"/>
-                <a:ea typeface="微软雅黑" panose="020B0503020204020204" pitchFamily="34" charset="-122"/>
-              </a:rPr>
-              <a:t>file</a:t>
-            </a:r>
-            <a:r>
-              <a:rPr lang="zh-CN" altLang="en-US" sz="1200" dirty="0" smtClean="0">
-                <a:solidFill>
-                  <a:srgbClr val="92D050"/>
-                </a:solidFill>
-                <a:latin typeface="微软雅黑" panose="020B0503020204020204" pitchFamily="34" charset="-122"/>
-                <a:ea typeface="微软雅黑" panose="020B0503020204020204" pitchFamily="34" charset="-122"/>
-              </a:rPr>
-              <a:t>和</a:t>
-            </a:r>
-            <a:r>
-              <a:rPr lang="en-US" altLang="zh-CN" sz="1200" dirty="0" err="1" smtClean="0">
-                <a:solidFill>
-                  <a:srgbClr val="92D050"/>
-                </a:solidFill>
-                <a:latin typeface="微软雅黑" panose="020B0503020204020204" pitchFamily="34" charset="-122"/>
-                <a:ea typeface="微软雅黑" panose="020B0503020204020204" pitchFamily="34" charset="-122"/>
-              </a:rPr>
-              <a:t>pos</a:t>
-            </a:r>
-            <a:r>
-              <a:rPr lang="zh-CN" altLang="en-US" sz="1200" dirty="0" smtClean="0">
-                <a:solidFill>
-                  <a:srgbClr val="92D050"/>
-                </a:solidFill>
-                <a:latin typeface="微软雅黑" panose="020B0503020204020204" pitchFamily="34" charset="-122"/>
-                <a:ea typeface="微软雅黑" panose="020B0503020204020204" pitchFamily="34" charset="-122"/>
-              </a:rPr>
-              <a:t>表示的</a:t>
-            </a:r>
-            <a:r>
-              <a:rPr lang="en-US" altLang="zh-CN" sz="1200" dirty="0" err="1" smtClean="0">
-                <a:solidFill>
-                  <a:srgbClr val="92D050"/>
-                </a:solidFill>
-                <a:latin typeface="微软雅黑" panose="020B0503020204020204" pitchFamily="34" charset="-122"/>
-                <a:ea typeface="微软雅黑" panose="020B0503020204020204" pitchFamily="34" charset="-122"/>
-              </a:rPr>
-              <a:t>binlog</a:t>
-            </a:r>
-            <a:r>
-              <a:rPr lang="zh-CN" altLang="en-US" sz="1200" dirty="0" smtClean="0">
-                <a:solidFill>
-                  <a:srgbClr val="92D050"/>
-                </a:solidFill>
-                <a:latin typeface="微软雅黑" panose="020B0503020204020204" pitchFamily="34" charset="-122"/>
-                <a:ea typeface="微软雅黑" panose="020B0503020204020204" pitchFamily="34" charset="-122"/>
-              </a:rPr>
-              <a:t>位置，执行了多少事务。</a:t>
-            </a:r>
-            <a:endParaRPr lang="en-US" altLang="zh-CN" sz="1200" dirty="0" smtClean="0">
-              <a:solidFill>
-                <a:srgbClr val="92D050"/>
-              </a:solidFill>
-              <a:latin typeface="微软雅黑" panose="020B0503020204020204" pitchFamily="34" charset="-122"/>
-              <a:ea typeface="微软雅黑" panose="020B0503020204020204" pitchFamily="34" charset="-122"/>
-            </a:endParaRPr>
-          </a:p>
-          <a:p>
-            <a:r>
-              <a:rPr lang="zh-CN" altLang="en-US" sz="1200" dirty="0" smtClean="0">
-                <a:solidFill>
-                  <a:srgbClr val="92D050"/>
-                </a:solidFill>
-                <a:latin typeface="微软雅黑" panose="020B0503020204020204" pitchFamily="34" charset="-122"/>
-                <a:ea typeface="微软雅黑" panose="020B0503020204020204" pitchFamily="34" charset="-122"/>
-              </a:rPr>
-              <a:t>如果执行期间，备库同步线程发生异常，则返回</a:t>
-            </a:r>
-            <a:r>
-              <a:rPr lang="en-US" altLang="zh-CN" sz="1200" dirty="0" smtClean="0">
-                <a:solidFill>
-                  <a:srgbClr val="92D050"/>
-                </a:solidFill>
-                <a:latin typeface="微软雅黑" panose="020B0503020204020204" pitchFamily="34" charset="-122"/>
-                <a:ea typeface="微软雅黑" panose="020B0503020204020204" pitchFamily="34" charset="-122"/>
-              </a:rPr>
-              <a:t>NULL</a:t>
-            </a:r>
-            <a:r>
-              <a:rPr lang="zh-CN" altLang="en-US" sz="1200" dirty="0" smtClean="0">
-                <a:solidFill>
-                  <a:srgbClr val="92D050"/>
-                </a:solidFill>
-                <a:latin typeface="微软雅黑" panose="020B0503020204020204" pitchFamily="34" charset="-122"/>
-                <a:ea typeface="微软雅黑" panose="020B0503020204020204" pitchFamily="34" charset="-122"/>
-              </a:rPr>
-              <a:t>；</a:t>
-            </a:r>
-            <a:endParaRPr lang="en-US" altLang="zh-CN" sz="1200" dirty="0" smtClean="0">
-              <a:solidFill>
-                <a:srgbClr val="92D050"/>
-              </a:solidFill>
-              <a:latin typeface="微软雅黑" panose="020B0503020204020204" pitchFamily="34" charset="-122"/>
-              <a:ea typeface="微软雅黑" panose="020B0503020204020204" pitchFamily="34" charset="-122"/>
-            </a:endParaRPr>
-          </a:p>
-          <a:p>
-            <a:r>
-              <a:rPr lang="zh-CN" altLang="en-US" sz="1200" dirty="0" smtClean="0">
-                <a:solidFill>
-                  <a:srgbClr val="92D050"/>
-                </a:solidFill>
-                <a:latin typeface="微软雅黑" panose="020B0503020204020204" pitchFamily="34" charset="-122"/>
-                <a:ea typeface="微软雅黑" panose="020B0503020204020204" pitchFamily="34" charset="-122"/>
-              </a:rPr>
-              <a:t>如果等待超过</a:t>
-            </a:r>
-            <a:r>
-              <a:rPr lang="en-US" altLang="zh-CN" sz="1200" dirty="0" smtClean="0">
-                <a:solidFill>
-                  <a:srgbClr val="92D050"/>
-                </a:solidFill>
-                <a:latin typeface="微软雅黑" panose="020B0503020204020204" pitchFamily="34" charset="-122"/>
-                <a:ea typeface="微软雅黑" panose="020B0503020204020204" pitchFamily="34" charset="-122"/>
-              </a:rPr>
-              <a:t>N</a:t>
-            </a:r>
-            <a:r>
-              <a:rPr lang="zh-CN" altLang="en-US" sz="1200" dirty="0" smtClean="0">
-                <a:solidFill>
-                  <a:srgbClr val="92D050"/>
-                </a:solidFill>
-                <a:latin typeface="微软雅黑" panose="020B0503020204020204" pitchFamily="34" charset="-122"/>
-                <a:ea typeface="微软雅黑" panose="020B0503020204020204" pitchFamily="34" charset="-122"/>
-              </a:rPr>
-              <a:t>秒，就返回</a:t>
-            </a:r>
-            <a:r>
-              <a:rPr lang="en-US" altLang="zh-CN" sz="1200" dirty="0" smtClean="0">
-                <a:solidFill>
-                  <a:srgbClr val="92D050"/>
-                </a:solidFill>
-                <a:latin typeface="微软雅黑" panose="020B0503020204020204" pitchFamily="34" charset="-122"/>
-                <a:ea typeface="微软雅黑" panose="020B0503020204020204" pitchFamily="34" charset="-122"/>
-              </a:rPr>
-              <a:t>-1</a:t>
-            </a:r>
-          </a:p>
-          <a:p>
-            <a:r>
-              <a:rPr lang="zh-CN" altLang="en-US" sz="1200" dirty="0" smtClean="0">
-                <a:solidFill>
-                  <a:srgbClr val="92D050"/>
-                </a:solidFill>
-                <a:latin typeface="微软雅黑" panose="020B0503020204020204" pitchFamily="34" charset="-122"/>
-                <a:ea typeface="微软雅黑" panose="020B0503020204020204" pitchFamily="34" charset="-122"/>
-              </a:rPr>
-              <a:t>如果刚开始执行，就发现已经执行过这个位置了，则返回</a:t>
-            </a:r>
-            <a:r>
-              <a:rPr lang="en-US" altLang="zh-CN" sz="1200" dirty="0" smtClean="0">
-                <a:solidFill>
-                  <a:srgbClr val="92D050"/>
-                </a:solidFill>
-                <a:latin typeface="微软雅黑" panose="020B0503020204020204" pitchFamily="34" charset="-122"/>
-                <a:ea typeface="微软雅黑" panose="020B0503020204020204" pitchFamily="34" charset="-122"/>
-              </a:rPr>
-              <a:t>0</a:t>
-            </a:r>
-            <a:r>
-              <a:rPr lang="zh-CN" altLang="en-US" sz="1200" dirty="0" smtClean="0">
-                <a:solidFill>
-                  <a:srgbClr val="92D050"/>
-                </a:solidFill>
-                <a:latin typeface="微软雅黑" panose="020B0503020204020204" pitchFamily="34" charset="-122"/>
-                <a:ea typeface="微软雅黑" panose="020B0503020204020204" pitchFamily="34" charset="-122"/>
-              </a:rPr>
-              <a:t>。</a:t>
-            </a:r>
-            <a:endParaRPr lang="en-US" altLang="zh-CN" sz="1200" dirty="0" smtClean="0">
-              <a:solidFill>
-                <a:srgbClr val="92D050"/>
-              </a:solidFill>
-              <a:latin typeface="微软雅黑" panose="020B0503020204020204" pitchFamily="34" charset="-122"/>
-              <a:ea typeface="微软雅黑" panose="020B0503020204020204" pitchFamily="34" charset="-122"/>
-            </a:endParaRPr>
-          </a:p>
-        </p:txBody>
-      </p:sp>
-      <p:sp>
-        <p:nvSpPr>
-          <p:cNvPr id="96" name="矩形 95"/>
-          <p:cNvSpPr/>
-          <p:nvPr/>
-        </p:nvSpPr>
-        <p:spPr>
-          <a:xfrm>
-            <a:off x="735951" y="2778820"/>
-            <a:ext cx="1302409" cy="307777"/>
-          </a:xfrm>
-          <a:prstGeom prst="rect">
-            <a:avLst/>
-          </a:prstGeom>
-        </p:spPr>
-        <p:txBody>
-          <a:bodyPr wrap="square">
-            <a:spAutoFit/>
-          </a:bodyPr>
-          <a:lstStyle/>
-          <a:p>
-            <a:r>
-              <a:rPr lang="en-US" altLang="zh-CN" sz="1400" dirty="0" smtClean="0">
-                <a:solidFill>
-                  <a:srgbClr val="FFFF00"/>
-                </a:solidFill>
-                <a:latin typeface="微软雅黑" panose="020B0503020204020204" pitchFamily="34" charset="-122"/>
-                <a:ea typeface="微软雅黑" panose="020B0503020204020204" pitchFamily="34" charset="-122"/>
-              </a:rPr>
-              <a:t>write trx1</a:t>
-            </a:r>
-            <a:endParaRPr lang="en-US" altLang="zh-CN" sz="1400" dirty="0" smtClean="0">
-              <a:solidFill>
-                <a:srgbClr val="FFFF00"/>
-              </a:solidFill>
-              <a:latin typeface="微软雅黑" panose="020B0503020204020204" pitchFamily="34" charset="-122"/>
-              <a:ea typeface="微软雅黑" panose="020B0503020204020204" pitchFamily="34" charset="-122"/>
-            </a:endParaRPr>
-          </a:p>
-        </p:txBody>
-      </p:sp>
-      <p:sp>
-        <p:nvSpPr>
-          <p:cNvPr id="97" name="矩形 96"/>
-          <p:cNvSpPr/>
-          <p:nvPr/>
-        </p:nvSpPr>
-        <p:spPr>
-          <a:xfrm>
-            <a:off x="3568954" y="3208982"/>
+            <a:off x="6503337" y="3753629"/>
             <a:ext cx="900066" cy="470052"/>
           </a:xfrm>
           <a:prstGeom prst="rect">
@@ -13745,13 +13430,13 @@
       </p:sp>
       <p:sp>
         <p:nvSpPr>
-          <p:cNvPr id="98" name="椭圆 97"/>
+          <p:cNvPr id="58" name="椭圆 57"/>
           <p:cNvSpPr/>
           <p:nvPr/>
         </p:nvSpPr>
         <p:spPr>
           <a:xfrm>
-            <a:off x="4176603" y="2294742"/>
+            <a:off x="7902714" y="2258768"/>
             <a:ext cx="990600" cy="451873"/>
           </a:xfrm>
           <a:prstGeom prst="ellipse">
@@ -13808,17 +13493,17 @@
       </p:sp>
       <p:cxnSp>
         <p:nvCxnSpPr>
-          <p:cNvPr id="99" name="直接箭头连接符 98"/>
+          <p:cNvPr id="59" name="直接箭头连接符 58"/>
           <p:cNvCxnSpPr>
-            <a:stCxn id="98" idx="3"/>
-            <a:endCxn id="97" idx="0"/>
+            <a:stCxn id="58" idx="3"/>
+            <a:endCxn id="57" idx="0"/>
           </p:cNvCxnSpPr>
           <p:nvPr/>
         </p:nvCxnSpPr>
         <p:spPr>
           <a:xfrm flipH="1">
-            <a:off x="4018987" y="2680440"/>
-            <a:ext cx="302686" cy="528542"/>
+            <a:off x="6953370" y="2644466"/>
+            <a:ext cx="1094414" cy="1109163"/>
           </a:xfrm>
           <a:prstGeom prst="straightConnector1">
             <a:avLst/>
@@ -13847,13 +13532,13 @@
       </p:cxnSp>
       <p:sp>
         <p:nvSpPr>
-          <p:cNvPr id="100" name="矩形 99"/>
+          <p:cNvPr id="60" name="矩形 59"/>
           <p:cNvSpPr/>
           <p:nvPr/>
         </p:nvSpPr>
         <p:spPr>
           <a:xfrm>
-            <a:off x="5544058" y="3208982"/>
+            <a:off x="9411341" y="3753629"/>
             <a:ext cx="900066" cy="470052"/>
           </a:xfrm>
           <a:prstGeom prst="rect">
@@ -13920,17 +13605,17 @@
       </p:sp>
       <p:cxnSp>
         <p:nvCxnSpPr>
-          <p:cNvPr id="101" name="直接箭头连接符 100"/>
+          <p:cNvPr id="61" name="直接箭头连接符 60"/>
           <p:cNvCxnSpPr>
-            <a:stCxn id="97" idx="3"/>
-            <a:endCxn id="100" idx="1"/>
+            <a:stCxn id="57" idx="3"/>
+            <a:endCxn id="60" idx="1"/>
           </p:cNvCxnSpPr>
           <p:nvPr/>
         </p:nvCxnSpPr>
         <p:spPr>
           <a:xfrm>
-            <a:off x="4469020" y="3444008"/>
-            <a:ext cx="1075038" cy="0"/>
+            <a:off x="7403403" y="3988655"/>
+            <a:ext cx="2007938" cy="0"/>
           </a:xfrm>
           <a:prstGeom prst="straightConnector1">
             <a:avLst/>
@@ -13939,7 +13624,8 @@
             <a:solidFill>
               <a:srgbClr val="FFFF00"/>
             </a:solidFill>
-            <a:tailEnd type="triangle"/>
+            <a:headEnd type="triangle" w="med" len="med"/>
+            <a:tailEnd type="none" w="med" len="med"/>
           </a:ln>
         </p:spPr>
         <p:style>
@@ -13959,13 +13645,13 @@
       </p:cxnSp>
       <p:sp>
         <p:nvSpPr>
-          <p:cNvPr id="102" name="矩形 101"/>
+          <p:cNvPr id="62" name="矩形 61"/>
           <p:cNvSpPr/>
           <p:nvPr/>
         </p:nvSpPr>
         <p:spPr>
           <a:xfrm>
-            <a:off x="5544058" y="2931983"/>
+            <a:off x="9411341" y="4238270"/>
             <a:ext cx="864478" cy="276999"/>
           </a:xfrm>
           <a:prstGeom prst="rect">
@@ -14006,14 +13692,298 @@
       </p:sp>
       <p:cxnSp>
         <p:nvCxnSpPr>
-          <p:cNvPr id="103" name="直接箭头连接符 102"/>
+          <p:cNvPr id="63" name="直接箭头连接符 62"/>
           <p:cNvCxnSpPr/>
           <p:nvPr/>
         </p:nvCxnSpPr>
         <p:spPr>
-          <a:xfrm flipH="1">
-            <a:off x="4469020" y="3541451"/>
-            <a:ext cx="1075038" cy="14817"/>
+          <a:xfrm flipH="1" flipV="1">
+            <a:off x="7403403" y="3863733"/>
+            <a:ext cx="2007938" cy="3666"/>
+          </a:xfrm>
+          <a:prstGeom prst="straightConnector1">
+            <a:avLst/>
+          </a:prstGeom>
+          <a:ln>
+            <a:solidFill>
+              <a:srgbClr val="FFFF00"/>
+            </a:solidFill>
+            <a:headEnd type="triangle" w="med" len="med"/>
+            <a:tailEnd type="none" w="med" len="med"/>
+          </a:ln>
+        </p:spPr>
+        <p:style>
+          <a:lnRef idx="1">
+            <a:schemeClr val="accent1"/>
+          </a:lnRef>
+          <a:fillRef idx="0">
+            <a:schemeClr val="accent1"/>
+          </a:fillRef>
+          <a:effectRef idx="0">
+            <a:schemeClr val="accent1"/>
+          </a:effectRef>
+          <a:fontRef idx="minor">
+            <a:schemeClr val="tx1"/>
+          </a:fontRef>
+        </p:style>
+      </p:cxnSp>
+      <p:sp>
+        <p:nvSpPr>
+          <p:cNvPr id="64" name="矩形 63"/>
+          <p:cNvSpPr/>
+          <p:nvPr/>
+        </p:nvSpPr>
+        <p:spPr>
+          <a:xfrm>
+            <a:off x="6849372" y="2940802"/>
+            <a:ext cx="1302409" cy="246221"/>
+          </a:xfrm>
+          <a:prstGeom prst="rect">
+            <a:avLst/>
+          </a:prstGeom>
+        </p:spPr>
+        <p:txBody>
+          <a:bodyPr wrap="square">
+            <a:spAutoFit/>
+          </a:bodyPr>
+          <a:lstStyle/>
+          <a:p>
+            <a:r>
+              <a:rPr lang="en-US" altLang="zh-CN" sz="1000" smtClean="0">
+                <a:solidFill>
+                  <a:srgbClr val="FFFF00"/>
+                </a:solidFill>
+                <a:latin typeface="微软雅黑" panose="020B0503020204020204" pitchFamily="34" charset="-122"/>
+                <a:ea typeface="微软雅黑" panose="020B0503020204020204" pitchFamily="34" charset="-122"/>
+              </a:rPr>
+              <a:t>1</a:t>
+            </a:r>
+            <a:r>
+              <a:rPr lang="zh-CN" altLang="en-US" sz="1000" smtClean="0">
+                <a:solidFill>
+                  <a:srgbClr val="FFFF00"/>
+                </a:solidFill>
+                <a:latin typeface="微软雅黑" panose="020B0503020204020204" pitchFamily="34" charset="-122"/>
+                <a:ea typeface="微软雅黑" panose="020B0503020204020204" pitchFamily="34" charset="-122"/>
+              </a:rPr>
+              <a:t>、</a:t>
+            </a:r>
+            <a:r>
+              <a:rPr lang="en-US" altLang="zh-CN" sz="1000" smtClean="0">
+                <a:solidFill>
+                  <a:srgbClr val="FFFF00"/>
+                </a:solidFill>
+                <a:latin typeface="微软雅黑" panose="020B0503020204020204" pitchFamily="34" charset="-122"/>
+                <a:ea typeface="微软雅黑" panose="020B0503020204020204" pitchFamily="34" charset="-122"/>
+              </a:rPr>
+              <a:t>write </a:t>
+            </a:r>
+            <a:r>
+              <a:rPr lang="en-US" altLang="zh-CN" sz="1000" dirty="0" smtClean="0">
+                <a:solidFill>
+                  <a:srgbClr val="FFFF00"/>
+                </a:solidFill>
+                <a:latin typeface="微软雅黑" panose="020B0503020204020204" pitchFamily="34" charset="-122"/>
+                <a:ea typeface="微软雅黑" panose="020B0503020204020204" pitchFamily="34" charset="-122"/>
+              </a:rPr>
+              <a:t>trx1</a:t>
+            </a:r>
+          </a:p>
+        </p:txBody>
+      </p:sp>
+      <p:sp>
+        <p:nvSpPr>
+          <p:cNvPr id="65" name="矩形 64"/>
+          <p:cNvSpPr/>
+          <p:nvPr/>
+        </p:nvSpPr>
+        <p:spPr>
+          <a:xfrm>
+            <a:off x="7753630" y="3625878"/>
+            <a:ext cx="1501834" cy="246221"/>
+          </a:xfrm>
+          <a:prstGeom prst="rect">
+            <a:avLst/>
+          </a:prstGeom>
+        </p:spPr>
+        <p:txBody>
+          <a:bodyPr wrap="square">
+            <a:spAutoFit/>
+          </a:bodyPr>
+          <a:lstStyle/>
+          <a:p>
+            <a:r>
+              <a:rPr lang="en-US" altLang="zh-CN" sz="1000" smtClean="0">
+                <a:solidFill>
+                  <a:srgbClr val="FFFF00"/>
+                </a:solidFill>
+                <a:latin typeface="微软雅黑" panose="020B0503020204020204" pitchFamily="34" charset="-122"/>
+                <a:ea typeface="微软雅黑" panose="020B0503020204020204" pitchFamily="34" charset="-122"/>
+              </a:rPr>
+              <a:t>2</a:t>
+            </a:r>
+            <a:r>
+              <a:rPr lang="zh-CN" altLang="en-US" sz="1000" smtClean="0">
+                <a:solidFill>
+                  <a:srgbClr val="FFFF00"/>
+                </a:solidFill>
+                <a:latin typeface="微软雅黑" panose="020B0503020204020204" pitchFamily="34" charset="-122"/>
+                <a:ea typeface="微软雅黑" panose="020B0503020204020204" pitchFamily="34" charset="-122"/>
+              </a:rPr>
+              <a:t>、</a:t>
+            </a:r>
+            <a:r>
+              <a:rPr lang="en-US" altLang="zh-CN" sz="1000" smtClean="0">
+                <a:solidFill>
+                  <a:srgbClr val="FFFF00"/>
+                </a:solidFill>
+                <a:latin typeface="微软雅黑" panose="020B0503020204020204" pitchFamily="34" charset="-122"/>
+                <a:ea typeface="微软雅黑" panose="020B0503020204020204" pitchFamily="34" charset="-122"/>
+              </a:rPr>
+              <a:t>binlog semi-sync</a:t>
+            </a:r>
+            <a:endParaRPr lang="en-US" altLang="zh-CN" sz="1000" dirty="0" smtClean="0">
+              <a:solidFill>
+                <a:srgbClr val="FFFF00"/>
+              </a:solidFill>
+              <a:latin typeface="微软雅黑" panose="020B0503020204020204" pitchFamily="34" charset="-122"/>
+              <a:ea typeface="微软雅黑" panose="020B0503020204020204" pitchFamily="34" charset="-122"/>
+            </a:endParaRPr>
+          </a:p>
+        </p:txBody>
+      </p:sp>
+      <p:sp>
+        <p:nvSpPr>
+          <p:cNvPr id="66" name="矩形 65"/>
+          <p:cNvSpPr/>
+          <p:nvPr/>
+        </p:nvSpPr>
+        <p:spPr>
+          <a:xfrm>
+            <a:off x="7953053" y="3985645"/>
+            <a:ext cx="1302409" cy="246221"/>
+          </a:xfrm>
+          <a:prstGeom prst="rect">
+            <a:avLst/>
+          </a:prstGeom>
+        </p:spPr>
+        <p:txBody>
+          <a:bodyPr wrap="square">
+            <a:spAutoFit/>
+          </a:bodyPr>
+          <a:lstStyle/>
+          <a:p>
+            <a:r>
+              <a:rPr lang="en-US" altLang="zh-CN" sz="1000" smtClean="0">
+                <a:solidFill>
+                  <a:srgbClr val="FFFF00"/>
+                </a:solidFill>
+                <a:latin typeface="微软雅黑" panose="020B0503020204020204" pitchFamily="34" charset="-122"/>
+                <a:ea typeface="微软雅黑" panose="020B0503020204020204" pitchFamily="34" charset="-122"/>
+              </a:rPr>
+              <a:t>3</a:t>
+            </a:r>
+            <a:r>
+              <a:rPr lang="zh-CN" altLang="en-US" sz="1000" smtClean="0">
+                <a:solidFill>
+                  <a:srgbClr val="FFFF00"/>
+                </a:solidFill>
+                <a:latin typeface="微软雅黑" panose="020B0503020204020204" pitchFamily="34" charset="-122"/>
+                <a:ea typeface="微软雅黑" panose="020B0503020204020204" pitchFamily="34" charset="-122"/>
+              </a:rPr>
+              <a:t>、</a:t>
+            </a:r>
+            <a:r>
+              <a:rPr lang="en-US" altLang="zh-CN" sz="1000" smtClean="0">
+                <a:solidFill>
+                  <a:srgbClr val="FFFF00"/>
+                </a:solidFill>
+                <a:latin typeface="微软雅黑" panose="020B0503020204020204" pitchFamily="34" charset="-122"/>
+                <a:ea typeface="微软雅黑" panose="020B0503020204020204" pitchFamily="34" charset="-122"/>
+              </a:rPr>
+              <a:t>ACK</a:t>
+            </a:r>
+            <a:endParaRPr lang="en-US" altLang="zh-CN" sz="1000" dirty="0" smtClean="0">
+              <a:solidFill>
+                <a:srgbClr val="FFFF00"/>
+              </a:solidFill>
+              <a:latin typeface="微软雅黑" panose="020B0503020204020204" pitchFamily="34" charset="-122"/>
+              <a:ea typeface="微软雅黑" panose="020B0503020204020204" pitchFamily="34" charset="-122"/>
+            </a:endParaRPr>
+          </a:p>
+        </p:txBody>
+      </p:sp>
+      <p:sp>
+        <p:nvSpPr>
+          <p:cNvPr id="67" name="矩形 66"/>
+          <p:cNvSpPr/>
+          <p:nvPr/>
+        </p:nvSpPr>
+        <p:spPr>
+          <a:xfrm>
+            <a:off x="7650454" y="3193600"/>
+            <a:ext cx="1302409" cy="246221"/>
+          </a:xfrm>
+          <a:prstGeom prst="rect">
+            <a:avLst/>
+          </a:prstGeom>
+        </p:spPr>
+        <p:txBody>
+          <a:bodyPr wrap="square">
+            <a:spAutoFit/>
+          </a:bodyPr>
+          <a:lstStyle/>
+          <a:p>
+            <a:r>
+              <a:rPr lang="en-US" altLang="zh-CN" sz="1000" smtClean="0">
+                <a:solidFill>
+                  <a:srgbClr val="FFFF00"/>
+                </a:solidFill>
+                <a:latin typeface="微软雅黑" panose="020B0503020204020204" pitchFamily="34" charset="-122"/>
+                <a:ea typeface="微软雅黑" panose="020B0503020204020204" pitchFamily="34" charset="-122"/>
+              </a:rPr>
+              <a:t>4</a:t>
+            </a:r>
+            <a:r>
+              <a:rPr lang="zh-CN" altLang="en-US" sz="1000" smtClean="0">
+                <a:solidFill>
+                  <a:srgbClr val="FFFF00"/>
+                </a:solidFill>
+                <a:latin typeface="微软雅黑" panose="020B0503020204020204" pitchFamily="34" charset="-122"/>
+                <a:ea typeface="微软雅黑" panose="020B0503020204020204" pitchFamily="34" charset="-122"/>
+              </a:rPr>
+              <a:t>、</a:t>
+            </a:r>
+            <a:r>
+              <a:rPr lang="en-US" altLang="zh-CN" sz="1000" smtClean="0">
+                <a:solidFill>
+                  <a:srgbClr val="FFFF00"/>
+                </a:solidFill>
+                <a:latin typeface="微软雅黑" panose="020B0503020204020204" pitchFamily="34" charset="-122"/>
+                <a:ea typeface="微软雅黑" panose="020B0503020204020204" pitchFamily="34" charset="-122"/>
+              </a:rPr>
+              <a:t>OK</a:t>
+            </a:r>
+            <a:endParaRPr lang="en-US" altLang="zh-CN" sz="1000" dirty="0" smtClean="0">
+              <a:solidFill>
+                <a:srgbClr val="FFFF00"/>
+              </a:solidFill>
+              <a:latin typeface="微软雅黑" panose="020B0503020204020204" pitchFamily="34" charset="-122"/>
+              <a:ea typeface="微软雅黑" panose="020B0503020204020204" pitchFamily="34" charset="-122"/>
+            </a:endParaRPr>
+          </a:p>
+        </p:txBody>
+      </p:sp>
+      <p:cxnSp>
+        <p:nvCxnSpPr>
+          <p:cNvPr id="68" name="直接箭头连接符 67"/>
+          <p:cNvCxnSpPr/>
+          <p:nvPr/>
+        </p:nvCxnSpPr>
+        <p:spPr>
+          <a:xfrm flipV="1">
+            <a:off x="7141597" y="2710641"/>
+            <a:ext cx="1062065" cy="1028739"/>
           </a:xfrm>
           <a:prstGeom prst="straightConnector1">
             <a:avLst/>
@@ -14042,67 +14012,13 @@
       </p:cxnSp>
       <p:sp>
         <p:nvSpPr>
-          <p:cNvPr id="104" name="矩形 103"/>
+          <p:cNvPr id="69" name="矩形 68"/>
           <p:cNvSpPr/>
           <p:nvPr/>
         </p:nvSpPr>
         <p:spPr>
           <a:xfrm>
-            <a:off x="4120501" y="2778820"/>
-            <a:ext cx="2288035" cy="307777"/>
-          </a:xfrm>
-          <a:prstGeom prst="rect">
-            <a:avLst/>
-          </a:prstGeom>
-        </p:spPr>
-        <p:txBody>
-          <a:bodyPr wrap="square">
-            <a:spAutoFit/>
-          </a:bodyPr>
-          <a:lstStyle/>
-          <a:p>
-            <a:r>
-              <a:rPr lang="en-US" altLang="zh-CN" sz="1400" dirty="0" smtClean="0">
-                <a:solidFill>
-                  <a:srgbClr val="FFFF00"/>
-                </a:solidFill>
-                <a:latin typeface="微软雅黑" panose="020B0503020204020204" pitchFamily="34" charset="-122"/>
-                <a:ea typeface="微软雅黑" panose="020B0503020204020204" pitchFamily="34" charset="-122"/>
-              </a:rPr>
-              <a:t>show</a:t>
-            </a:r>
-            <a:r>
-              <a:rPr lang="en-US" altLang="zh-CN" sz="1400" dirty="0">
-                <a:solidFill>
-                  <a:srgbClr val="FFFF00"/>
-                </a:solidFill>
-                <a:latin typeface="微软雅黑" panose="020B0503020204020204" pitchFamily="34" charset="-122"/>
-                <a:ea typeface="微软雅黑" panose="020B0503020204020204" pitchFamily="34" charset="-122"/>
-              </a:rPr>
-              <a:t> </a:t>
-            </a:r>
-            <a:r>
-              <a:rPr lang="en-US" altLang="zh-CN" sz="1400" dirty="0" smtClean="0">
-                <a:solidFill>
-                  <a:srgbClr val="FFFF00"/>
-                </a:solidFill>
-                <a:latin typeface="微软雅黑" panose="020B0503020204020204" pitchFamily="34" charset="-122"/>
-                <a:ea typeface="微软雅黑" panose="020B0503020204020204" pitchFamily="34" charset="-122"/>
-              </a:rPr>
-              <a:t>master status</a:t>
-            </a:r>
-          </a:p>
-        </p:txBody>
-      </p:sp>
-      <p:sp>
-        <p:nvSpPr>
-          <p:cNvPr id="105" name="矩形 104"/>
-          <p:cNvSpPr/>
-          <p:nvPr/>
-        </p:nvSpPr>
-        <p:spPr>
-          <a:xfrm>
-            <a:off x="6886673" y="3208982"/>
+            <a:off x="6004552" y="5082822"/>
             <a:ext cx="900066" cy="470052"/>
           </a:xfrm>
           <a:prstGeom prst="rect">
@@ -14154,11 +14070,11 @@
           <a:p>
             <a:pPr algn="ctr"/>
             <a:r>
-              <a:rPr lang="en-US" altLang="zh-CN" sz="1200" dirty="0" smtClean="0">
-                <a:latin typeface="微软雅黑" panose="020B0503020204020204" pitchFamily="34" charset="-122"/>
-                <a:ea typeface="微软雅黑" panose="020B0503020204020204" pitchFamily="34" charset="-122"/>
-              </a:rPr>
-              <a:t>A</a:t>
+              <a:rPr lang="en-US" altLang="zh-CN" sz="1200" dirty="0">
+                <a:latin typeface="微软雅黑" panose="020B0503020204020204" pitchFamily="34" charset="-122"/>
+                <a:ea typeface="微软雅黑" panose="020B0503020204020204" pitchFamily="34" charset="-122"/>
+              </a:rPr>
+              <a:t>B</a:t>
             </a:r>
             <a:endParaRPr lang="zh-CN" altLang="en-US" sz="1200" dirty="0">
               <a:latin typeface="微软雅黑" panose="020B0503020204020204" pitchFamily="34" charset="-122"/>
@@ -14169,115 +14085,13 @@
       </p:sp>
       <p:sp>
         <p:nvSpPr>
-          <p:cNvPr id="106" name="椭圆 105"/>
+          <p:cNvPr id="70" name="矩形 69"/>
           <p:cNvSpPr/>
           <p:nvPr/>
         </p:nvSpPr>
         <p:spPr>
           <a:xfrm>
-            <a:off x="7494322" y="2294742"/>
-            <a:ext cx="990600" cy="451873"/>
-          </a:xfrm>
-          <a:prstGeom prst="ellipse">
-            <a:avLst/>
-          </a:prstGeom>
-          <a:solidFill>
-            <a:srgbClr val="00B0F0"/>
-          </a:solidFill>
-          <a:ln>
-            <a:noFill/>
-          </a:ln>
-          <a:scene3d>
-            <a:camera prst="orthographicFront"/>
-            <a:lightRig rig="threePt" dir="t"/>
-          </a:scene3d>
-          <a:sp3d>
-            <a:bevelT w="114300" prst="artDeco"/>
-          </a:sp3d>
-        </p:spPr>
-        <p:style>
-          <a:lnRef idx="2">
-            <a:schemeClr val="accent1">
-              <a:shade val="50000"/>
-            </a:schemeClr>
-          </a:lnRef>
-          <a:fillRef idx="1">
-            <a:schemeClr val="accent1"/>
-          </a:fillRef>
-          <a:effectRef idx="0">
-            <a:schemeClr val="accent1"/>
-          </a:effectRef>
-          <a:fontRef idx="minor">
-            <a:schemeClr val="lt1"/>
-          </a:fontRef>
-        </p:style>
-        <p:txBody>
-          <a:bodyPr rtlCol="0" anchor="ctr"/>
-          <a:lstStyle/>
-          <a:p>
-            <a:pPr algn="ctr"/>
-            <a:r>
-              <a:rPr lang="en-US" altLang="zh-CN" sz="1400" dirty="0" smtClean="0">
-                <a:latin typeface="微软雅黑" panose="020B0503020204020204" pitchFamily="34" charset="-122"/>
-                <a:ea typeface="微软雅黑" panose="020B0503020204020204" pitchFamily="34" charset="-122"/>
-              </a:rPr>
-              <a:t>client</a:t>
-            </a:r>
-            <a:endParaRPr lang="zh-CN" altLang="en-US" sz="1400" dirty="0">
-              <a:latin typeface="微软雅黑" panose="020B0503020204020204" pitchFamily="34" charset="-122"/>
-              <a:ea typeface="微软雅黑" panose="020B0503020204020204" pitchFamily="34" charset="-122"/>
-            </a:endParaRPr>
-          </a:p>
-        </p:txBody>
-      </p:sp>
-      <p:cxnSp>
-        <p:nvCxnSpPr>
-          <p:cNvPr id="107" name="直接箭头连接符 106"/>
-          <p:cNvCxnSpPr>
-            <a:stCxn id="106" idx="5"/>
-            <a:endCxn id="108" idx="0"/>
-          </p:cNvCxnSpPr>
-          <p:nvPr/>
-        </p:nvCxnSpPr>
-        <p:spPr>
-          <a:xfrm>
-            <a:off x="8339852" y="2680440"/>
-            <a:ext cx="971958" cy="528542"/>
-          </a:xfrm>
-          <a:prstGeom prst="straightConnector1">
-            <a:avLst/>
-          </a:prstGeom>
-          <a:ln>
-            <a:solidFill>
-              <a:srgbClr val="FFFF00"/>
-            </a:solidFill>
-            <a:tailEnd type="triangle"/>
-          </a:ln>
-        </p:spPr>
-        <p:style>
-          <a:lnRef idx="1">
-            <a:schemeClr val="accent1"/>
-          </a:lnRef>
-          <a:fillRef idx="0">
-            <a:schemeClr val="accent1"/>
-          </a:fillRef>
-          <a:effectRef idx="0">
-            <a:schemeClr val="accent1"/>
-          </a:effectRef>
-          <a:fontRef idx="minor">
-            <a:schemeClr val="tx1"/>
-          </a:fontRef>
-        </p:style>
-      </p:cxnSp>
-      <p:sp>
-        <p:nvSpPr>
-          <p:cNvPr id="108" name="矩形 107"/>
-          <p:cNvSpPr/>
-          <p:nvPr/>
-        </p:nvSpPr>
-        <p:spPr>
-          <a:xfrm>
-            <a:off x="8861777" y="3208982"/>
+            <a:off x="7303596" y="5082822"/>
             <a:ext cx="900066" cy="470052"/>
           </a:xfrm>
           <a:prstGeom prst="rect">
@@ -14344,17 +14158,17 @@
       </p:sp>
       <p:cxnSp>
         <p:nvCxnSpPr>
-          <p:cNvPr id="109" name="直接箭头连接符 108"/>
+          <p:cNvPr id="71" name="直接箭头连接符 70"/>
           <p:cNvCxnSpPr>
-            <a:stCxn id="105" idx="3"/>
-            <a:endCxn id="108" idx="1"/>
+            <a:stCxn id="70" idx="0"/>
+            <a:endCxn id="57" idx="2"/>
           </p:cNvCxnSpPr>
           <p:nvPr/>
         </p:nvCxnSpPr>
         <p:spPr>
-          <a:xfrm>
-            <a:off x="7786739" y="3444008"/>
-            <a:ext cx="1075038" cy="0"/>
+          <a:xfrm flipH="1" flipV="1">
+            <a:off x="6953370" y="4223681"/>
+            <a:ext cx="800259" cy="859141"/>
           </a:xfrm>
           <a:prstGeom prst="straightConnector1">
             <a:avLst/>
@@ -14363,7 +14177,9 @@
             <a:solidFill>
               <a:srgbClr val="FFFF00"/>
             </a:solidFill>
-            <a:tailEnd type="triangle"/>
+            <a:prstDash val="lgDash"/>
+            <a:headEnd type="triangle" w="med" len="med"/>
+            <a:tailEnd type="none" w="med" len="med"/>
           </a:ln>
         </p:spPr>
         <p:style>
@@ -14381,63 +14197,19 @@
           </a:fontRef>
         </p:style>
       </p:cxnSp>
-      <p:sp>
-        <p:nvSpPr>
-          <p:cNvPr id="110" name="矩形 109"/>
-          <p:cNvSpPr/>
-          <p:nvPr/>
-        </p:nvSpPr>
-        <p:spPr>
-          <a:xfrm>
-            <a:off x="8861777" y="2931983"/>
-            <a:ext cx="864478" cy="276999"/>
-          </a:xfrm>
-          <a:prstGeom prst="rect">
-            <a:avLst/>
-          </a:prstGeom>
-        </p:spPr>
-        <p:txBody>
-          <a:bodyPr wrap="square">
-            <a:spAutoFit/>
-          </a:bodyPr>
-          <a:lstStyle/>
-          <a:p>
-            <a:r>
-              <a:rPr lang="en-US" altLang="zh-CN" sz="1200" dirty="0" err="1" smtClean="0">
-                <a:solidFill>
-                  <a:schemeClr val="accent1">
-                    <a:lumMod val="40000"/>
-                    <a:lumOff val="60000"/>
-                  </a:schemeClr>
-                </a:solidFill>
-                <a:latin typeface="微软雅黑" panose="020B0503020204020204" pitchFamily="34" charset="-122"/>
-                <a:ea typeface="微软雅黑" panose="020B0503020204020204" pitchFamily="34" charset="-122"/>
-              </a:rPr>
-              <a:t>Readonly</a:t>
-            </a:r>
-            <a:endParaRPr lang="en-US" altLang="zh-CN" sz="1200" dirty="0" smtClean="0">
-              <a:solidFill>
-                <a:schemeClr val="accent1">
-                  <a:lumMod val="40000"/>
-                  <a:lumOff val="60000"/>
-                </a:schemeClr>
-              </a:solidFill>
-              <a:latin typeface="微软雅黑" panose="020B0503020204020204" pitchFamily="34" charset="-122"/>
-              <a:ea typeface="微软雅黑" panose="020B0503020204020204" pitchFamily="34" charset="-122"/>
-            </a:endParaRPr>
-          </a:p>
-        </p:txBody>
-      </p:sp>
       <p:cxnSp>
         <p:nvCxnSpPr>
-          <p:cNvPr id="111" name="直接箭头连接符 110"/>
-          <p:cNvCxnSpPr/>
+          <p:cNvPr id="75" name="直接箭头连接符 74"/>
+          <p:cNvCxnSpPr>
+            <a:stCxn id="69" idx="0"/>
+            <a:endCxn id="57" idx="2"/>
+          </p:cNvCxnSpPr>
           <p:nvPr/>
         </p:nvCxnSpPr>
         <p:spPr>
-          <a:xfrm flipH="1">
-            <a:off x="7786739" y="3541451"/>
-            <a:ext cx="1075038" cy="14817"/>
+          <a:xfrm flipV="1">
+            <a:off x="6454585" y="4223681"/>
+            <a:ext cx="498785" cy="859141"/>
           </a:xfrm>
           <a:prstGeom prst="straightConnector1">
             <a:avLst/>
@@ -14446,7 +14218,9 @@
             <a:solidFill>
               <a:srgbClr val="FFFF00"/>
             </a:solidFill>
-            <a:tailEnd type="triangle"/>
+            <a:prstDash val="lgDash"/>
+            <a:headEnd type="triangle" w="med" len="med"/>
+            <a:tailEnd type="none" w="med" len="med"/>
           </a:ln>
         </p:spPr>
         <p:style>
@@ -14466,14 +14240,14 @@
       </p:cxnSp>
       <p:sp>
         <p:nvSpPr>
-          <p:cNvPr id="112" name="矩形 111"/>
+          <p:cNvPr id="78" name="矩形 77"/>
           <p:cNvSpPr/>
           <p:nvPr/>
         </p:nvSpPr>
         <p:spPr>
           <a:xfrm>
-            <a:off x="8617825" y="2543068"/>
-            <a:ext cx="2288035" cy="307777"/>
+            <a:off x="7396579" y="4570622"/>
+            <a:ext cx="1302409" cy="246221"/>
           </a:xfrm>
           <a:prstGeom prst="rect">
             <a:avLst/>
@@ -14486,26 +14260,16 @@
           <a:lstStyle/>
           <a:p>
             <a:r>
-              <a:rPr lang="en-US" altLang="zh-CN" sz="1400" dirty="0" smtClean="0">
+              <a:rPr lang="en-US" altLang="zh-CN" sz="1000">
                 <a:solidFill>
                   <a:srgbClr val="FFFF00"/>
                 </a:solidFill>
                 <a:latin typeface="微软雅黑" panose="020B0503020204020204" pitchFamily="34" charset="-122"/>
                 <a:ea typeface="微软雅黑" panose="020B0503020204020204" pitchFamily="34" charset="-122"/>
               </a:rPr>
-              <a:t>select </a:t>
-            </a:r>
-            <a:r>
-              <a:rPr lang="en-US" altLang="zh-CN" sz="1400" dirty="0" err="1" smtClean="0">
-                <a:solidFill>
-                  <a:srgbClr val="FFFF00"/>
-                </a:solidFill>
-                <a:latin typeface="微软雅黑" panose="020B0503020204020204" pitchFamily="34" charset="-122"/>
-                <a:ea typeface="微软雅黑" panose="020B0503020204020204" pitchFamily="34" charset="-122"/>
-              </a:rPr>
-              <a:t>master_pos_wait</a:t>
-            </a:r>
-            <a:endParaRPr lang="en-US" altLang="zh-CN" sz="1400" dirty="0" smtClean="0">
+              <a:t>binlog async</a:t>
+            </a:r>
+            <a:endParaRPr lang="en-US" altLang="zh-CN" sz="1000" dirty="0" smtClean="0">
               <a:solidFill>
                 <a:srgbClr val="FFFF00"/>
               </a:solidFill>
@@ -14517,450 +14281,14 @@
       </p:sp>
       <p:sp>
         <p:nvSpPr>
-          <p:cNvPr id="113" name="圆角矩形 112"/>
+          <p:cNvPr id="79" name="矩形 78"/>
           <p:cNvSpPr/>
           <p:nvPr/>
         </p:nvSpPr>
         <p:spPr>
           <a:xfrm>
-            <a:off x="8635218" y="5942718"/>
-            <a:ext cx="768350" cy="755650"/>
-          </a:xfrm>
-          <a:prstGeom prst="roundRect">
-            <a:avLst/>
-          </a:prstGeom>
-          <a:noFill/>
-        </p:spPr>
-        <p:style>
-          <a:lnRef idx="2">
-            <a:schemeClr val="accent1">
-              <a:shade val="50000"/>
-            </a:schemeClr>
-          </a:lnRef>
-          <a:fillRef idx="1">
-            <a:schemeClr val="accent1"/>
-          </a:fillRef>
-          <a:effectRef idx="0">
-            <a:schemeClr val="accent1"/>
-          </a:effectRef>
-          <a:fontRef idx="minor">
-            <a:schemeClr val="lt1"/>
-          </a:fontRef>
-        </p:style>
-        <p:txBody>
-          <a:bodyPr rtlCol="0" anchor="ctr"/>
-          <a:lstStyle/>
-          <a:p>
-            <a:pPr algn="ctr"/>
-            <a:r>
-              <a:rPr lang="en-US" altLang="zh-CN" sz="900">
-                <a:latin typeface="微软雅黑" panose="020B0503020204020204" pitchFamily="34" charset="-122"/>
-                <a:ea typeface="微软雅黑" panose="020B0503020204020204" pitchFamily="34" charset="-122"/>
-              </a:rPr>
-              <a:t>relay log</a:t>
-            </a:r>
-          </a:p>
-          <a:p>
-            <a:pPr algn="ctr"/>
-            <a:r>
-              <a:rPr lang="en-US" altLang="zh-CN" sz="900">
-                <a:latin typeface="微软雅黑" panose="020B0503020204020204" pitchFamily="34" charset="-122"/>
-                <a:ea typeface="微软雅黑" panose="020B0503020204020204" pitchFamily="34" charset="-122"/>
-              </a:rPr>
-              <a:t>trx 1</a:t>
-            </a:r>
-          </a:p>
-          <a:p>
-            <a:pPr algn="ctr"/>
-            <a:r>
-              <a:rPr lang="en-US" altLang="zh-CN" sz="900">
-                <a:latin typeface="微软雅黑" panose="020B0503020204020204" pitchFamily="34" charset="-122"/>
-                <a:ea typeface="微软雅黑" panose="020B0503020204020204" pitchFamily="34" charset="-122"/>
-              </a:rPr>
-              <a:t>trx 2</a:t>
-            </a:r>
-            <a:endParaRPr lang="en-US" altLang="zh-CN" sz="900" dirty="0">
-              <a:latin typeface="微软雅黑" panose="020B0503020204020204" pitchFamily="34" charset="-122"/>
-              <a:ea typeface="微软雅黑" panose="020B0503020204020204" pitchFamily="34" charset="-122"/>
-            </a:endParaRPr>
-          </a:p>
-        </p:txBody>
-      </p:sp>
-      <p:sp>
-        <p:nvSpPr>
-          <p:cNvPr id="114" name="圆角矩形 113"/>
-          <p:cNvSpPr/>
-          <p:nvPr/>
-        </p:nvSpPr>
-        <p:spPr>
-          <a:xfrm>
-            <a:off x="9575018" y="5942718"/>
-            <a:ext cx="768350" cy="755650"/>
-          </a:xfrm>
-          <a:prstGeom prst="roundRect">
-            <a:avLst/>
-          </a:prstGeom>
-          <a:noFill/>
-        </p:spPr>
-        <p:style>
-          <a:lnRef idx="2">
-            <a:schemeClr val="accent1">
-              <a:shade val="50000"/>
-            </a:schemeClr>
-          </a:lnRef>
-          <a:fillRef idx="1">
-            <a:schemeClr val="accent1"/>
-          </a:fillRef>
-          <a:effectRef idx="0">
-            <a:schemeClr val="accent1"/>
-          </a:effectRef>
-          <a:fontRef idx="minor">
-            <a:schemeClr val="lt1"/>
-          </a:fontRef>
-        </p:style>
-        <p:txBody>
-          <a:bodyPr rtlCol="0" anchor="ctr"/>
-          <a:lstStyle/>
-          <a:p>
-            <a:pPr algn="ctr"/>
-            <a:r>
-              <a:rPr lang="en-US" altLang="zh-CN" sz="900" dirty="0" smtClean="0">
-                <a:latin typeface="微软雅黑" panose="020B0503020204020204" pitchFamily="34" charset="-122"/>
-                <a:ea typeface="微软雅黑" panose="020B0503020204020204" pitchFamily="34" charset="-122"/>
-              </a:rPr>
-              <a:t>bin </a:t>
-            </a:r>
-            <a:r>
-              <a:rPr lang="en-US" altLang="zh-CN" sz="900" dirty="0">
-                <a:latin typeface="微软雅黑" panose="020B0503020204020204" pitchFamily="34" charset="-122"/>
-                <a:ea typeface="微软雅黑" panose="020B0503020204020204" pitchFamily="34" charset="-122"/>
-              </a:rPr>
-              <a:t>log</a:t>
-            </a:r>
-          </a:p>
-          <a:p>
-            <a:pPr algn="ctr"/>
-            <a:r>
-              <a:rPr lang="en-US" altLang="zh-CN" sz="900" dirty="0" err="1">
-                <a:latin typeface="微软雅黑" panose="020B0503020204020204" pitchFamily="34" charset="-122"/>
-                <a:ea typeface="微软雅黑" panose="020B0503020204020204" pitchFamily="34" charset="-122"/>
-              </a:rPr>
-              <a:t>trx</a:t>
-            </a:r>
-            <a:r>
-              <a:rPr lang="en-US" altLang="zh-CN" sz="900" dirty="0">
-                <a:latin typeface="微软雅黑" panose="020B0503020204020204" pitchFamily="34" charset="-122"/>
-                <a:ea typeface="微软雅黑" panose="020B0503020204020204" pitchFamily="34" charset="-122"/>
-              </a:rPr>
-              <a:t> 1</a:t>
-            </a:r>
-          </a:p>
-          <a:p>
-            <a:pPr algn="ctr"/>
-            <a:endParaRPr lang="en-US" altLang="zh-CN" sz="900" dirty="0" smtClean="0">
-              <a:latin typeface="微软雅黑" panose="020B0503020204020204" pitchFamily="34" charset="-122"/>
-              <a:ea typeface="微软雅黑" panose="020B0503020204020204" pitchFamily="34" charset="-122"/>
-            </a:endParaRPr>
-          </a:p>
-        </p:txBody>
-      </p:sp>
-      <p:sp>
-        <p:nvSpPr>
-          <p:cNvPr id="115" name="矩形 114"/>
-          <p:cNvSpPr/>
-          <p:nvPr/>
-        </p:nvSpPr>
-        <p:spPr>
-          <a:xfrm>
-            <a:off x="7044289" y="5388123"/>
-            <a:ext cx="900066" cy="470052"/>
-          </a:xfrm>
-          <a:prstGeom prst="rect">
-            <a:avLst/>
-          </a:prstGeom>
-          <a:solidFill>
-            <a:srgbClr val="00B050"/>
-          </a:solidFill>
-          <a:ln>
-            <a:noFill/>
-          </a:ln>
-          <a:scene3d>
-            <a:camera prst="orthographicFront"/>
-            <a:lightRig rig="threePt" dir="t"/>
-          </a:scene3d>
-          <a:sp3d>
-            <a:bevelT w="114300" prst="artDeco"/>
-          </a:sp3d>
-        </p:spPr>
-        <p:style>
-          <a:lnRef idx="2">
-            <a:schemeClr val="accent1">
-              <a:shade val="50000"/>
-            </a:schemeClr>
-          </a:lnRef>
-          <a:fillRef idx="1">
-            <a:schemeClr val="accent1"/>
-          </a:fillRef>
-          <a:effectRef idx="0">
-            <a:schemeClr val="accent1"/>
-          </a:effectRef>
-          <a:fontRef idx="minor">
-            <a:schemeClr val="lt1"/>
-          </a:fontRef>
-        </p:style>
-        <p:txBody>
-          <a:bodyPr rtlCol="0" anchor="ctr"/>
-          <a:lstStyle/>
-          <a:p>
-            <a:pPr algn="ctr"/>
-            <a:r>
-              <a:rPr lang="en-US" altLang="zh-CN" sz="1200" dirty="0" smtClean="0">
-                <a:latin typeface="微软雅黑" panose="020B0503020204020204" pitchFamily="34" charset="-122"/>
-                <a:ea typeface="微软雅黑" panose="020B0503020204020204" pitchFamily="34" charset="-122"/>
-              </a:rPr>
-              <a:t>MySQL</a:t>
-            </a:r>
-          </a:p>
-          <a:p>
-            <a:pPr algn="ctr"/>
-            <a:r>
-              <a:rPr lang="en-US" altLang="zh-CN" sz="1200" dirty="0" smtClean="0">
-                <a:latin typeface="微软雅黑" panose="020B0503020204020204" pitchFamily="34" charset="-122"/>
-                <a:ea typeface="微软雅黑" panose="020B0503020204020204" pitchFamily="34" charset="-122"/>
-              </a:rPr>
-              <a:t>A</a:t>
-            </a:r>
-            <a:endParaRPr lang="zh-CN" altLang="en-US" sz="1200" dirty="0">
-              <a:latin typeface="微软雅黑" panose="020B0503020204020204" pitchFamily="34" charset="-122"/>
-              <a:ea typeface="微软雅黑" panose="020B0503020204020204" pitchFamily="34" charset="-122"/>
-            </a:endParaRPr>
-          </a:p>
-        </p:txBody>
-      </p:sp>
-      <p:sp>
-        <p:nvSpPr>
-          <p:cNvPr id="116" name="椭圆 115"/>
-          <p:cNvSpPr/>
-          <p:nvPr/>
-        </p:nvSpPr>
-        <p:spPr>
-          <a:xfrm>
-            <a:off x="7651938" y="4473883"/>
-            <a:ext cx="990600" cy="451873"/>
-          </a:xfrm>
-          <a:prstGeom prst="ellipse">
-            <a:avLst/>
-          </a:prstGeom>
-          <a:solidFill>
-            <a:srgbClr val="00B0F0"/>
-          </a:solidFill>
-          <a:ln>
-            <a:noFill/>
-          </a:ln>
-          <a:scene3d>
-            <a:camera prst="orthographicFront"/>
-            <a:lightRig rig="threePt" dir="t"/>
-          </a:scene3d>
-          <a:sp3d>
-            <a:bevelT w="114300" prst="artDeco"/>
-          </a:sp3d>
-        </p:spPr>
-        <p:style>
-          <a:lnRef idx="2">
-            <a:schemeClr val="accent1">
-              <a:shade val="50000"/>
-            </a:schemeClr>
-          </a:lnRef>
-          <a:fillRef idx="1">
-            <a:schemeClr val="accent1"/>
-          </a:fillRef>
-          <a:effectRef idx="0">
-            <a:schemeClr val="accent1"/>
-          </a:effectRef>
-          <a:fontRef idx="minor">
-            <a:schemeClr val="lt1"/>
-          </a:fontRef>
-        </p:style>
-        <p:txBody>
-          <a:bodyPr rtlCol="0" anchor="ctr"/>
-          <a:lstStyle/>
-          <a:p>
-            <a:pPr algn="ctr"/>
-            <a:r>
-              <a:rPr lang="en-US" altLang="zh-CN" sz="1400" dirty="0" smtClean="0">
-                <a:latin typeface="微软雅黑" panose="020B0503020204020204" pitchFamily="34" charset="-122"/>
-                <a:ea typeface="微软雅黑" panose="020B0503020204020204" pitchFamily="34" charset="-122"/>
-              </a:rPr>
-              <a:t>client</a:t>
-            </a:r>
-            <a:endParaRPr lang="zh-CN" altLang="en-US" sz="1400" dirty="0">
-              <a:latin typeface="微软雅黑" panose="020B0503020204020204" pitchFamily="34" charset="-122"/>
-              <a:ea typeface="微软雅黑" panose="020B0503020204020204" pitchFamily="34" charset="-122"/>
-            </a:endParaRPr>
-          </a:p>
-        </p:txBody>
-      </p:sp>
-      <p:cxnSp>
-        <p:nvCxnSpPr>
-          <p:cNvPr id="117" name="直接箭头连接符 116"/>
-          <p:cNvCxnSpPr>
-            <a:stCxn id="116" idx="5"/>
-            <a:endCxn id="118" idx="0"/>
-          </p:cNvCxnSpPr>
-          <p:nvPr/>
-        </p:nvCxnSpPr>
-        <p:spPr>
-          <a:xfrm>
-            <a:off x="8497468" y="4859581"/>
-            <a:ext cx="971958" cy="528542"/>
-          </a:xfrm>
-          <a:prstGeom prst="straightConnector1">
-            <a:avLst/>
-          </a:prstGeom>
-          <a:ln>
-            <a:solidFill>
-              <a:srgbClr val="FFFF00"/>
-            </a:solidFill>
-            <a:tailEnd type="triangle"/>
-          </a:ln>
-        </p:spPr>
-        <p:style>
-          <a:lnRef idx="1">
-            <a:schemeClr val="accent1"/>
-          </a:lnRef>
-          <a:fillRef idx="0">
-            <a:schemeClr val="accent1"/>
-          </a:fillRef>
-          <a:effectRef idx="0">
-            <a:schemeClr val="accent1"/>
-          </a:effectRef>
-          <a:fontRef idx="minor">
-            <a:schemeClr val="tx1"/>
-          </a:fontRef>
-        </p:style>
-      </p:cxnSp>
-      <p:sp>
-        <p:nvSpPr>
-          <p:cNvPr id="118" name="矩形 117"/>
-          <p:cNvSpPr/>
-          <p:nvPr/>
-        </p:nvSpPr>
-        <p:spPr>
-          <a:xfrm>
-            <a:off x="9019393" y="5388123"/>
-            <a:ext cx="900066" cy="470052"/>
-          </a:xfrm>
-          <a:prstGeom prst="rect">
-            <a:avLst/>
-          </a:prstGeom>
-          <a:solidFill>
-            <a:srgbClr val="00B050"/>
-          </a:solidFill>
-          <a:ln>
-            <a:noFill/>
-          </a:ln>
-          <a:scene3d>
-            <a:camera prst="orthographicFront"/>
-            <a:lightRig rig="threePt" dir="t"/>
-          </a:scene3d>
-          <a:sp3d>
-            <a:bevelT w="114300" prst="artDeco"/>
-          </a:sp3d>
-        </p:spPr>
-        <p:style>
-          <a:lnRef idx="2">
-            <a:schemeClr val="accent1">
-              <a:shade val="50000"/>
-            </a:schemeClr>
-          </a:lnRef>
-          <a:fillRef idx="1">
-            <a:schemeClr val="accent1"/>
-          </a:fillRef>
-          <a:effectRef idx="0">
-            <a:schemeClr val="accent1"/>
-          </a:effectRef>
-          <a:fontRef idx="minor">
-            <a:schemeClr val="lt1"/>
-          </a:fontRef>
-        </p:style>
-        <p:txBody>
-          <a:bodyPr rtlCol="0" anchor="ctr"/>
-          <a:lstStyle/>
-          <a:p>
-            <a:pPr algn="ctr"/>
-            <a:r>
-              <a:rPr lang="en-US" altLang="zh-CN" sz="1200" dirty="0" smtClean="0">
-                <a:latin typeface="微软雅黑" panose="020B0503020204020204" pitchFamily="34" charset="-122"/>
-                <a:ea typeface="微软雅黑" panose="020B0503020204020204" pitchFamily="34" charset="-122"/>
-              </a:rPr>
-              <a:t>MySQL</a:t>
-            </a:r>
-          </a:p>
-          <a:p>
-            <a:pPr algn="ctr"/>
-            <a:r>
-              <a:rPr lang="en-US" altLang="zh-CN" sz="1200" dirty="0">
-                <a:latin typeface="微软雅黑" panose="020B0503020204020204" pitchFamily="34" charset="-122"/>
-                <a:ea typeface="微软雅黑" panose="020B0503020204020204" pitchFamily="34" charset="-122"/>
-              </a:rPr>
-              <a:t>B</a:t>
-            </a:r>
-            <a:endParaRPr lang="zh-CN" altLang="en-US" sz="1200" dirty="0">
-              <a:latin typeface="微软雅黑" panose="020B0503020204020204" pitchFamily="34" charset="-122"/>
-              <a:ea typeface="微软雅黑" panose="020B0503020204020204" pitchFamily="34" charset="-122"/>
-            </a:endParaRPr>
-          </a:p>
-        </p:txBody>
-      </p:sp>
-      <p:cxnSp>
-        <p:nvCxnSpPr>
-          <p:cNvPr id="119" name="直接箭头连接符 118"/>
-          <p:cNvCxnSpPr>
-            <a:stCxn id="115" idx="3"/>
-            <a:endCxn id="118" idx="1"/>
-          </p:cNvCxnSpPr>
-          <p:nvPr/>
-        </p:nvCxnSpPr>
-        <p:spPr>
-          <a:xfrm>
-            <a:off x="7944355" y="5623149"/>
-            <a:ext cx="1075038" cy="0"/>
-          </a:xfrm>
-          <a:prstGeom prst="straightConnector1">
-            <a:avLst/>
-          </a:prstGeom>
-          <a:ln>
-            <a:solidFill>
-              <a:srgbClr val="FFFF00"/>
-            </a:solidFill>
-            <a:tailEnd type="triangle"/>
-          </a:ln>
-        </p:spPr>
-        <p:style>
-          <a:lnRef idx="1">
-            <a:schemeClr val="accent1"/>
-          </a:lnRef>
-          <a:fillRef idx="0">
-            <a:schemeClr val="accent1"/>
-          </a:fillRef>
-          <a:effectRef idx="0">
-            <a:schemeClr val="accent1"/>
-          </a:effectRef>
-          <a:fontRef idx="minor">
-            <a:schemeClr val="tx1"/>
-          </a:fontRef>
-        </p:style>
-      </p:cxnSp>
-      <p:sp>
-        <p:nvSpPr>
-          <p:cNvPr id="120" name="矩形 119"/>
-          <p:cNvSpPr/>
-          <p:nvPr/>
-        </p:nvSpPr>
-        <p:spPr>
-          <a:xfrm>
-            <a:off x="9019393" y="5111124"/>
-            <a:ext cx="864478" cy="276999"/>
+            <a:off x="5800015" y="4522800"/>
+            <a:ext cx="1302409" cy="246221"/>
           </a:xfrm>
           <a:prstGeom prst="rect">
             <a:avLst/>
@@ -14973,109 +14301,16 @@
           <a:lstStyle/>
           <a:p>
             <a:r>
-              <a:rPr lang="en-US" altLang="zh-CN" sz="1200" dirty="0" err="1" smtClean="0">
-                <a:solidFill>
-                  <a:schemeClr val="accent1">
-                    <a:lumMod val="40000"/>
-                    <a:lumOff val="60000"/>
-                  </a:schemeClr>
-                </a:solidFill>
-                <a:latin typeface="微软雅黑" panose="020B0503020204020204" pitchFamily="34" charset="-122"/>
-                <a:ea typeface="微软雅黑" panose="020B0503020204020204" pitchFamily="34" charset="-122"/>
-              </a:rPr>
-              <a:t>Readonly</a:t>
-            </a:r>
-            <a:endParaRPr lang="en-US" altLang="zh-CN" sz="1200" dirty="0" smtClean="0">
-              <a:solidFill>
-                <a:schemeClr val="accent1">
-                  <a:lumMod val="40000"/>
-                  <a:lumOff val="60000"/>
-                </a:schemeClr>
-              </a:solidFill>
-              <a:latin typeface="微软雅黑" panose="020B0503020204020204" pitchFamily="34" charset="-122"/>
-              <a:ea typeface="微软雅黑" panose="020B0503020204020204" pitchFamily="34" charset="-122"/>
-            </a:endParaRPr>
-          </a:p>
-        </p:txBody>
-      </p:sp>
-      <p:cxnSp>
-        <p:nvCxnSpPr>
-          <p:cNvPr id="121" name="直接箭头连接符 120"/>
-          <p:cNvCxnSpPr/>
-          <p:nvPr/>
-        </p:nvCxnSpPr>
-        <p:spPr>
-          <a:xfrm flipH="1">
-            <a:off x="7944355" y="5720592"/>
-            <a:ext cx="1075038" cy="14817"/>
-          </a:xfrm>
-          <a:prstGeom prst="straightConnector1">
-            <a:avLst/>
-          </a:prstGeom>
-          <a:ln>
-            <a:solidFill>
-              <a:srgbClr val="FFFF00"/>
-            </a:solidFill>
-            <a:tailEnd type="triangle"/>
-          </a:ln>
-        </p:spPr>
-        <p:style>
-          <a:lnRef idx="1">
-            <a:schemeClr val="accent1"/>
-          </a:lnRef>
-          <a:fillRef idx="0">
-            <a:schemeClr val="accent1"/>
-          </a:fillRef>
-          <a:effectRef idx="0">
-            <a:schemeClr val="accent1"/>
-          </a:effectRef>
-          <a:fontRef idx="minor">
-            <a:schemeClr val="tx1"/>
-          </a:fontRef>
-        </p:style>
-      </p:cxnSp>
-      <p:sp>
-        <p:nvSpPr>
-          <p:cNvPr id="122" name="矩形 121"/>
-          <p:cNvSpPr/>
-          <p:nvPr/>
-        </p:nvSpPr>
-        <p:spPr>
-          <a:xfrm>
-            <a:off x="8775441" y="4722209"/>
-            <a:ext cx="2288035" cy="307777"/>
-          </a:xfrm>
-          <a:prstGeom prst="rect">
-            <a:avLst/>
-          </a:prstGeom>
-        </p:spPr>
-        <p:txBody>
-          <a:bodyPr wrap="square">
-            <a:spAutoFit/>
-          </a:bodyPr>
-          <a:lstStyle/>
-          <a:p>
-            <a:r>
-              <a:rPr lang="en-US" altLang="zh-CN" sz="1400" dirty="0" smtClean="0">
+              <a:rPr lang="en-US" altLang="zh-CN" sz="1000">
                 <a:solidFill>
                   <a:srgbClr val="FFFF00"/>
                 </a:solidFill>
                 <a:latin typeface="微软雅黑" panose="020B0503020204020204" pitchFamily="34" charset="-122"/>
                 <a:ea typeface="微软雅黑" panose="020B0503020204020204" pitchFamily="34" charset="-122"/>
               </a:rPr>
-              <a:t>select </a:t>
-            </a:r>
-            <a:r>
-              <a:rPr lang="en-US" altLang="zh-CN" sz="1400" dirty="0" err="1" smtClean="0">
-                <a:solidFill>
-                  <a:srgbClr val="FFFF00"/>
-                </a:solidFill>
-                <a:latin typeface="微软雅黑" panose="020B0503020204020204" pitchFamily="34" charset="-122"/>
-                <a:ea typeface="微软雅黑" panose="020B0503020204020204" pitchFamily="34" charset="-122"/>
-              </a:rPr>
-              <a:t>real_query</a:t>
-            </a:r>
-            <a:endParaRPr lang="en-US" altLang="zh-CN" sz="1400" dirty="0" smtClean="0">
+              <a:t>binlog async</a:t>
+            </a:r>
+            <a:endParaRPr lang="en-US" altLang="zh-CN" sz="1000" dirty="0" smtClean="0">
               <a:solidFill>
                 <a:srgbClr val="FFFF00"/>
               </a:solidFill>
@@ -15373,20 +14608,7 @@
                 <a:latin typeface="微软雅黑" panose="020B0503020204020204" pitchFamily="34" charset="-122"/>
                 <a:ea typeface="微软雅黑" panose="020B0503020204020204" pitchFamily="34" charset="-122"/>
               </a:rPr>
-              <a:t>就</a:t>
-            </a:r>
-            <a:r>
-              <a:rPr lang="zh-CN" altLang="en-US" sz="1400" dirty="0" smtClean="0">
-                <a:solidFill>
-                  <a:schemeClr val="accent1">
-                    <a:lumMod val="40000"/>
-                    <a:lumOff val="60000"/>
-                  </a:schemeClr>
-                </a:solidFill>
-                <a:latin typeface="微软雅黑" panose="020B0503020204020204" pitchFamily="34" charset="-122"/>
-                <a:ea typeface="微软雅黑" panose="020B0503020204020204" pitchFamily="34" charset="-122"/>
-              </a:rPr>
-              <a:t>确保查询正确。</a:t>
+              <a:t>就确保查询正确。</a:t>
             </a:r>
             <a:endParaRPr lang="en-US" altLang="zh-CN" sz="1400" dirty="0" smtClean="0">
               <a:solidFill>
@@ -15410,7 +14632,7 @@
         <p:spPr>
           <a:xfrm>
             <a:off x="114300" y="842111"/>
-            <a:ext cx="1914178" cy="369332"/>
+            <a:ext cx="1800493" cy="369332"/>
           </a:xfrm>
           <a:prstGeom prst="rect">
             <a:avLst/>
@@ -15447,29 +14669,7 @@
                 <a:latin typeface="微软雅黑" panose="020B0503020204020204" pitchFamily="34" charset="-122"/>
                 <a:ea typeface="微软雅黑" panose="020B0503020204020204" pitchFamily="34" charset="-122"/>
               </a:rPr>
-              <a:t>等主库</a:t>
-            </a:r>
-            <a:r>
-              <a:rPr lang="en-US" altLang="zh-CN" b="1" dirty="0" smtClean="0">
-                <a:ln/>
-                <a:solidFill>
-                  <a:srgbClr val="4FD1FF"/>
-                </a:solidFill>
-                <a:latin typeface="微软雅黑" panose="020B0503020204020204" pitchFamily="34" charset="-122"/>
-                <a:ea typeface="微软雅黑" panose="020B0503020204020204" pitchFamily="34" charset="-122"/>
-              </a:rPr>
-              <a:t>GTID</a:t>
-            </a:r>
-            <a:r>
-              <a:rPr lang="zh-CN" altLang="en-US" b="1" dirty="0" smtClean="0">
-                <a:ln/>
-                <a:solidFill>
-                  <a:srgbClr val="4FD1FF"/>
-                </a:solidFill>
-                <a:latin typeface="微软雅黑" panose="020B0503020204020204" pitchFamily="34" charset="-122"/>
-                <a:ea typeface="微软雅黑" panose="020B0503020204020204" pitchFamily="34" charset="-122"/>
-              </a:rPr>
-              <a:t>方案</a:t>
+              <a:t>等主库位点方案</a:t>
             </a:r>
             <a:endParaRPr lang="en-US" altLang="zh-CN" b="1" dirty="0" smtClean="0">
               <a:ln/>
@@ -15491,7 +14691,7 @@
         <p:spPr>
           <a:xfrm>
             <a:off x="114300" y="1279079"/>
-            <a:ext cx="4354720" cy="646331"/>
+            <a:ext cx="7469124" cy="830997"/>
           </a:xfrm>
           <a:prstGeom prst="rect">
             <a:avLst/>
@@ -15508,54 +14708,54 @@
               <a:buChar char="•"/>
             </a:pPr>
             <a:r>
-              <a:rPr lang="en-US" altLang="zh-CN" sz="1200" dirty="0">
+              <a:rPr lang="en-US" altLang="zh-CN" sz="1200" dirty="0" smtClean="0">
                 <a:solidFill>
                   <a:srgbClr val="92D050"/>
                 </a:solidFill>
                 <a:latin typeface="微软雅黑" panose="020B0503020204020204" pitchFamily="34" charset="-122"/>
                 <a:ea typeface="微软雅黑" panose="020B0503020204020204" pitchFamily="34" charset="-122"/>
               </a:rPr>
-              <a:t> select </a:t>
-            </a:r>
-            <a:r>
-              <a:rPr lang="en-US" altLang="zh-CN" sz="1200" dirty="0" err="1">
+              <a:t>select </a:t>
+            </a:r>
+            <a:r>
+              <a:rPr lang="en-US" altLang="zh-CN" sz="1200" dirty="0" err="1" smtClean="0">
                 <a:solidFill>
                   <a:srgbClr val="92D050"/>
                 </a:solidFill>
                 <a:latin typeface="微软雅黑" panose="020B0503020204020204" pitchFamily="34" charset="-122"/>
                 <a:ea typeface="微软雅黑" panose="020B0503020204020204" pitchFamily="34" charset="-122"/>
               </a:rPr>
-              <a:t>wait_for_executed_gtid_set</a:t>
-            </a:r>
-            <a:r>
-              <a:rPr lang="en-US" altLang="zh-CN" sz="1200" dirty="0">
+              <a:t>master_pos_wait</a:t>
+            </a:r>
+            <a:r>
+              <a:rPr lang="en-US" altLang="zh-CN" sz="1200" dirty="0" smtClean="0">
                 <a:solidFill>
                   <a:srgbClr val="92D050"/>
                 </a:solidFill>
                 <a:latin typeface="微软雅黑" panose="020B0503020204020204" pitchFamily="34" charset="-122"/>
                 <a:ea typeface="微软雅黑" panose="020B0503020204020204" pitchFamily="34" charset="-122"/>
               </a:rPr>
-              <a:t>(</a:t>
-            </a:r>
-            <a:r>
-              <a:rPr lang="en-US" altLang="zh-CN" sz="1200" dirty="0" err="1">
+              <a:t>(fail, </a:t>
+            </a:r>
+            <a:r>
+              <a:rPr lang="en-US" altLang="zh-CN" sz="1200" dirty="0" err="1" smtClean="0">
                 <a:solidFill>
                   <a:srgbClr val="92D050"/>
                 </a:solidFill>
                 <a:latin typeface="微软雅黑" panose="020B0503020204020204" pitchFamily="34" charset="-122"/>
                 <a:ea typeface="微软雅黑" panose="020B0503020204020204" pitchFamily="34" charset="-122"/>
               </a:rPr>
-              <a:t>gtid_set</a:t>
-            </a:r>
-            <a:r>
-              <a:rPr lang="en-US" altLang="zh-CN" sz="1200" dirty="0">
+              <a:t>pos</a:t>
+            </a:r>
+            <a:r>
+              <a:rPr lang="en-US" altLang="zh-CN" sz="1200" dirty="0" smtClean="0">
                 <a:solidFill>
                   <a:srgbClr val="92D050"/>
                 </a:solidFill>
                 <a:latin typeface="微软雅黑" panose="020B0503020204020204" pitchFamily="34" charset="-122"/>
                 <a:ea typeface="微软雅黑" panose="020B0503020204020204" pitchFamily="34" charset="-122"/>
               </a:rPr>
-              <a:t>, 1);</a:t>
+              <a:t>[, timeout]);</a:t>
             </a:r>
           </a:p>
           <a:p>
@@ -15567,7 +14767,46 @@
                 <a:latin typeface="微软雅黑" panose="020B0503020204020204" pitchFamily="34" charset="-122"/>
                 <a:ea typeface="微软雅黑" panose="020B0503020204020204" pitchFamily="34" charset="-122"/>
               </a:rPr>
-              <a:t>等待，直到这个库执行的事务中包含传入的</a:t>
+              <a:t>语句在从库上执行。</a:t>
+            </a:r>
+            <a:endParaRPr lang="en-US" altLang="zh-CN" sz="1200" dirty="0" smtClean="0">
+              <a:solidFill>
+                <a:srgbClr val="92D050"/>
+              </a:solidFill>
+              <a:latin typeface="微软雅黑" panose="020B0503020204020204" pitchFamily="34" charset="-122"/>
+              <a:ea typeface="微软雅黑" panose="020B0503020204020204" pitchFamily="34" charset="-122"/>
+            </a:endParaRPr>
+          </a:p>
+          <a:p>
+            <a:r>
+              <a:rPr lang="zh-CN" altLang="en-US" sz="1200" dirty="0" smtClean="0">
+                <a:solidFill>
+                  <a:srgbClr val="92D050"/>
+                </a:solidFill>
+                <a:latin typeface="微软雅黑" panose="020B0503020204020204" pitchFamily="34" charset="-122"/>
+                <a:ea typeface="微软雅黑" panose="020B0503020204020204" pitchFamily="34" charset="-122"/>
+              </a:rPr>
+              <a:t>参数</a:t>
+            </a:r>
+            <a:r>
+              <a:rPr lang="en-US" altLang="zh-CN" sz="1200" dirty="0" smtClean="0">
+                <a:solidFill>
+                  <a:srgbClr val="92D050"/>
+                </a:solidFill>
+                <a:latin typeface="微软雅黑" panose="020B0503020204020204" pitchFamily="34" charset="-122"/>
+                <a:ea typeface="微软雅黑" panose="020B0503020204020204" pitchFamily="34" charset="-122"/>
+              </a:rPr>
+              <a:t>file</a:t>
+            </a:r>
+            <a:r>
+              <a:rPr lang="zh-CN" altLang="en-US" sz="1200" dirty="0" smtClean="0">
+                <a:solidFill>
+                  <a:srgbClr val="92D050"/>
+                </a:solidFill>
+                <a:latin typeface="微软雅黑" panose="020B0503020204020204" pitchFamily="34" charset="-122"/>
+                <a:ea typeface="微软雅黑" panose="020B0503020204020204" pitchFamily="34" charset="-122"/>
+              </a:rPr>
+              <a:t>和</a:t>
             </a:r>
             <a:r>
               <a:rPr lang="en-US" altLang="zh-CN" sz="1200" dirty="0" err="1" smtClean="0">
@@ -15577,7 +14816,7 @@
                 <a:latin typeface="微软雅黑" panose="020B0503020204020204" pitchFamily="34" charset="-122"/>
                 <a:ea typeface="微软雅黑" panose="020B0503020204020204" pitchFamily="34" charset="-122"/>
               </a:rPr>
-              <a:t>gtid_set</a:t>
+              <a:t>pos</a:t>
             </a:r>
             <a:r>
               <a:rPr lang="zh-CN" altLang="en-US" sz="1200" dirty="0" smtClean="0">
@@ -15587,8 +14826,17 @@
                 <a:latin typeface="微软雅黑" panose="020B0503020204020204" pitchFamily="34" charset="-122"/>
                 <a:ea typeface="微软雅黑" panose="020B0503020204020204" pitchFamily="34" charset="-122"/>
               </a:rPr>
-              <a:t>，返回</a:t>
-            </a:r>
+              <a:t>指的是主库上的文件名和位置。</a:t>
+            </a:r>
+            <a:endParaRPr lang="en-US" altLang="zh-CN" sz="1200" dirty="0" smtClean="0">
+              <a:solidFill>
+                <a:srgbClr val="92D050"/>
+              </a:solidFill>
+              <a:latin typeface="微软雅黑" panose="020B0503020204020204" pitchFamily="34" charset="-122"/>
+              <a:ea typeface="微软雅黑" panose="020B0503020204020204" pitchFamily="34" charset="-122"/>
+            </a:endParaRPr>
+          </a:p>
+          <a:p>
             <a:r>
               <a:rPr lang="en-US" altLang="zh-CN" sz="1200" dirty="0" smtClean="0">
                 <a:solidFill>
@@ -15597,10 +14845,8 @@
                 <a:latin typeface="微软雅黑" panose="020B0503020204020204" pitchFamily="34" charset="-122"/>
                 <a:ea typeface="微软雅黑" panose="020B0503020204020204" pitchFamily="34" charset="-122"/>
               </a:rPr>
-              <a:t>0</a:t>
-            </a:r>
-          </a:p>
-          <a:p>
+              <a:t>timeout</a:t>
+            </a:r>
             <a:r>
               <a:rPr lang="zh-CN" altLang="en-US" sz="1200" dirty="0" smtClean="0">
                 <a:solidFill>
@@ -15609,7 +14855,7 @@
                 <a:latin typeface="微软雅黑" panose="020B0503020204020204" pitchFamily="34" charset="-122"/>
                 <a:ea typeface="微软雅黑" panose="020B0503020204020204" pitchFamily="34" charset="-122"/>
               </a:rPr>
-              <a:t>超时返回</a:t>
+              <a:t>可选，设置为正整数</a:t>
             </a:r>
             <a:r>
               <a:rPr lang="en-US" altLang="zh-CN" sz="1200" dirty="0" smtClean="0">
@@ -15619,8 +14865,45 @@
                 <a:latin typeface="微软雅黑" panose="020B0503020204020204" pitchFamily="34" charset="-122"/>
                 <a:ea typeface="微软雅黑" panose="020B0503020204020204" pitchFamily="34" charset="-122"/>
               </a:rPr>
-              <a:t>1</a:t>
-            </a:r>
+              <a:t>N</a:t>
+            </a:r>
+            <a:r>
+              <a:rPr lang="zh-CN" altLang="en-US" sz="1200" dirty="0" smtClean="0">
+                <a:solidFill>
+                  <a:srgbClr val="92D050"/>
+                </a:solidFill>
+                <a:latin typeface="微软雅黑" panose="020B0503020204020204" pitchFamily="34" charset="-122"/>
+                <a:ea typeface="微软雅黑" panose="020B0503020204020204" pitchFamily="34" charset="-122"/>
+              </a:rPr>
+              <a:t>表示这个函数最多等待</a:t>
+            </a:r>
+            <a:r>
+              <a:rPr lang="en-US" altLang="zh-CN" sz="1200" dirty="0" smtClean="0">
+                <a:solidFill>
+                  <a:srgbClr val="92D050"/>
+                </a:solidFill>
+                <a:latin typeface="微软雅黑" panose="020B0503020204020204" pitchFamily="34" charset="-122"/>
+                <a:ea typeface="微软雅黑" panose="020B0503020204020204" pitchFamily="34" charset="-122"/>
+              </a:rPr>
+              <a:t>N</a:t>
+            </a:r>
+            <a:r>
+              <a:rPr lang="zh-CN" altLang="en-US" sz="1200" dirty="0" smtClean="0">
+                <a:solidFill>
+                  <a:srgbClr val="92D050"/>
+                </a:solidFill>
+                <a:latin typeface="微软雅黑" panose="020B0503020204020204" pitchFamily="34" charset="-122"/>
+                <a:ea typeface="微软雅黑" panose="020B0503020204020204" pitchFamily="34" charset="-122"/>
+              </a:rPr>
+              <a:t>秒。</a:t>
+            </a:r>
+            <a:endParaRPr lang="en-US" altLang="zh-CN" sz="1200" dirty="0" smtClean="0">
+              <a:solidFill>
+                <a:srgbClr val="92D050"/>
+              </a:solidFill>
+              <a:latin typeface="微软雅黑" panose="020B0503020204020204" pitchFamily="34" charset="-122"/>
+              <a:ea typeface="微软雅黑" panose="020B0503020204020204" pitchFamily="34" charset="-122"/>
+            </a:endParaRPr>
           </a:p>
         </p:txBody>
       </p:sp>
@@ -15996,13 +15279,13 @@
       </p:cxnSp>
       <p:sp>
         <p:nvSpPr>
-          <p:cNvPr id="92" name="圆角矩形 91"/>
+          <p:cNvPr id="93" name="圆角矩形 92"/>
           <p:cNvSpPr/>
           <p:nvPr/>
         </p:nvSpPr>
         <p:spPr>
           <a:xfrm>
-            <a:off x="5153829" y="3763577"/>
+            <a:off x="9417402" y="3763577"/>
             <a:ext cx="768350" cy="755650"/>
           </a:xfrm>
           <a:prstGeom prst="roundRect">
@@ -16032,7 +15315,7 @@
           <a:p>
             <a:pPr algn="ctr"/>
             <a:r>
-              <a:rPr lang="en-US" altLang="zh-CN" sz="900">
+              <a:rPr lang="en-US" altLang="zh-CN" sz="900" dirty="0" smtClean="0">
                 <a:latin typeface="微软雅黑" panose="020B0503020204020204" pitchFamily="34" charset="-122"/>
                 <a:ea typeface="微软雅黑" panose="020B0503020204020204" pitchFamily="34" charset="-122"/>
               </a:rPr>
@@ -16042,28 +15325,31 @@
           <a:p>
             <a:pPr algn="ctr"/>
             <a:r>
-              <a:rPr lang="en-US" altLang="zh-CN" sz="900">
-                <a:latin typeface="微软雅黑" panose="020B0503020204020204" pitchFamily="34" charset="-122"/>
-                <a:ea typeface="微软雅黑" panose="020B0503020204020204" pitchFamily="34" charset="-122"/>
-              </a:rPr>
-              <a:t>trx 1</a:t>
-            </a:r>
-            <a:endParaRPr lang="en-US" altLang="zh-CN" sz="900" dirty="0" smtClean="0">
-              <a:latin typeface="微软雅黑" panose="020B0503020204020204" pitchFamily="34" charset="-122"/>
-              <a:ea typeface="微软雅黑" panose="020B0503020204020204" pitchFamily="34" charset="-122"/>
-            </a:endParaRPr>
-          </a:p>
-        </p:txBody>
-      </p:sp>
-      <p:sp>
-        <p:nvSpPr>
-          <p:cNvPr id="93" name="圆角矩形 92"/>
+              <a:rPr lang="en-US" altLang="zh-CN" sz="900" dirty="0" err="1" smtClean="0">
+                <a:latin typeface="微软雅黑" panose="020B0503020204020204" pitchFamily="34" charset="-122"/>
+                <a:ea typeface="微软雅黑" panose="020B0503020204020204" pitchFamily="34" charset="-122"/>
+              </a:rPr>
+              <a:t>trx</a:t>
+            </a:r>
+            <a:r>
+              <a:rPr lang="en-US" altLang="zh-CN" sz="900" dirty="0" smtClean="0">
+                <a:latin typeface="微软雅黑" panose="020B0503020204020204" pitchFamily="34" charset="-122"/>
+                <a:ea typeface="微软雅黑" panose="020B0503020204020204" pitchFamily="34" charset="-122"/>
+              </a:rPr>
+              <a:t> 1</a:t>
+            </a:r>
+          </a:p>
+        </p:txBody>
+      </p:sp>
+      <p:sp>
+        <p:nvSpPr>
+          <p:cNvPr id="94" name="圆角矩形 93"/>
           <p:cNvSpPr/>
           <p:nvPr/>
         </p:nvSpPr>
         <p:spPr>
           <a:xfrm>
-            <a:off x="6093629" y="3763577"/>
+            <a:off x="250262" y="3829751"/>
             <a:ext cx="768350" cy="755650"/>
           </a:xfrm>
           <a:prstGeom prst="roundRect">
@@ -16097,84 +15383,6 @@
                 <a:latin typeface="微软雅黑" panose="020B0503020204020204" pitchFamily="34" charset="-122"/>
                 <a:ea typeface="微软雅黑" panose="020B0503020204020204" pitchFamily="34" charset="-122"/>
               </a:rPr>
-              <a:t>bin </a:t>
-            </a:r>
-            <a:r>
-              <a:rPr lang="en-US" altLang="zh-CN" sz="900" dirty="0">
-                <a:latin typeface="微软雅黑" panose="020B0503020204020204" pitchFamily="34" charset="-122"/>
-                <a:ea typeface="微软雅黑" panose="020B0503020204020204" pitchFamily="34" charset="-122"/>
-              </a:rPr>
-              <a:t>log</a:t>
-            </a:r>
-          </a:p>
-          <a:p>
-            <a:pPr algn="ctr"/>
-            <a:r>
-              <a:rPr lang="en-US" altLang="zh-CN" sz="900" dirty="0" err="1">
-                <a:latin typeface="微软雅黑" panose="020B0503020204020204" pitchFamily="34" charset="-122"/>
-                <a:ea typeface="微软雅黑" panose="020B0503020204020204" pitchFamily="34" charset="-122"/>
-              </a:rPr>
-              <a:t>trx</a:t>
-            </a:r>
-            <a:r>
-              <a:rPr lang="en-US" altLang="zh-CN" sz="900" dirty="0">
-                <a:latin typeface="微软雅黑" panose="020B0503020204020204" pitchFamily="34" charset="-122"/>
-                <a:ea typeface="微软雅黑" panose="020B0503020204020204" pitchFamily="34" charset="-122"/>
-              </a:rPr>
-              <a:t> 1</a:t>
-            </a:r>
-          </a:p>
-          <a:p>
-            <a:pPr algn="ctr"/>
-            <a:endParaRPr lang="en-US" altLang="zh-CN" sz="900" dirty="0" smtClean="0">
-              <a:latin typeface="微软雅黑" panose="020B0503020204020204" pitchFamily="34" charset="-122"/>
-              <a:ea typeface="微软雅黑" panose="020B0503020204020204" pitchFamily="34" charset="-122"/>
-            </a:endParaRPr>
-          </a:p>
-        </p:txBody>
-      </p:sp>
-      <p:sp>
-        <p:nvSpPr>
-          <p:cNvPr id="94" name="圆角矩形 93"/>
-          <p:cNvSpPr/>
-          <p:nvPr/>
-        </p:nvSpPr>
-        <p:spPr>
-          <a:xfrm>
-            <a:off x="250262" y="3829751"/>
-            <a:ext cx="768350" cy="755650"/>
-          </a:xfrm>
-          <a:prstGeom prst="roundRect">
-            <a:avLst/>
-          </a:prstGeom>
-          <a:noFill/>
-        </p:spPr>
-        <p:style>
-          <a:lnRef idx="2">
-            <a:schemeClr val="accent1">
-              <a:shade val="50000"/>
-            </a:schemeClr>
-          </a:lnRef>
-          <a:fillRef idx="1">
-            <a:schemeClr val="accent1"/>
-          </a:fillRef>
-          <a:effectRef idx="0">
-            <a:schemeClr val="accent1"/>
-          </a:effectRef>
-          <a:fontRef idx="minor">
-            <a:schemeClr val="lt1"/>
-          </a:fontRef>
-        </p:style>
-        <p:txBody>
-          <a:bodyPr rtlCol="0" anchor="ctr"/>
-          <a:lstStyle/>
-          <a:p>
-            <a:pPr algn="ctr"/>
-            <a:r>
-              <a:rPr lang="en-US" altLang="zh-CN" sz="900" dirty="0" smtClean="0">
-                <a:latin typeface="微软雅黑" panose="020B0503020204020204" pitchFamily="34" charset="-122"/>
-                <a:ea typeface="微软雅黑" panose="020B0503020204020204" pitchFamily="34" charset="-122"/>
-              </a:rPr>
               <a:t>bin log</a:t>
             </a:r>
           </a:p>
@@ -16244,7 +15452,7 @@
         <p:spPr>
           <a:xfrm>
             <a:off x="4516237" y="1094413"/>
-            <a:ext cx="7469124" cy="461665"/>
+            <a:ext cx="7469124" cy="1015663"/>
           </a:xfrm>
           <a:prstGeom prst="rect">
             <a:avLst/>
@@ -16264,7 +15472,69 @@
                 <a:latin typeface="微软雅黑" panose="020B0503020204020204" pitchFamily="34" charset="-122"/>
                 <a:ea typeface="微软雅黑" panose="020B0503020204020204" pitchFamily="34" charset="-122"/>
               </a:rPr>
-              <a:t>在</a:t>
+              <a:t>返回</a:t>
+            </a:r>
+            <a:r>
+              <a:rPr lang="en-US" altLang="zh-CN" sz="1200" dirty="0" smtClean="0">
+                <a:solidFill>
+                  <a:srgbClr val="92D050"/>
+                </a:solidFill>
+                <a:latin typeface="微软雅黑" panose="020B0503020204020204" pitchFamily="34" charset="-122"/>
+                <a:ea typeface="微软雅黑" panose="020B0503020204020204" pitchFamily="34" charset="-122"/>
+              </a:rPr>
+              <a:t>:</a:t>
+            </a:r>
+          </a:p>
+          <a:p>
+            <a:r>
+              <a:rPr lang="zh-CN" altLang="en-US" sz="1200" dirty="0" smtClean="0">
+                <a:solidFill>
+                  <a:srgbClr val="92D050"/>
+                </a:solidFill>
+                <a:latin typeface="微软雅黑" panose="020B0503020204020204" pitchFamily="34" charset="-122"/>
+                <a:ea typeface="微软雅黑" panose="020B0503020204020204" pitchFamily="34" charset="-122"/>
+              </a:rPr>
+              <a:t>正整数</a:t>
+            </a:r>
+            <a:r>
+              <a:rPr lang="en-US" altLang="zh-CN" sz="1200" dirty="0" smtClean="0">
+                <a:solidFill>
+                  <a:srgbClr val="92D050"/>
+                </a:solidFill>
+                <a:latin typeface="微软雅黑" panose="020B0503020204020204" pitchFamily="34" charset="-122"/>
+                <a:ea typeface="微软雅黑" panose="020B0503020204020204" pitchFamily="34" charset="-122"/>
+              </a:rPr>
+              <a:t>M</a:t>
+            </a:r>
+            <a:r>
+              <a:rPr lang="zh-CN" altLang="en-US" sz="1200" dirty="0" smtClean="0">
+                <a:solidFill>
+                  <a:srgbClr val="92D050"/>
+                </a:solidFill>
+                <a:latin typeface="微软雅黑" panose="020B0503020204020204" pitchFamily="34" charset="-122"/>
+                <a:ea typeface="微软雅黑" panose="020B0503020204020204" pitchFamily="34" charset="-122"/>
+              </a:rPr>
+              <a:t>，表示命令开始执行，到应用完</a:t>
+            </a:r>
+            <a:r>
+              <a:rPr lang="en-US" altLang="zh-CN" sz="1200" dirty="0" smtClean="0">
+                <a:solidFill>
+                  <a:srgbClr val="92D050"/>
+                </a:solidFill>
+                <a:latin typeface="微软雅黑" panose="020B0503020204020204" pitchFamily="34" charset="-122"/>
+                <a:ea typeface="微软雅黑" panose="020B0503020204020204" pitchFamily="34" charset="-122"/>
+              </a:rPr>
+              <a:t>file</a:t>
+            </a:r>
+            <a:r>
+              <a:rPr lang="zh-CN" altLang="en-US" sz="1200" dirty="0" smtClean="0">
+                <a:solidFill>
+                  <a:srgbClr val="92D050"/>
+                </a:solidFill>
+                <a:latin typeface="微软雅黑" panose="020B0503020204020204" pitchFamily="34" charset="-122"/>
+                <a:ea typeface="微软雅黑" panose="020B0503020204020204" pitchFamily="34" charset="-122"/>
+              </a:rPr>
+              <a:t>和</a:t>
             </a:r>
             <a:r>
               <a:rPr lang="en-US" altLang="zh-CN" sz="1200" dirty="0" err="1" smtClean="0">
@@ -16274,17 +15544,27 @@
                 <a:latin typeface="微软雅黑" panose="020B0503020204020204" pitchFamily="34" charset="-122"/>
                 <a:ea typeface="微软雅黑" panose="020B0503020204020204" pitchFamily="34" charset="-122"/>
               </a:rPr>
-              <a:t>mysql</a:t>
-            </a:r>
-            <a:r>
-              <a:rPr lang="en-US" altLang="zh-CN" sz="1200" dirty="0" smtClean="0">
+              <a:t>pos</a:t>
+            </a:r>
+            <a:r>
+              <a:rPr lang="zh-CN" altLang="en-US" sz="1200" dirty="0" smtClean="0">
                 <a:solidFill>
                   <a:srgbClr val="92D050"/>
                 </a:solidFill>
                 <a:latin typeface="微软雅黑" panose="020B0503020204020204" pitchFamily="34" charset="-122"/>
                 <a:ea typeface="微软雅黑" panose="020B0503020204020204" pitchFamily="34" charset="-122"/>
               </a:rPr>
-              <a:t> 5.7.6</a:t>
+              <a:t>表示的</a:t>
+            </a:r>
+            <a:r>
+              <a:rPr lang="en-US" altLang="zh-CN" sz="1200" dirty="0" err="1" smtClean="0">
+                <a:solidFill>
+                  <a:srgbClr val="92D050"/>
+                </a:solidFill>
+                <a:latin typeface="微软雅黑" panose="020B0503020204020204" pitchFamily="34" charset="-122"/>
+                <a:ea typeface="微软雅黑" panose="020B0503020204020204" pitchFamily="34" charset="-122"/>
+              </a:rPr>
+              <a:t>binlog</a:t>
             </a:r>
             <a:r>
               <a:rPr lang="zh-CN" altLang="en-US" sz="1200" dirty="0" smtClean="0">
@@ -16294,67 +15574,7 @@
                 <a:latin typeface="微软雅黑" panose="020B0503020204020204" pitchFamily="34" charset="-122"/>
                 <a:ea typeface="微软雅黑" panose="020B0503020204020204" pitchFamily="34" charset="-122"/>
               </a:rPr>
-              <a:t>，无需额外执行</a:t>
-            </a:r>
-            <a:r>
-              <a:rPr lang="en-US" altLang="zh-CN" sz="1200" dirty="0" smtClean="0">
-                <a:solidFill>
-                  <a:srgbClr val="92D050"/>
-                </a:solidFill>
-                <a:latin typeface="微软雅黑" panose="020B0503020204020204" pitchFamily="34" charset="-122"/>
-                <a:ea typeface="微软雅黑" panose="020B0503020204020204" pitchFamily="34" charset="-122"/>
-              </a:rPr>
-              <a:t>show master status</a:t>
-            </a:r>
-            <a:r>
-              <a:rPr lang="zh-CN" altLang="en-US" sz="1200" dirty="0" smtClean="0">
-                <a:solidFill>
-                  <a:srgbClr val="92D050"/>
-                </a:solidFill>
-                <a:latin typeface="微软雅黑" panose="020B0503020204020204" pitchFamily="34" charset="-122"/>
-                <a:ea typeface="微软雅黑" panose="020B0503020204020204" pitchFamily="34" charset="-122"/>
-              </a:rPr>
-              <a:t>就可以拿到事务的</a:t>
-            </a:r>
-            <a:r>
-              <a:rPr lang="en-US" altLang="zh-CN" sz="1200" dirty="0" smtClean="0">
-                <a:solidFill>
-                  <a:srgbClr val="92D050"/>
-                </a:solidFill>
-                <a:latin typeface="微软雅黑" panose="020B0503020204020204" pitchFamily="34" charset="-122"/>
-                <a:ea typeface="微软雅黑" panose="020B0503020204020204" pitchFamily="34" charset="-122"/>
-              </a:rPr>
-              <a:t>GTID(</a:t>
-            </a:r>
-            <a:r>
-              <a:rPr lang="en-US" altLang="zh-CN" sz="1200" dirty="0" err="1" smtClean="0">
-                <a:solidFill>
-                  <a:srgbClr val="92D050"/>
-                </a:solidFill>
-                <a:latin typeface="微软雅黑" panose="020B0503020204020204" pitchFamily="34" charset="-122"/>
-                <a:ea typeface="微软雅黑" panose="020B0503020204020204" pitchFamily="34" charset="-122"/>
-              </a:rPr>
-              <a:t>mysql_session_track_get_first</a:t>
-            </a:r>
-            <a:r>
-              <a:rPr lang="en-US" altLang="zh-CN" sz="1200" dirty="0" smtClean="0">
-                <a:solidFill>
-                  <a:srgbClr val="92D050"/>
-                </a:solidFill>
-                <a:latin typeface="微软雅黑" panose="020B0503020204020204" pitchFamily="34" charset="-122"/>
-                <a:ea typeface="微软雅黑" panose="020B0503020204020204" pitchFamily="34" charset="-122"/>
-              </a:rPr>
-              <a:t>)</a:t>
-            </a:r>
-            <a:r>
-              <a:rPr lang="zh-CN" altLang="en-US" sz="1200" dirty="0" smtClean="0">
-                <a:solidFill>
-                  <a:srgbClr val="92D050"/>
-                </a:solidFill>
-                <a:latin typeface="微软雅黑" panose="020B0503020204020204" pitchFamily="34" charset="-122"/>
-                <a:ea typeface="微软雅黑" panose="020B0503020204020204" pitchFamily="34" charset="-122"/>
-              </a:rPr>
-              <a:t>。</a:t>
+              <a:t>位置，执行了多少事务。</a:t>
             </a:r>
             <a:endParaRPr lang="en-US" altLang="zh-CN" sz="1200" dirty="0" smtClean="0">
               <a:solidFill>
@@ -16373,7 +15593,27 @@
                 <a:latin typeface="微软雅黑" panose="020B0503020204020204" pitchFamily="34" charset="-122"/>
                 <a:ea typeface="微软雅黑" panose="020B0503020204020204" pitchFamily="34" charset="-122"/>
               </a:rPr>
-              <a:t>然后拿着它去备库上去等待。</a:t>
+              <a:t>如果执行期间，备库同步线程发生异常，则返回</a:t>
+            </a:r>
+            <a:r>
+              <a:rPr lang="en-US" altLang="zh-CN" sz="1200" dirty="0" smtClean="0">
+                <a:solidFill>
+                  <a:srgbClr val="92D050"/>
+                </a:solidFill>
+                <a:latin typeface="微软雅黑" panose="020B0503020204020204" pitchFamily="34" charset="-122"/>
+                <a:ea typeface="微软雅黑" panose="020B0503020204020204" pitchFamily="34" charset="-122"/>
+              </a:rPr>
+              <a:t>NULL</a:t>
+            </a:r>
+            <a:r>
+              <a:rPr lang="zh-CN" altLang="en-US" sz="1200" dirty="0" smtClean="0">
+                <a:solidFill>
+                  <a:srgbClr val="92D050"/>
+                </a:solidFill>
+                <a:latin typeface="微软雅黑" panose="020B0503020204020204" pitchFamily="34" charset="-122"/>
+                <a:ea typeface="微软雅黑" panose="020B0503020204020204" pitchFamily="34" charset="-122"/>
+              </a:rPr>
+              <a:t>；</a:t>
             </a:r>
             <a:endParaRPr lang="en-US" altLang="zh-CN" sz="1200" dirty="0" smtClean="0">
               <a:solidFill>
@@ -16383,42 +15623,82 @@
               <a:ea typeface="微软雅黑" panose="020B0503020204020204" pitchFamily="34" charset="-122"/>
             </a:endParaRPr>
           </a:p>
-        </p:txBody>
-      </p:sp>
-      <p:sp>
-        <p:nvSpPr>
-          <p:cNvPr id="96" name="矩形 95"/>
-          <p:cNvSpPr/>
-          <p:nvPr/>
-        </p:nvSpPr>
-        <p:spPr>
-          <a:xfrm>
-            <a:off x="0" y="2690168"/>
-            <a:ext cx="1302409" cy="307777"/>
-          </a:xfrm>
-          <a:prstGeom prst="rect">
-            <a:avLst/>
-          </a:prstGeom>
-        </p:spPr>
-        <p:txBody>
-          <a:bodyPr wrap="square">
-            <a:spAutoFit/>
-          </a:bodyPr>
-          <a:lstStyle/>
-          <a:p>
-            <a:r>
-              <a:rPr lang="en-US" altLang="zh-CN" sz="1400" dirty="0" smtClean="0">
-                <a:solidFill>
-                  <a:srgbClr val="FFFF00"/>
-                </a:solidFill>
-                <a:latin typeface="微软雅黑" panose="020B0503020204020204" pitchFamily="34" charset="-122"/>
-                <a:ea typeface="微软雅黑" panose="020B0503020204020204" pitchFamily="34" charset="-122"/>
-              </a:rPr>
-              <a:t>write trx1</a:t>
-            </a:r>
-            <a:endParaRPr lang="en-US" altLang="zh-CN" sz="1400" dirty="0" smtClean="0">
+          <a:p>
+            <a:r>
+              <a:rPr lang="zh-CN" altLang="en-US" sz="1200" dirty="0" smtClean="0">
+                <a:solidFill>
+                  <a:srgbClr val="92D050"/>
+                </a:solidFill>
+                <a:latin typeface="微软雅黑" panose="020B0503020204020204" pitchFamily="34" charset="-122"/>
+                <a:ea typeface="微软雅黑" panose="020B0503020204020204" pitchFamily="34" charset="-122"/>
+              </a:rPr>
+              <a:t>如果等待超过</a:t>
+            </a:r>
+            <a:r>
+              <a:rPr lang="en-US" altLang="zh-CN" sz="1200" dirty="0" smtClean="0">
+                <a:solidFill>
+                  <a:srgbClr val="92D050"/>
+                </a:solidFill>
+                <a:latin typeface="微软雅黑" panose="020B0503020204020204" pitchFamily="34" charset="-122"/>
+                <a:ea typeface="微软雅黑" panose="020B0503020204020204" pitchFamily="34" charset="-122"/>
+              </a:rPr>
+              <a:t>N</a:t>
+            </a:r>
+            <a:r>
+              <a:rPr lang="zh-CN" altLang="en-US" sz="1200" dirty="0" smtClean="0">
+                <a:solidFill>
+                  <a:srgbClr val="92D050"/>
+                </a:solidFill>
+                <a:latin typeface="微软雅黑" panose="020B0503020204020204" pitchFamily="34" charset="-122"/>
+                <a:ea typeface="微软雅黑" panose="020B0503020204020204" pitchFamily="34" charset="-122"/>
+              </a:rPr>
+              <a:t>秒，就返回</a:t>
+            </a:r>
+            <a:r>
+              <a:rPr lang="en-US" altLang="zh-CN" sz="1200" dirty="0" smtClean="0">
+                <a:solidFill>
+                  <a:srgbClr val="92D050"/>
+                </a:solidFill>
+                <a:latin typeface="微软雅黑" panose="020B0503020204020204" pitchFamily="34" charset="-122"/>
+                <a:ea typeface="微软雅黑" panose="020B0503020204020204" pitchFamily="34" charset="-122"/>
+              </a:rPr>
+              <a:t>-1</a:t>
+            </a:r>
+          </a:p>
+          <a:p>
+            <a:r>
+              <a:rPr lang="zh-CN" altLang="en-US" sz="1200" dirty="0" smtClean="0">
+                <a:solidFill>
+                  <a:srgbClr val="92D050"/>
+                </a:solidFill>
+                <a:latin typeface="微软雅黑" panose="020B0503020204020204" pitchFamily="34" charset="-122"/>
+                <a:ea typeface="微软雅黑" panose="020B0503020204020204" pitchFamily="34" charset="-122"/>
+              </a:rPr>
+              <a:t>如果刚开始执行，就发现已经执行过这个位置了，则返回</a:t>
+            </a:r>
+            <a:r>
+              <a:rPr lang="en-US" altLang="zh-CN" sz="1200" dirty="0" smtClean="0">
+                <a:solidFill>
+                  <a:srgbClr val="92D050"/>
+                </a:solidFill>
+                <a:latin typeface="微软雅黑" panose="020B0503020204020204" pitchFamily="34" charset="-122"/>
+                <a:ea typeface="微软雅黑" panose="020B0503020204020204" pitchFamily="34" charset="-122"/>
+              </a:rPr>
+              <a:t>0</a:t>
+            </a:r>
+            <a:r>
+              <a:rPr lang="zh-CN" altLang="en-US" sz="1200" dirty="0" smtClean="0">
+                <a:solidFill>
+                  <a:srgbClr val="92D050"/>
+                </a:solidFill>
+                <a:latin typeface="微软雅黑" panose="020B0503020204020204" pitchFamily="34" charset="-122"/>
+                <a:ea typeface="微软雅黑" panose="020B0503020204020204" pitchFamily="34" charset="-122"/>
+              </a:rPr>
+              <a:t>。</a:t>
+            </a:r>
+            <a:endParaRPr lang="en-US" altLang="zh-CN" sz="1200" dirty="0" smtClean="0">
               <a:solidFill>
-                <a:srgbClr val="FFFF00"/>
+                <a:srgbClr val="92D050"/>
               </a:solidFill>
               <a:latin typeface="微软雅黑" panose="020B0503020204020204" pitchFamily="34" charset="-122"/>
               <a:ea typeface="微软雅黑" panose="020B0503020204020204" pitchFamily="34" charset="-122"/>
@@ -16428,13 +15708,47 @@
       </p:sp>
       <p:sp>
         <p:nvSpPr>
-          <p:cNvPr id="105" name="矩形 104"/>
+          <p:cNvPr id="96" name="矩形 95"/>
           <p:cNvSpPr/>
           <p:nvPr/>
         </p:nvSpPr>
         <p:spPr>
           <a:xfrm>
-            <a:off x="3562900" y="3208982"/>
+            <a:off x="735951" y="2778820"/>
+            <a:ext cx="1302409" cy="307777"/>
+          </a:xfrm>
+          <a:prstGeom prst="rect">
+            <a:avLst/>
+          </a:prstGeom>
+        </p:spPr>
+        <p:txBody>
+          <a:bodyPr wrap="square">
+            <a:spAutoFit/>
+          </a:bodyPr>
+          <a:lstStyle/>
+          <a:p>
+            <a:r>
+              <a:rPr lang="en-US" altLang="zh-CN" sz="1400" dirty="0" smtClean="0">
+                <a:solidFill>
+                  <a:srgbClr val="FFFF00"/>
+                </a:solidFill>
+                <a:latin typeface="微软雅黑" panose="020B0503020204020204" pitchFamily="34" charset="-122"/>
+                <a:ea typeface="微软雅黑" panose="020B0503020204020204" pitchFamily="34" charset="-122"/>
+              </a:rPr>
+              <a:t>write trx1</a:t>
+            </a:r>
+          </a:p>
+        </p:txBody>
+      </p:sp>
+      <p:sp>
+        <p:nvSpPr>
+          <p:cNvPr id="97" name="矩形 96"/>
+          <p:cNvSpPr/>
+          <p:nvPr/>
+        </p:nvSpPr>
+        <p:spPr>
+          <a:xfrm>
+            <a:off x="3568954" y="3208982"/>
             <a:ext cx="900066" cy="470052"/>
           </a:xfrm>
           <a:prstGeom prst="rect">
@@ -16501,13 +15815,13 @@
       </p:sp>
       <p:sp>
         <p:nvSpPr>
-          <p:cNvPr id="106" name="椭圆 105"/>
+          <p:cNvPr id="98" name="椭圆 97"/>
           <p:cNvSpPr/>
           <p:nvPr/>
         </p:nvSpPr>
         <p:spPr>
           <a:xfrm>
-            <a:off x="4170549" y="2294742"/>
+            <a:off x="4176603" y="2294742"/>
             <a:ext cx="990600" cy="451873"/>
           </a:xfrm>
           <a:prstGeom prst="ellipse">
@@ -16564,17 +15878,17 @@
       </p:sp>
       <p:cxnSp>
         <p:nvCxnSpPr>
-          <p:cNvPr id="107" name="直接箭头连接符 106"/>
+          <p:cNvPr id="99" name="直接箭头连接符 98"/>
           <p:cNvCxnSpPr>
-            <a:stCxn id="106" idx="5"/>
-            <a:endCxn id="108" idx="0"/>
+            <a:stCxn id="98" idx="3"/>
+            <a:endCxn id="97" idx="0"/>
           </p:cNvCxnSpPr>
           <p:nvPr/>
         </p:nvCxnSpPr>
         <p:spPr>
-          <a:xfrm>
-            <a:off x="5016079" y="2680440"/>
-            <a:ext cx="971958" cy="528542"/>
+          <a:xfrm flipH="1">
+            <a:off x="4018987" y="2680440"/>
+            <a:ext cx="302686" cy="528542"/>
           </a:xfrm>
           <a:prstGeom prst="straightConnector1">
             <a:avLst/>
@@ -16603,13 +15917,13 @@
       </p:cxnSp>
       <p:sp>
         <p:nvSpPr>
-          <p:cNvPr id="108" name="矩形 107"/>
+          <p:cNvPr id="100" name="矩形 99"/>
           <p:cNvSpPr/>
           <p:nvPr/>
         </p:nvSpPr>
         <p:spPr>
           <a:xfrm>
-            <a:off x="5538004" y="3208982"/>
+            <a:off x="5544058" y="3208982"/>
             <a:ext cx="900066" cy="470052"/>
           </a:xfrm>
           <a:prstGeom prst="rect">
@@ -16676,16 +15990,16 @@
       </p:sp>
       <p:cxnSp>
         <p:nvCxnSpPr>
-          <p:cNvPr id="109" name="直接箭头连接符 108"/>
+          <p:cNvPr id="101" name="直接箭头连接符 100"/>
           <p:cNvCxnSpPr>
-            <a:stCxn id="105" idx="3"/>
-            <a:endCxn id="108" idx="1"/>
+            <a:stCxn id="97" idx="3"/>
+            <a:endCxn id="100" idx="1"/>
           </p:cNvCxnSpPr>
           <p:nvPr/>
         </p:nvCxnSpPr>
         <p:spPr>
           <a:xfrm>
-            <a:off x="4462966" y="3444008"/>
+            <a:off x="4469020" y="3444008"/>
             <a:ext cx="1075038" cy="0"/>
           </a:xfrm>
           <a:prstGeom prst="straightConnector1">
@@ -16715,13 +16029,13 @@
       </p:cxnSp>
       <p:sp>
         <p:nvSpPr>
-          <p:cNvPr id="110" name="矩形 109"/>
+          <p:cNvPr id="102" name="矩形 101"/>
           <p:cNvSpPr/>
           <p:nvPr/>
         </p:nvSpPr>
         <p:spPr>
           <a:xfrm>
-            <a:off x="5538004" y="2931983"/>
+            <a:off x="5544058" y="2931983"/>
             <a:ext cx="864478" cy="276999"/>
           </a:xfrm>
           <a:prstGeom prst="rect">
@@ -16762,13 +16076,13 @@
       </p:sp>
       <p:cxnSp>
         <p:nvCxnSpPr>
-          <p:cNvPr id="111" name="直接箭头连接符 110"/>
+          <p:cNvPr id="103" name="直接箭头连接符 102"/>
           <p:cNvCxnSpPr/>
           <p:nvPr/>
         </p:nvCxnSpPr>
         <p:spPr>
           <a:xfrm flipH="1">
-            <a:off x="4462966" y="3541451"/>
+            <a:off x="4469020" y="3541451"/>
             <a:ext cx="1075038" cy="14817"/>
           </a:xfrm>
           <a:prstGeom prst="straightConnector1">
@@ -16798,14 +16112,14 @@
       </p:cxnSp>
       <p:sp>
         <p:nvSpPr>
-          <p:cNvPr id="112" name="矩形 111"/>
+          <p:cNvPr id="104" name="矩形 103"/>
           <p:cNvSpPr/>
           <p:nvPr/>
         </p:nvSpPr>
         <p:spPr>
           <a:xfrm>
-            <a:off x="5060925" y="2658595"/>
-            <a:ext cx="3184964" cy="307777"/>
+            <a:off x="4120501" y="2778820"/>
+            <a:ext cx="2288035" cy="307777"/>
           </a:xfrm>
           <a:prstGeom prst="rect">
             <a:avLst/>
@@ -16825,186 +16139,40 @@
                 <a:latin typeface="微软雅黑" panose="020B0503020204020204" pitchFamily="34" charset="-122"/>
                 <a:ea typeface="微软雅黑" panose="020B0503020204020204" pitchFamily="34" charset="-122"/>
               </a:rPr>
-              <a:t>select </a:t>
-            </a:r>
-            <a:r>
-              <a:rPr lang="en-US" altLang="zh-CN" sz="1400" dirty="0" err="1" smtClean="0">
+              <a:t>show</a:t>
+            </a:r>
+            <a:r>
+              <a:rPr lang="en-US" altLang="zh-CN" sz="1400" dirty="0">
                 <a:solidFill>
                   <a:srgbClr val="FFFF00"/>
                 </a:solidFill>
                 <a:latin typeface="微软雅黑" panose="020B0503020204020204" pitchFamily="34" charset="-122"/>
                 <a:ea typeface="微软雅黑" panose="020B0503020204020204" pitchFamily="34" charset="-122"/>
               </a:rPr>
-              <a:t>wait_for_executed_gtid_set</a:t>
-            </a:r>
-            <a:endParaRPr lang="en-US" altLang="zh-CN" sz="1400" dirty="0" smtClean="0">
-              <a:solidFill>
-                <a:srgbClr val="FFFF00"/>
-              </a:solidFill>
-              <a:latin typeface="微软雅黑" panose="020B0503020204020204" pitchFamily="34" charset="-122"/>
-              <a:ea typeface="微软雅黑" panose="020B0503020204020204" pitchFamily="34" charset="-122"/>
-            </a:endParaRPr>
-          </a:p>
-        </p:txBody>
-      </p:sp>
-      <p:sp>
-        <p:nvSpPr>
-          <p:cNvPr id="113" name="圆角矩形 112"/>
+              <a:t> </a:t>
+            </a:r>
+            <a:r>
+              <a:rPr lang="en-US" altLang="zh-CN" sz="1400" dirty="0" smtClean="0">
+                <a:solidFill>
+                  <a:srgbClr val="FFFF00"/>
+                </a:solidFill>
+                <a:latin typeface="微软雅黑" panose="020B0503020204020204" pitchFamily="34" charset="-122"/>
+                <a:ea typeface="微软雅黑" panose="020B0503020204020204" pitchFamily="34" charset="-122"/>
+              </a:rPr>
+              <a:t>master status</a:t>
+            </a:r>
+          </a:p>
+        </p:txBody>
+      </p:sp>
+      <p:sp>
+        <p:nvSpPr>
+          <p:cNvPr id="105" name="矩形 104"/>
           <p:cNvSpPr/>
           <p:nvPr/>
         </p:nvSpPr>
         <p:spPr>
           <a:xfrm>
-            <a:off x="9858099" y="3707130"/>
-            <a:ext cx="768350" cy="755650"/>
-          </a:xfrm>
-          <a:prstGeom prst="roundRect">
-            <a:avLst/>
-          </a:prstGeom>
-          <a:noFill/>
-        </p:spPr>
-        <p:style>
-          <a:lnRef idx="2">
-            <a:schemeClr val="accent1">
-              <a:shade val="50000"/>
-            </a:schemeClr>
-          </a:lnRef>
-          <a:fillRef idx="1">
-            <a:schemeClr val="accent1"/>
-          </a:fillRef>
-          <a:effectRef idx="0">
-            <a:schemeClr val="accent1"/>
-          </a:effectRef>
-          <a:fontRef idx="minor">
-            <a:schemeClr val="lt1"/>
-          </a:fontRef>
-        </p:style>
-        <p:txBody>
-          <a:bodyPr rtlCol="0" anchor="ctr"/>
-          <a:lstStyle/>
-          <a:p>
-            <a:pPr algn="ctr"/>
-            <a:r>
-              <a:rPr lang="en-US" altLang="zh-CN" sz="900">
-                <a:latin typeface="微软雅黑" panose="020B0503020204020204" pitchFamily="34" charset="-122"/>
-                <a:ea typeface="微软雅黑" panose="020B0503020204020204" pitchFamily="34" charset="-122"/>
-              </a:rPr>
-              <a:t>relay log</a:t>
-            </a:r>
-          </a:p>
-          <a:p>
-            <a:pPr algn="ctr"/>
-            <a:r>
-              <a:rPr lang="en-US" altLang="zh-CN" sz="900">
-                <a:latin typeface="微软雅黑" panose="020B0503020204020204" pitchFamily="34" charset="-122"/>
-                <a:ea typeface="微软雅黑" panose="020B0503020204020204" pitchFamily="34" charset="-122"/>
-              </a:rPr>
-              <a:t>trx 1</a:t>
-            </a:r>
-          </a:p>
-          <a:p>
-            <a:pPr algn="ctr"/>
-            <a:r>
-              <a:rPr lang="en-US" altLang="zh-CN" sz="900">
-                <a:latin typeface="微软雅黑" panose="020B0503020204020204" pitchFamily="34" charset="-122"/>
-                <a:ea typeface="微软雅黑" panose="020B0503020204020204" pitchFamily="34" charset="-122"/>
-              </a:rPr>
-              <a:t>trx 2</a:t>
-            </a:r>
-            <a:endParaRPr lang="en-US" altLang="zh-CN" sz="900" dirty="0">
-              <a:latin typeface="微软雅黑" panose="020B0503020204020204" pitchFamily="34" charset="-122"/>
-              <a:ea typeface="微软雅黑" panose="020B0503020204020204" pitchFamily="34" charset="-122"/>
-            </a:endParaRPr>
-          </a:p>
-        </p:txBody>
-      </p:sp>
-      <p:sp>
-        <p:nvSpPr>
-          <p:cNvPr id="114" name="圆角矩形 113"/>
-          <p:cNvSpPr/>
-          <p:nvPr/>
-        </p:nvSpPr>
-        <p:spPr>
-          <a:xfrm>
-            <a:off x="10797899" y="3707130"/>
-            <a:ext cx="768350" cy="755650"/>
-          </a:xfrm>
-          <a:prstGeom prst="roundRect">
-            <a:avLst/>
-          </a:prstGeom>
-          <a:noFill/>
-        </p:spPr>
-        <p:style>
-          <a:lnRef idx="2">
-            <a:schemeClr val="accent1">
-              <a:shade val="50000"/>
-            </a:schemeClr>
-          </a:lnRef>
-          <a:fillRef idx="1">
-            <a:schemeClr val="accent1"/>
-          </a:fillRef>
-          <a:effectRef idx="0">
-            <a:schemeClr val="accent1"/>
-          </a:effectRef>
-          <a:fontRef idx="minor">
-            <a:schemeClr val="lt1"/>
-          </a:fontRef>
-        </p:style>
-        <p:txBody>
-          <a:bodyPr rtlCol="0" anchor="ctr"/>
-          <a:lstStyle/>
-          <a:p>
-            <a:pPr algn="ctr"/>
-            <a:r>
-              <a:rPr lang="en-US" altLang="zh-CN" sz="900" dirty="0" smtClean="0">
-                <a:latin typeface="微软雅黑" panose="020B0503020204020204" pitchFamily="34" charset="-122"/>
-                <a:ea typeface="微软雅黑" panose="020B0503020204020204" pitchFamily="34" charset="-122"/>
-              </a:rPr>
-              <a:t>bin </a:t>
-            </a:r>
-            <a:r>
-              <a:rPr lang="en-US" altLang="zh-CN" sz="900" dirty="0">
-                <a:latin typeface="微软雅黑" panose="020B0503020204020204" pitchFamily="34" charset="-122"/>
-                <a:ea typeface="微软雅黑" panose="020B0503020204020204" pitchFamily="34" charset="-122"/>
-              </a:rPr>
-              <a:t>log</a:t>
-            </a:r>
-          </a:p>
-          <a:p>
-            <a:pPr algn="ctr"/>
-            <a:r>
-              <a:rPr lang="en-US" altLang="zh-CN" sz="900" dirty="0" err="1">
-                <a:latin typeface="微软雅黑" panose="020B0503020204020204" pitchFamily="34" charset="-122"/>
-                <a:ea typeface="微软雅黑" panose="020B0503020204020204" pitchFamily="34" charset="-122"/>
-              </a:rPr>
-              <a:t>trx</a:t>
-            </a:r>
-            <a:r>
-              <a:rPr lang="en-US" altLang="zh-CN" sz="900" dirty="0">
-                <a:latin typeface="微软雅黑" panose="020B0503020204020204" pitchFamily="34" charset="-122"/>
-                <a:ea typeface="微软雅黑" panose="020B0503020204020204" pitchFamily="34" charset="-122"/>
-              </a:rPr>
-              <a:t> 1</a:t>
-            </a:r>
-          </a:p>
-          <a:p>
-            <a:pPr algn="ctr"/>
-            <a:endParaRPr lang="en-US" altLang="zh-CN" sz="900" dirty="0" smtClean="0">
-              <a:latin typeface="微软雅黑" panose="020B0503020204020204" pitchFamily="34" charset="-122"/>
-              <a:ea typeface="微软雅黑" panose="020B0503020204020204" pitchFamily="34" charset="-122"/>
-            </a:endParaRPr>
-          </a:p>
-        </p:txBody>
-      </p:sp>
-      <p:sp>
-        <p:nvSpPr>
-          <p:cNvPr id="115" name="矩形 114"/>
-          <p:cNvSpPr/>
-          <p:nvPr/>
-        </p:nvSpPr>
-        <p:spPr>
-          <a:xfrm>
-            <a:off x="8267170" y="3152535"/>
+            <a:off x="6886673" y="3208982"/>
             <a:ext cx="900066" cy="470052"/>
           </a:xfrm>
           <a:prstGeom prst="rect">
@@ -17071,13 +16239,13 @@
       </p:sp>
       <p:sp>
         <p:nvSpPr>
-          <p:cNvPr id="116" name="椭圆 115"/>
+          <p:cNvPr id="106" name="椭圆 105"/>
           <p:cNvSpPr/>
           <p:nvPr/>
         </p:nvSpPr>
         <p:spPr>
           <a:xfrm>
-            <a:off x="8874819" y="2238295"/>
+            <a:off x="7494322" y="2294742"/>
             <a:ext cx="990600" cy="451873"/>
           </a:xfrm>
           <a:prstGeom prst="ellipse">
@@ -17134,16 +16302,16 @@
       </p:sp>
       <p:cxnSp>
         <p:nvCxnSpPr>
-          <p:cNvPr id="117" name="直接箭头连接符 116"/>
+          <p:cNvPr id="107" name="直接箭头连接符 106"/>
           <p:cNvCxnSpPr>
-            <a:stCxn id="116" idx="5"/>
-            <a:endCxn id="118" idx="0"/>
+            <a:stCxn id="106" idx="5"/>
+            <a:endCxn id="108" idx="0"/>
           </p:cNvCxnSpPr>
           <p:nvPr/>
         </p:nvCxnSpPr>
         <p:spPr>
           <a:xfrm>
-            <a:off x="9720349" y="2623993"/>
+            <a:off x="8339852" y="2680440"/>
             <a:ext cx="971958" cy="528542"/>
           </a:xfrm>
           <a:prstGeom prst="straightConnector1">
@@ -17173,13 +16341,13 @@
       </p:cxnSp>
       <p:sp>
         <p:nvSpPr>
-          <p:cNvPr id="118" name="矩形 117"/>
+          <p:cNvPr id="108" name="矩形 107"/>
           <p:cNvSpPr/>
           <p:nvPr/>
         </p:nvSpPr>
         <p:spPr>
           <a:xfrm>
-            <a:off x="10242274" y="3152535"/>
+            <a:off x="8861777" y="3208982"/>
             <a:ext cx="900066" cy="470052"/>
           </a:xfrm>
           <a:prstGeom prst="rect">
@@ -17246,16 +16414,16 @@
       </p:sp>
       <p:cxnSp>
         <p:nvCxnSpPr>
-          <p:cNvPr id="119" name="直接箭头连接符 118"/>
+          <p:cNvPr id="109" name="直接箭头连接符 108"/>
           <p:cNvCxnSpPr>
-            <a:stCxn id="115" idx="3"/>
-            <a:endCxn id="118" idx="1"/>
+            <a:stCxn id="105" idx="3"/>
+            <a:endCxn id="108" idx="1"/>
           </p:cNvCxnSpPr>
           <p:nvPr/>
         </p:nvCxnSpPr>
         <p:spPr>
           <a:xfrm>
-            <a:off x="9167236" y="3387561"/>
+            <a:off x="7786739" y="3444008"/>
             <a:ext cx="1075038" cy="0"/>
           </a:xfrm>
           <a:prstGeom prst="straightConnector1">
@@ -17285,13 +16453,13 @@
       </p:cxnSp>
       <p:sp>
         <p:nvSpPr>
-          <p:cNvPr id="120" name="矩形 119"/>
+          <p:cNvPr id="110" name="矩形 109"/>
           <p:cNvSpPr/>
           <p:nvPr/>
         </p:nvSpPr>
         <p:spPr>
           <a:xfrm>
-            <a:off x="10242274" y="2875536"/>
+            <a:off x="8861777" y="2931983"/>
             <a:ext cx="864478" cy="276999"/>
           </a:xfrm>
           <a:prstGeom prst="rect">
@@ -17332,13 +16500,13 @@
       </p:sp>
       <p:cxnSp>
         <p:nvCxnSpPr>
-          <p:cNvPr id="121" name="直接箭头连接符 120"/>
+          <p:cNvPr id="111" name="直接箭头连接符 110"/>
           <p:cNvCxnSpPr/>
           <p:nvPr/>
         </p:nvCxnSpPr>
         <p:spPr>
           <a:xfrm flipH="1">
-            <a:off x="9167236" y="3485004"/>
+            <a:off x="7786739" y="3541451"/>
             <a:ext cx="1075038" cy="14817"/>
           </a:xfrm>
           <a:prstGeom prst="straightConnector1">
@@ -17368,13 +16536,13 @@
       </p:cxnSp>
       <p:sp>
         <p:nvSpPr>
-          <p:cNvPr id="122" name="矩形 121"/>
+          <p:cNvPr id="112" name="矩形 111"/>
           <p:cNvSpPr/>
           <p:nvPr/>
         </p:nvSpPr>
         <p:spPr>
           <a:xfrm>
-            <a:off x="9998322" y="2486621"/>
+            <a:off x="8617825" y="2543068"/>
             <a:ext cx="2288035" cy="307777"/>
           </a:xfrm>
           <a:prstGeom prst="rect">
@@ -17405,7 +16573,7 @@
                 <a:latin typeface="微软雅黑" panose="020B0503020204020204" pitchFamily="34" charset="-122"/>
                 <a:ea typeface="微软雅黑" panose="020B0503020204020204" pitchFamily="34" charset="-122"/>
               </a:rPr>
-              <a:t>real_query</a:t>
+              <a:t>master_pos_wait</a:t>
             </a:r>
             <a:endParaRPr lang="en-US" altLang="zh-CN" sz="1400" dirty="0" smtClean="0">
               <a:solidFill>
@@ -17417,6 +16585,3105 @@
           </a:p>
         </p:txBody>
       </p:sp>
+      <p:sp>
+        <p:nvSpPr>
+          <p:cNvPr id="113" name="圆角矩形 112"/>
+          <p:cNvSpPr/>
+          <p:nvPr/>
+        </p:nvSpPr>
+        <p:spPr>
+          <a:xfrm>
+            <a:off x="8635218" y="5942718"/>
+            <a:ext cx="768350" cy="755650"/>
+          </a:xfrm>
+          <a:prstGeom prst="roundRect">
+            <a:avLst/>
+          </a:prstGeom>
+          <a:noFill/>
+        </p:spPr>
+        <p:style>
+          <a:lnRef idx="2">
+            <a:schemeClr val="accent1">
+              <a:shade val="50000"/>
+            </a:schemeClr>
+          </a:lnRef>
+          <a:fillRef idx="1">
+            <a:schemeClr val="accent1"/>
+          </a:fillRef>
+          <a:effectRef idx="0">
+            <a:schemeClr val="accent1"/>
+          </a:effectRef>
+          <a:fontRef idx="minor">
+            <a:schemeClr val="lt1"/>
+          </a:fontRef>
+        </p:style>
+        <p:txBody>
+          <a:bodyPr rtlCol="0" anchor="ctr"/>
+          <a:lstStyle/>
+          <a:p>
+            <a:pPr algn="ctr"/>
+            <a:r>
+              <a:rPr lang="en-US" altLang="zh-CN" sz="900">
+                <a:latin typeface="微软雅黑" panose="020B0503020204020204" pitchFamily="34" charset="-122"/>
+                <a:ea typeface="微软雅黑" panose="020B0503020204020204" pitchFamily="34" charset="-122"/>
+              </a:rPr>
+              <a:t>relay log</a:t>
+            </a:r>
+          </a:p>
+          <a:p>
+            <a:pPr algn="ctr"/>
+            <a:r>
+              <a:rPr lang="en-US" altLang="zh-CN" sz="900">
+                <a:latin typeface="微软雅黑" panose="020B0503020204020204" pitchFamily="34" charset="-122"/>
+                <a:ea typeface="微软雅黑" panose="020B0503020204020204" pitchFamily="34" charset="-122"/>
+              </a:rPr>
+              <a:t>trx 1</a:t>
+            </a:r>
+          </a:p>
+          <a:p>
+            <a:pPr algn="ctr"/>
+            <a:r>
+              <a:rPr lang="en-US" altLang="zh-CN" sz="900">
+                <a:latin typeface="微软雅黑" panose="020B0503020204020204" pitchFamily="34" charset="-122"/>
+                <a:ea typeface="微软雅黑" panose="020B0503020204020204" pitchFamily="34" charset="-122"/>
+              </a:rPr>
+              <a:t>trx 2</a:t>
+            </a:r>
+            <a:endParaRPr lang="en-US" altLang="zh-CN" sz="900" dirty="0">
+              <a:latin typeface="微软雅黑" panose="020B0503020204020204" pitchFamily="34" charset="-122"/>
+              <a:ea typeface="微软雅黑" panose="020B0503020204020204" pitchFamily="34" charset="-122"/>
+            </a:endParaRPr>
+          </a:p>
+        </p:txBody>
+      </p:sp>
+      <p:sp>
+        <p:nvSpPr>
+          <p:cNvPr id="114" name="圆角矩形 113"/>
+          <p:cNvSpPr/>
+          <p:nvPr/>
+        </p:nvSpPr>
+        <p:spPr>
+          <a:xfrm>
+            <a:off x="9575018" y="5942718"/>
+            <a:ext cx="768350" cy="755650"/>
+          </a:xfrm>
+          <a:prstGeom prst="roundRect">
+            <a:avLst/>
+          </a:prstGeom>
+          <a:noFill/>
+        </p:spPr>
+        <p:style>
+          <a:lnRef idx="2">
+            <a:schemeClr val="accent1">
+              <a:shade val="50000"/>
+            </a:schemeClr>
+          </a:lnRef>
+          <a:fillRef idx="1">
+            <a:schemeClr val="accent1"/>
+          </a:fillRef>
+          <a:effectRef idx="0">
+            <a:schemeClr val="accent1"/>
+          </a:effectRef>
+          <a:fontRef idx="minor">
+            <a:schemeClr val="lt1"/>
+          </a:fontRef>
+        </p:style>
+        <p:txBody>
+          <a:bodyPr rtlCol="0" anchor="ctr"/>
+          <a:lstStyle/>
+          <a:p>
+            <a:pPr algn="ctr"/>
+            <a:r>
+              <a:rPr lang="en-US" altLang="zh-CN" sz="900" dirty="0" smtClean="0">
+                <a:latin typeface="微软雅黑" panose="020B0503020204020204" pitchFamily="34" charset="-122"/>
+                <a:ea typeface="微软雅黑" panose="020B0503020204020204" pitchFamily="34" charset="-122"/>
+              </a:rPr>
+              <a:t>bin </a:t>
+            </a:r>
+            <a:r>
+              <a:rPr lang="en-US" altLang="zh-CN" sz="900" dirty="0">
+                <a:latin typeface="微软雅黑" panose="020B0503020204020204" pitchFamily="34" charset="-122"/>
+                <a:ea typeface="微软雅黑" panose="020B0503020204020204" pitchFamily="34" charset="-122"/>
+              </a:rPr>
+              <a:t>log</a:t>
+            </a:r>
+          </a:p>
+          <a:p>
+            <a:pPr algn="ctr"/>
+            <a:r>
+              <a:rPr lang="en-US" altLang="zh-CN" sz="900" dirty="0" err="1">
+                <a:latin typeface="微软雅黑" panose="020B0503020204020204" pitchFamily="34" charset="-122"/>
+                <a:ea typeface="微软雅黑" panose="020B0503020204020204" pitchFamily="34" charset="-122"/>
+              </a:rPr>
+              <a:t>trx</a:t>
+            </a:r>
+            <a:r>
+              <a:rPr lang="en-US" altLang="zh-CN" sz="900" dirty="0">
+                <a:latin typeface="微软雅黑" panose="020B0503020204020204" pitchFamily="34" charset="-122"/>
+                <a:ea typeface="微软雅黑" panose="020B0503020204020204" pitchFamily="34" charset="-122"/>
+              </a:rPr>
+              <a:t> 1</a:t>
+            </a:r>
+          </a:p>
+          <a:p>
+            <a:pPr algn="ctr"/>
+            <a:endParaRPr lang="en-US" altLang="zh-CN" sz="900" dirty="0" smtClean="0">
+              <a:latin typeface="微软雅黑" panose="020B0503020204020204" pitchFamily="34" charset="-122"/>
+              <a:ea typeface="微软雅黑" panose="020B0503020204020204" pitchFamily="34" charset="-122"/>
+            </a:endParaRPr>
+          </a:p>
+        </p:txBody>
+      </p:sp>
+      <p:sp>
+        <p:nvSpPr>
+          <p:cNvPr id="115" name="矩形 114"/>
+          <p:cNvSpPr/>
+          <p:nvPr/>
+        </p:nvSpPr>
+        <p:spPr>
+          <a:xfrm>
+            <a:off x="7044289" y="5388123"/>
+            <a:ext cx="900066" cy="470052"/>
+          </a:xfrm>
+          <a:prstGeom prst="rect">
+            <a:avLst/>
+          </a:prstGeom>
+          <a:solidFill>
+            <a:srgbClr val="00B050"/>
+          </a:solidFill>
+          <a:ln>
+            <a:noFill/>
+          </a:ln>
+          <a:scene3d>
+            <a:camera prst="orthographicFront"/>
+            <a:lightRig rig="threePt" dir="t"/>
+          </a:scene3d>
+          <a:sp3d>
+            <a:bevelT w="114300" prst="artDeco"/>
+          </a:sp3d>
+        </p:spPr>
+        <p:style>
+          <a:lnRef idx="2">
+            <a:schemeClr val="accent1">
+              <a:shade val="50000"/>
+            </a:schemeClr>
+          </a:lnRef>
+          <a:fillRef idx="1">
+            <a:schemeClr val="accent1"/>
+          </a:fillRef>
+          <a:effectRef idx="0">
+            <a:schemeClr val="accent1"/>
+          </a:effectRef>
+          <a:fontRef idx="minor">
+            <a:schemeClr val="lt1"/>
+          </a:fontRef>
+        </p:style>
+        <p:txBody>
+          <a:bodyPr rtlCol="0" anchor="ctr"/>
+          <a:lstStyle/>
+          <a:p>
+            <a:pPr algn="ctr"/>
+            <a:r>
+              <a:rPr lang="en-US" altLang="zh-CN" sz="1200" dirty="0" smtClean="0">
+                <a:latin typeface="微软雅黑" panose="020B0503020204020204" pitchFamily="34" charset="-122"/>
+                <a:ea typeface="微软雅黑" panose="020B0503020204020204" pitchFamily="34" charset="-122"/>
+              </a:rPr>
+              <a:t>MySQL</a:t>
+            </a:r>
+          </a:p>
+          <a:p>
+            <a:pPr algn="ctr"/>
+            <a:r>
+              <a:rPr lang="en-US" altLang="zh-CN" sz="1200" dirty="0" smtClean="0">
+                <a:latin typeface="微软雅黑" panose="020B0503020204020204" pitchFamily="34" charset="-122"/>
+                <a:ea typeface="微软雅黑" panose="020B0503020204020204" pitchFamily="34" charset="-122"/>
+              </a:rPr>
+              <a:t>A</a:t>
+            </a:r>
+            <a:endParaRPr lang="zh-CN" altLang="en-US" sz="1200" dirty="0">
+              <a:latin typeface="微软雅黑" panose="020B0503020204020204" pitchFamily="34" charset="-122"/>
+              <a:ea typeface="微软雅黑" panose="020B0503020204020204" pitchFamily="34" charset="-122"/>
+            </a:endParaRPr>
+          </a:p>
+        </p:txBody>
+      </p:sp>
+      <p:sp>
+        <p:nvSpPr>
+          <p:cNvPr id="116" name="椭圆 115"/>
+          <p:cNvSpPr/>
+          <p:nvPr/>
+        </p:nvSpPr>
+        <p:spPr>
+          <a:xfrm>
+            <a:off x="7651938" y="4473883"/>
+            <a:ext cx="990600" cy="451873"/>
+          </a:xfrm>
+          <a:prstGeom prst="ellipse">
+            <a:avLst/>
+          </a:prstGeom>
+          <a:solidFill>
+            <a:srgbClr val="00B0F0"/>
+          </a:solidFill>
+          <a:ln>
+            <a:noFill/>
+          </a:ln>
+          <a:scene3d>
+            <a:camera prst="orthographicFront"/>
+            <a:lightRig rig="threePt" dir="t"/>
+          </a:scene3d>
+          <a:sp3d>
+            <a:bevelT w="114300" prst="artDeco"/>
+          </a:sp3d>
+        </p:spPr>
+        <p:style>
+          <a:lnRef idx="2">
+            <a:schemeClr val="accent1">
+              <a:shade val="50000"/>
+            </a:schemeClr>
+          </a:lnRef>
+          <a:fillRef idx="1">
+            <a:schemeClr val="accent1"/>
+          </a:fillRef>
+          <a:effectRef idx="0">
+            <a:schemeClr val="accent1"/>
+          </a:effectRef>
+          <a:fontRef idx="minor">
+            <a:schemeClr val="lt1"/>
+          </a:fontRef>
+        </p:style>
+        <p:txBody>
+          <a:bodyPr rtlCol="0" anchor="ctr"/>
+          <a:lstStyle/>
+          <a:p>
+            <a:pPr algn="ctr"/>
+            <a:r>
+              <a:rPr lang="en-US" altLang="zh-CN" sz="1400" dirty="0" smtClean="0">
+                <a:latin typeface="微软雅黑" panose="020B0503020204020204" pitchFamily="34" charset="-122"/>
+                <a:ea typeface="微软雅黑" panose="020B0503020204020204" pitchFamily="34" charset="-122"/>
+              </a:rPr>
+              <a:t>client</a:t>
+            </a:r>
+            <a:endParaRPr lang="zh-CN" altLang="en-US" sz="1400" dirty="0">
+              <a:latin typeface="微软雅黑" panose="020B0503020204020204" pitchFamily="34" charset="-122"/>
+              <a:ea typeface="微软雅黑" panose="020B0503020204020204" pitchFamily="34" charset="-122"/>
+            </a:endParaRPr>
+          </a:p>
+        </p:txBody>
+      </p:sp>
+      <p:cxnSp>
+        <p:nvCxnSpPr>
+          <p:cNvPr id="117" name="直接箭头连接符 116"/>
+          <p:cNvCxnSpPr>
+            <a:stCxn id="116" idx="5"/>
+            <a:endCxn id="118" idx="0"/>
+          </p:cNvCxnSpPr>
+          <p:nvPr/>
+        </p:nvCxnSpPr>
+        <p:spPr>
+          <a:xfrm>
+            <a:off x="8497468" y="4859581"/>
+            <a:ext cx="971958" cy="528542"/>
+          </a:xfrm>
+          <a:prstGeom prst="straightConnector1">
+            <a:avLst/>
+          </a:prstGeom>
+          <a:ln>
+            <a:solidFill>
+              <a:srgbClr val="FFFF00"/>
+            </a:solidFill>
+            <a:tailEnd type="triangle"/>
+          </a:ln>
+        </p:spPr>
+        <p:style>
+          <a:lnRef idx="1">
+            <a:schemeClr val="accent1"/>
+          </a:lnRef>
+          <a:fillRef idx="0">
+            <a:schemeClr val="accent1"/>
+          </a:fillRef>
+          <a:effectRef idx="0">
+            <a:schemeClr val="accent1"/>
+          </a:effectRef>
+          <a:fontRef idx="minor">
+            <a:schemeClr val="tx1"/>
+          </a:fontRef>
+        </p:style>
+      </p:cxnSp>
+      <p:sp>
+        <p:nvSpPr>
+          <p:cNvPr id="118" name="矩形 117"/>
+          <p:cNvSpPr/>
+          <p:nvPr/>
+        </p:nvSpPr>
+        <p:spPr>
+          <a:xfrm>
+            <a:off x="9019393" y="5388123"/>
+            <a:ext cx="900066" cy="470052"/>
+          </a:xfrm>
+          <a:prstGeom prst="rect">
+            <a:avLst/>
+          </a:prstGeom>
+          <a:solidFill>
+            <a:srgbClr val="00B050"/>
+          </a:solidFill>
+          <a:ln>
+            <a:noFill/>
+          </a:ln>
+          <a:scene3d>
+            <a:camera prst="orthographicFront"/>
+            <a:lightRig rig="threePt" dir="t"/>
+          </a:scene3d>
+          <a:sp3d>
+            <a:bevelT w="114300" prst="artDeco"/>
+          </a:sp3d>
+        </p:spPr>
+        <p:style>
+          <a:lnRef idx="2">
+            <a:schemeClr val="accent1">
+              <a:shade val="50000"/>
+            </a:schemeClr>
+          </a:lnRef>
+          <a:fillRef idx="1">
+            <a:schemeClr val="accent1"/>
+          </a:fillRef>
+          <a:effectRef idx="0">
+            <a:schemeClr val="accent1"/>
+          </a:effectRef>
+          <a:fontRef idx="minor">
+            <a:schemeClr val="lt1"/>
+          </a:fontRef>
+        </p:style>
+        <p:txBody>
+          <a:bodyPr rtlCol="0" anchor="ctr"/>
+          <a:lstStyle/>
+          <a:p>
+            <a:pPr algn="ctr"/>
+            <a:r>
+              <a:rPr lang="en-US" altLang="zh-CN" sz="1200" dirty="0" smtClean="0">
+                <a:latin typeface="微软雅黑" panose="020B0503020204020204" pitchFamily="34" charset="-122"/>
+                <a:ea typeface="微软雅黑" panose="020B0503020204020204" pitchFamily="34" charset="-122"/>
+              </a:rPr>
+              <a:t>MySQL</a:t>
+            </a:r>
+          </a:p>
+          <a:p>
+            <a:pPr algn="ctr"/>
+            <a:r>
+              <a:rPr lang="en-US" altLang="zh-CN" sz="1200" dirty="0">
+                <a:latin typeface="微软雅黑" panose="020B0503020204020204" pitchFamily="34" charset="-122"/>
+                <a:ea typeface="微软雅黑" panose="020B0503020204020204" pitchFamily="34" charset="-122"/>
+              </a:rPr>
+              <a:t>B</a:t>
+            </a:r>
+            <a:endParaRPr lang="zh-CN" altLang="en-US" sz="1200" dirty="0">
+              <a:latin typeface="微软雅黑" panose="020B0503020204020204" pitchFamily="34" charset="-122"/>
+              <a:ea typeface="微软雅黑" panose="020B0503020204020204" pitchFamily="34" charset="-122"/>
+            </a:endParaRPr>
+          </a:p>
+        </p:txBody>
+      </p:sp>
+      <p:cxnSp>
+        <p:nvCxnSpPr>
+          <p:cNvPr id="119" name="直接箭头连接符 118"/>
+          <p:cNvCxnSpPr>
+            <a:stCxn id="115" idx="3"/>
+            <a:endCxn id="118" idx="1"/>
+          </p:cNvCxnSpPr>
+          <p:nvPr/>
+        </p:nvCxnSpPr>
+        <p:spPr>
+          <a:xfrm>
+            <a:off x="7944355" y="5623149"/>
+            <a:ext cx="1075038" cy="0"/>
+          </a:xfrm>
+          <a:prstGeom prst="straightConnector1">
+            <a:avLst/>
+          </a:prstGeom>
+          <a:ln>
+            <a:solidFill>
+              <a:srgbClr val="FFFF00"/>
+            </a:solidFill>
+            <a:tailEnd type="triangle"/>
+          </a:ln>
+        </p:spPr>
+        <p:style>
+          <a:lnRef idx="1">
+            <a:schemeClr val="accent1"/>
+          </a:lnRef>
+          <a:fillRef idx="0">
+            <a:schemeClr val="accent1"/>
+          </a:fillRef>
+          <a:effectRef idx="0">
+            <a:schemeClr val="accent1"/>
+          </a:effectRef>
+          <a:fontRef idx="minor">
+            <a:schemeClr val="tx1"/>
+          </a:fontRef>
+        </p:style>
+      </p:cxnSp>
+      <p:sp>
+        <p:nvSpPr>
+          <p:cNvPr id="120" name="矩形 119"/>
+          <p:cNvSpPr/>
+          <p:nvPr/>
+        </p:nvSpPr>
+        <p:spPr>
+          <a:xfrm>
+            <a:off x="9019393" y="5111124"/>
+            <a:ext cx="864478" cy="276999"/>
+          </a:xfrm>
+          <a:prstGeom prst="rect">
+            <a:avLst/>
+          </a:prstGeom>
+        </p:spPr>
+        <p:txBody>
+          <a:bodyPr wrap="square">
+            <a:spAutoFit/>
+          </a:bodyPr>
+          <a:lstStyle/>
+          <a:p>
+            <a:r>
+              <a:rPr lang="en-US" altLang="zh-CN" sz="1200" dirty="0" err="1" smtClean="0">
+                <a:solidFill>
+                  <a:schemeClr val="accent1">
+                    <a:lumMod val="40000"/>
+                    <a:lumOff val="60000"/>
+                  </a:schemeClr>
+                </a:solidFill>
+                <a:latin typeface="微软雅黑" panose="020B0503020204020204" pitchFamily="34" charset="-122"/>
+                <a:ea typeface="微软雅黑" panose="020B0503020204020204" pitchFamily="34" charset="-122"/>
+              </a:rPr>
+              <a:t>Readonly</a:t>
+            </a:r>
+            <a:endParaRPr lang="en-US" altLang="zh-CN" sz="1200" dirty="0" smtClean="0">
+              <a:solidFill>
+                <a:schemeClr val="accent1">
+                  <a:lumMod val="40000"/>
+                  <a:lumOff val="60000"/>
+                </a:schemeClr>
+              </a:solidFill>
+              <a:latin typeface="微软雅黑" panose="020B0503020204020204" pitchFamily="34" charset="-122"/>
+              <a:ea typeface="微软雅黑" panose="020B0503020204020204" pitchFamily="34" charset="-122"/>
+            </a:endParaRPr>
+          </a:p>
+        </p:txBody>
+      </p:sp>
+      <p:cxnSp>
+        <p:nvCxnSpPr>
+          <p:cNvPr id="121" name="直接箭头连接符 120"/>
+          <p:cNvCxnSpPr/>
+          <p:nvPr/>
+        </p:nvCxnSpPr>
+        <p:spPr>
+          <a:xfrm flipH="1">
+            <a:off x="7944355" y="5720592"/>
+            <a:ext cx="1075038" cy="14817"/>
+          </a:xfrm>
+          <a:prstGeom prst="straightConnector1">
+            <a:avLst/>
+          </a:prstGeom>
+          <a:ln>
+            <a:solidFill>
+              <a:srgbClr val="FFFF00"/>
+            </a:solidFill>
+            <a:tailEnd type="triangle"/>
+          </a:ln>
+        </p:spPr>
+        <p:style>
+          <a:lnRef idx="1">
+            <a:schemeClr val="accent1"/>
+          </a:lnRef>
+          <a:fillRef idx="0">
+            <a:schemeClr val="accent1"/>
+          </a:fillRef>
+          <a:effectRef idx="0">
+            <a:schemeClr val="accent1"/>
+          </a:effectRef>
+          <a:fontRef idx="minor">
+            <a:schemeClr val="tx1"/>
+          </a:fontRef>
+        </p:style>
+      </p:cxnSp>
+      <p:sp>
+        <p:nvSpPr>
+          <p:cNvPr id="122" name="矩形 121"/>
+          <p:cNvSpPr/>
+          <p:nvPr/>
+        </p:nvSpPr>
+        <p:spPr>
+          <a:xfrm>
+            <a:off x="8775441" y="4722209"/>
+            <a:ext cx="2288035" cy="307777"/>
+          </a:xfrm>
+          <a:prstGeom prst="rect">
+            <a:avLst/>
+          </a:prstGeom>
+        </p:spPr>
+        <p:txBody>
+          <a:bodyPr wrap="square">
+            <a:spAutoFit/>
+          </a:bodyPr>
+          <a:lstStyle/>
+          <a:p>
+            <a:r>
+              <a:rPr lang="en-US" altLang="zh-CN" sz="1400" dirty="0" smtClean="0">
+                <a:solidFill>
+                  <a:srgbClr val="FFFF00"/>
+                </a:solidFill>
+                <a:latin typeface="微软雅黑" panose="020B0503020204020204" pitchFamily="34" charset="-122"/>
+                <a:ea typeface="微软雅黑" panose="020B0503020204020204" pitchFamily="34" charset="-122"/>
+              </a:rPr>
+              <a:t>select </a:t>
+            </a:r>
+            <a:r>
+              <a:rPr lang="en-US" altLang="zh-CN" sz="1400" dirty="0" err="1" smtClean="0">
+                <a:solidFill>
+                  <a:srgbClr val="FFFF00"/>
+                </a:solidFill>
+                <a:latin typeface="微软雅黑" panose="020B0503020204020204" pitchFamily="34" charset="-122"/>
+                <a:ea typeface="微软雅黑" panose="020B0503020204020204" pitchFamily="34" charset="-122"/>
+              </a:rPr>
+              <a:t>real_query</a:t>
+            </a:r>
+            <a:endParaRPr lang="en-US" altLang="zh-CN" sz="1400" dirty="0" smtClean="0">
+              <a:solidFill>
+                <a:srgbClr val="FFFF00"/>
+              </a:solidFill>
+              <a:latin typeface="微软雅黑" panose="020B0503020204020204" pitchFamily="34" charset="-122"/>
+              <a:ea typeface="微软雅黑" panose="020B0503020204020204" pitchFamily="34" charset="-122"/>
+            </a:endParaRPr>
+          </a:p>
+        </p:txBody>
+      </p:sp>
+    </p:spTree>
+    <p:extLst>
+      <p:ext uri="{BB962C8B-B14F-4D97-AF65-F5344CB8AC3E}">
+        <p14:creationId xmlns:p14="http://schemas.microsoft.com/office/powerpoint/2010/main" val="913489110"/>
+      </p:ext>
+    </p:extLst>
+  </p:cSld>
+  <p:clrMapOvr>
+    <a:masterClrMapping/>
+  </p:clrMapOvr>
+  <p:timing>
+    <p:tnLst>
+      <p:par>
+        <p:cTn id="1" dur="indefinite" restart="never" nodeType="tmRoot"/>
+      </p:par>
+    </p:tnLst>
+  </p:timing>
+</p:sld>
+</file>
+
+<file path=ppt/slides/slide6.xml><?xml version="1.0" encoding="utf-8"?>
+<p:sld xmlns:a="http://schemas.openxmlformats.org/drawingml/2006/main" xmlns:r="http://schemas.openxmlformats.org/officeDocument/2006/relationships" xmlns:p="http://schemas.openxmlformats.org/presentationml/2006/main">
+  <p:cSld>
+    <p:spTree>
+      <p:nvGrpSpPr>
+        <p:cNvPr id="1" name=""/>
+        <p:cNvGrpSpPr/>
+        <p:nvPr/>
+      </p:nvGrpSpPr>
+      <p:grpSpPr>
+        <a:xfrm>
+          <a:off x="0" y="0"/>
+          <a:ext cx="0" cy="0"/>
+          <a:chOff x="0" y="0"/>
+          <a:chExt cx="0" cy="0"/>
+        </a:xfrm>
+      </p:grpSpPr>
+      <p:sp>
+        <p:nvSpPr>
+          <p:cNvPr id="2" name="标题 1"/>
+          <p:cNvSpPr>
+            <a:spLocks noGrp="1"/>
+          </p:cNvSpPr>
+          <p:nvPr>
+            <p:ph type="title"/>
+          </p:nvPr>
+        </p:nvSpPr>
+        <p:spPr>
+          <a:xfrm>
+            <a:off x="114300" y="152400"/>
+            <a:ext cx="11149057" cy="602359"/>
+          </a:xfrm>
+        </p:spPr>
+        <p:txBody>
+          <a:bodyPr/>
+          <a:lstStyle/>
+          <a:p>
+            <a:r>
+              <a:rPr lang="en-US" altLang="zh-CN" sz="3200" b="1" dirty="0">
+                <a:latin typeface="微软雅黑" panose="020B0503020204020204" pitchFamily="34" charset="-122"/>
+                <a:ea typeface="微软雅黑" panose="020B0503020204020204" pitchFamily="34" charset="-122"/>
+              </a:rPr>
+              <a:t>28 | </a:t>
+            </a:r>
+            <a:r>
+              <a:rPr lang="zh-CN" altLang="en-US" sz="3200" b="1" dirty="0">
+                <a:latin typeface="微软雅黑" panose="020B0503020204020204" pitchFamily="34" charset="-122"/>
+                <a:ea typeface="微软雅黑" panose="020B0503020204020204" pitchFamily="34" charset="-122"/>
+              </a:rPr>
+              <a:t>读写分离有哪些坑？</a:t>
+            </a:r>
+          </a:p>
+        </p:txBody>
+      </p:sp>
+      <p:sp>
+        <p:nvSpPr>
+          <p:cNvPr id="50" name="矩形 49"/>
+          <p:cNvSpPr/>
+          <p:nvPr/>
+        </p:nvSpPr>
+        <p:spPr>
+          <a:xfrm>
+            <a:off x="605124" y="5624823"/>
+            <a:ext cx="4850609" cy="954107"/>
+          </a:xfrm>
+          <a:prstGeom prst="rect">
+            <a:avLst/>
+          </a:prstGeom>
+        </p:spPr>
+        <p:txBody>
+          <a:bodyPr wrap="square">
+            <a:spAutoFit/>
+          </a:bodyPr>
+          <a:lstStyle/>
+          <a:p>
+            <a:r>
+              <a:rPr lang="zh-CN" altLang="en-US" sz="1400" dirty="0" smtClean="0">
+                <a:solidFill>
+                  <a:schemeClr val="accent1">
+                    <a:lumMod val="40000"/>
+                    <a:lumOff val="60000"/>
+                  </a:schemeClr>
+                </a:solidFill>
+                <a:latin typeface="微软雅黑" panose="020B0503020204020204" pitchFamily="34" charset="-122"/>
+                <a:ea typeface="微软雅黑" panose="020B0503020204020204" pitchFamily="34" charset="-122"/>
+              </a:rPr>
+              <a:t>其实思想就是：</a:t>
+            </a:r>
+            <a:endParaRPr lang="en-US" altLang="zh-CN" sz="1400" dirty="0" smtClean="0">
+              <a:solidFill>
+                <a:schemeClr val="accent1">
+                  <a:lumMod val="40000"/>
+                  <a:lumOff val="60000"/>
+                </a:schemeClr>
+              </a:solidFill>
+              <a:latin typeface="微软雅黑" panose="020B0503020204020204" pitchFamily="34" charset="-122"/>
+              <a:ea typeface="微软雅黑" panose="020B0503020204020204" pitchFamily="34" charset="-122"/>
+            </a:endParaRPr>
+          </a:p>
+          <a:p>
+            <a:r>
+              <a:rPr lang="zh-CN" altLang="en-US" sz="1400" dirty="0" smtClean="0">
+                <a:solidFill>
+                  <a:schemeClr val="accent1">
+                    <a:lumMod val="40000"/>
+                    <a:lumOff val="60000"/>
+                  </a:schemeClr>
+                </a:solidFill>
+                <a:latin typeface="微软雅黑" panose="020B0503020204020204" pitchFamily="34" charset="-122"/>
+                <a:ea typeface="微软雅黑" panose="020B0503020204020204" pitchFamily="34" charset="-122"/>
+              </a:rPr>
+              <a:t>记录主库的</a:t>
+            </a:r>
+            <a:r>
+              <a:rPr lang="en-US" altLang="zh-CN" sz="1400" dirty="0" err="1" smtClean="0">
+                <a:solidFill>
+                  <a:schemeClr val="accent1">
+                    <a:lumMod val="40000"/>
+                    <a:lumOff val="60000"/>
+                  </a:schemeClr>
+                </a:solidFill>
+                <a:latin typeface="微软雅黑" panose="020B0503020204020204" pitchFamily="34" charset="-122"/>
+                <a:ea typeface="微软雅黑" panose="020B0503020204020204" pitchFamily="34" charset="-122"/>
+              </a:rPr>
+              <a:t>sql</a:t>
+            </a:r>
+            <a:r>
+              <a:rPr lang="zh-CN" altLang="en-US" sz="1400" dirty="0" smtClean="0">
+                <a:solidFill>
+                  <a:schemeClr val="accent1">
+                    <a:lumMod val="40000"/>
+                    <a:lumOff val="60000"/>
+                  </a:schemeClr>
+                </a:solidFill>
+                <a:latin typeface="微软雅黑" panose="020B0503020204020204" pitchFamily="34" charset="-122"/>
+                <a:ea typeface="微软雅黑" panose="020B0503020204020204" pitchFamily="34" charset="-122"/>
+              </a:rPr>
+              <a:t>语句执行的</a:t>
+            </a:r>
+            <a:r>
+              <a:rPr lang="en-US" altLang="zh-CN" sz="1400" dirty="0" smtClean="0">
+                <a:solidFill>
+                  <a:schemeClr val="accent1">
+                    <a:lumMod val="40000"/>
+                    <a:lumOff val="60000"/>
+                  </a:schemeClr>
+                </a:solidFill>
+                <a:latin typeface="微软雅黑" panose="020B0503020204020204" pitchFamily="34" charset="-122"/>
+                <a:ea typeface="微软雅黑" panose="020B0503020204020204" pitchFamily="34" charset="-122"/>
+              </a:rPr>
+              <a:t>file</a:t>
+            </a:r>
+            <a:r>
+              <a:rPr lang="zh-CN" altLang="en-US" sz="1400" dirty="0" smtClean="0">
+                <a:solidFill>
+                  <a:schemeClr val="accent1">
+                    <a:lumMod val="40000"/>
+                    <a:lumOff val="60000"/>
+                  </a:schemeClr>
+                </a:solidFill>
+                <a:latin typeface="微软雅黑" panose="020B0503020204020204" pitchFamily="34" charset="-122"/>
+                <a:ea typeface="微软雅黑" panose="020B0503020204020204" pitchFamily="34" charset="-122"/>
+              </a:rPr>
+              <a:t>和</a:t>
+            </a:r>
+            <a:r>
+              <a:rPr lang="en-US" altLang="zh-CN" sz="1400" dirty="0" smtClean="0">
+                <a:solidFill>
+                  <a:schemeClr val="accent1">
+                    <a:lumMod val="40000"/>
+                    <a:lumOff val="60000"/>
+                  </a:schemeClr>
+                </a:solidFill>
+                <a:latin typeface="微软雅黑" panose="020B0503020204020204" pitchFamily="34" charset="-122"/>
+                <a:ea typeface="微软雅黑" panose="020B0503020204020204" pitchFamily="34" charset="-122"/>
+              </a:rPr>
+              <a:t>position</a:t>
+            </a:r>
+          </a:p>
+          <a:p>
+            <a:r>
+              <a:rPr lang="zh-CN" altLang="en-US" sz="1400" dirty="0" smtClean="0">
+                <a:solidFill>
+                  <a:schemeClr val="accent1">
+                    <a:lumMod val="40000"/>
+                    <a:lumOff val="60000"/>
+                  </a:schemeClr>
+                </a:solidFill>
+                <a:latin typeface="微软雅黑" panose="020B0503020204020204" pitchFamily="34" charset="-122"/>
+                <a:ea typeface="微软雅黑" panose="020B0503020204020204" pitchFamily="34" charset="-122"/>
+              </a:rPr>
+              <a:t>到备库上等待这个</a:t>
+            </a:r>
+            <a:r>
+              <a:rPr lang="en-US" altLang="zh-CN" sz="1400" dirty="0" smtClean="0">
+                <a:solidFill>
+                  <a:schemeClr val="accent1">
+                    <a:lumMod val="40000"/>
+                    <a:lumOff val="60000"/>
+                  </a:schemeClr>
+                </a:solidFill>
+                <a:latin typeface="微软雅黑" panose="020B0503020204020204" pitchFamily="34" charset="-122"/>
+                <a:ea typeface="微软雅黑" panose="020B0503020204020204" pitchFamily="34" charset="-122"/>
+              </a:rPr>
+              <a:t>file</a:t>
+            </a:r>
+            <a:r>
+              <a:rPr lang="zh-CN" altLang="en-US" sz="1400" dirty="0" smtClean="0">
+                <a:solidFill>
+                  <a:schemeClr val="accent1">
+                    <a:lumMod val="40000"/>
+                    <a:lumOff val="60000"/>
+                  </a:schemeClr>
+                </a:solidFill>
+                <a:latin typeface="微软雅黑" panose="020B0503020204020204" pitchFamily="34" charset="-122"/>
+                <a:ea typeface="微软雅黑" panose="020B0503020204020204" pitchFamily="34" charset="-122"/>
+              </a:rPr>
+              <a:t>和</a:t>
+            </a:r>
+            <a:r>
+              <a:rPr lang="en-US" altLang="zh-CN" sz="1400" dirty="0" smtClean="0">
+                <a:solidFill>
+                  <a:schemeClr val="accent1">
+                    <a:lumMod val="40000"/>
+                    <a:lumOff val="60000"/>
+                  </a:schemeClr>
+                </a:solidFill>
+                <a:latin typeface="微软雅黑" panose="020B0503020204020204" pitchFamily="34" charset="-122"/>
+                <a:ea typeface="微软雅黑" panose="020B0503020204020204" pitchFamily="34" charset="-122"/>
+              </a:rPr>
+              <a:t>position</a:t>
+            </a:r>
+            <a:r>
+              <a:rPr lang="zh-CN" altLang="en-US" sz="1400" dirty="0" smtClean="0">
+                <a:solidFill>
+                  <a:schemeClr val="accent1">
+                    <a:lumMod val="40000"/>
+                    <a:lumOff val="60000"/>
+                  </a:schemeClr>
+                </a:solidFill>
+                <a:latin typeface="微软雅黑" panose="020B0503020204020204" pitchFamily="34" charset="-122"/>
+                <a:ea typeface="微软雅黑" panose="020B0503020204020204" pitchFamily="34" charset="-122"/>
+              </a:rPr>
+              <a:t>为止的日志应用完毕</a:t>
+            </a:r>
+            <a:endParaRPr lang="en-US" altLang="zh-CN" sz="1400" dirty="0" smtClean="0">
+              <a:solidFill>
+                <a:schemeClr val="accent1">
+                  <a:lumMod val="40000"/>
+                  <a:lumOff val="60000"/>
+                </a:schemeClr>
+              </a:solidFill>
+              <a:latin typeface="微软雅黑" panose="020B0503020204020204" pitchFamily="34" charset="-122"/>
+              <a:ea typeface="微软雅黑" panose="020B0503020204020204" pitchFamily="34" charset="-122"/>
+            </a:endParaRPr>
+          </a:p>
+          <a:p>
+            <a:r>
+              <a:rPr lang="zh-CN" altLang="en-US" sz="1400" dirty="0" smtClean="0">
+                <a:solidFill>
+                  <a:schemeClr val="accent1">
+                    <a:lumMod val="40000"/>
+                    <a:lumOff val="60000"/>
+                  </a:schemeClr>
+                </a:solidFill>
+                <a:latin typeface="微软雅黑" panose="020B0503020204020204" pitchFamily="34" charset="-122"/>
+                <a:ea typeface="微软雅黑" panose="020B0503020204020204" pitchFamily="34" charset="-122"/>
+              </a:rPr>
+              <a:t>就确保查询正确。</a:t>
+            </a:r>
+            <a:endParaRPr lang="en-US" altLang="zh-CN" sz="1400" dirty="0" smtClean="0">
+              <a:solidFill>
+                <a:schemeClr val="accent1">
+                  <a:lumMod val="40000"/>
+                  <a:lumOff val="60000"/>
+                </a:schemeClr>
+              </a:solidFill>
+              <a:latin typeface="微软雅黑" panose="020B0503020204020204" pitchFamily="34" charset="-122"/>
+              <a:ea typeface="微软雅黑" panose="020B0503020204020204" pitchFamily="34" charset="-122"/>
+            </a:endParaRPr>
+          </a:p>
+        </p:txBody>
+      </p:sp>
+      <p:sp>
+        <p:nvSpPr>
+          <p:cNvPr id="83" name="文本框 82"/>
+          <p:cNvSpPr txBox="1"/>
+          <p:nvPr/>
+        </p:nvSpPr>
+        <p:spPr>
+          <a:xfrm>
+            <a:off x="114300" y="842111"/>
+            <a:ext cx="1914178" cy="369332"/>
+          </a:xfrm>
+          <a:prstGeom prst="rect">
+            <a:avLst/>
+          </a:prstGeom>
+          <a:noFill/>
+        </p:spPr>
+        <p:txBody>
+          <a:bodyPr wrap="none">
+            <a:spAutoFit/>
+            <a:scene3d>
+              <a:camera prst="orthographicFront"/>
+              <a:lightRig rig="harsh" dir="t"/>
+            </a:scene3d>
+            <a:sp3d extrusionH="57150" prstMaterial="matte">
+              <a:bevelT w="63500" h="12700" prst="angle"/>
+              <a:contourClr>
+                <a:schemeClr val="bg1">
+                  <a:lumMod val="65000"/>
+                </a:schemeClr>
+              </a:contourClr>
+            </a:sp3d>
+          </a:bodyPr>
+          <a:lstStyle/>
+          <a:p>
+            <a:pPr>
+              <a:defRPr/>
+            </a:pPr>
+            <a:r>
+              <a:rPr lang="zh-CN" altLang="en-US" b="1" dirty="0" smtClean="0">
+                <a:ln/>
+                <a:solidFill>
+                  <a:srgbClr val="4FD1FF"/>
+                </a:solidFill>
+                <a:latin typeface="微软雅黑" panose="020B0503020204020204" pitchFamily="34" charset="-122"/>
+                <a:ea typeface="微软雅黑" panose="020B0503020204020204" pitchFamily="34" charset="-122"/>
+              </a:rPr>
+              <a:t>等主库</a:t>
+            </a:r>
+            <a:r>
+              <a:rPr lang="en-US" altLang="zh-CN" b="1" dirty="0" smtClean="0">
+                <a:ln/>
+                <a:solidFill>
+                  <a:srgbClr val="4FD1FF"/>
+                </a:solidFill>
+                <a:latin typeface="微软雅黑" panose="020B0503020204020204" pitchFamily="34" charset="-122"/>
+                <a:ea typeface="微软雅黑" panose="020B0503020204020204" pitchFamily="34" charset="-122"/>
+              </a:rPr>
+              <a:t>GTID</a:t>
+            </a:r>
+            <a:r>
+              <a:rPr lang="zh-CN" altLang="en-US" b="1" dirty="0" smtClean="0">
+                <a:ln/>
+                <a:solidFill>
+                  <a:srgbClr val="4FD1FF"/>
+                </a:solidFill>
+                <a:latin typeface="微软雅黑" panose="020B0503020204020204" pitchFamily="34" charset="-122"/>
+                <a:ea typeface="微软雅黑" panose="020B0503020204020204" pitchFamily="34" charset="-122"/>
+              </a:rPr>
+              <a:t>方案</a:t>
+            </a:r>
+            <a:endParaRPr lang="en-US" altLang="zh-CN" b="1" dirty="0" smtClean="0">
+              <a:ln/>
+              <a:solidFill>
+                <a:srgbClr val="4FD1FF"/>
+              </a:solidFill>
+              <a:latin typeface="微软雅黑" panose="020B0503020204020204" pitchFamily="34" charset="-122"/>
+              <a:ea typeface="微软雅黑" panose="020B0503020204020204" pitchFamily="34" charset="-122"/>
+            </a:endParaRPr>
+          </a:p>
+        </p:txBody>
+      </p:sp>
+      <p:sp>
+        <p:nvSpPr>
+          <p:cNvPr id="84" name="矩形 83"/>
+          <p:cNvSpPr/>
+          <p:nvPr/>
+        </p:nvSpPr>
+        <p:spPr>
+          <a:xfrm>
+            <a:off x="114299" y="1279079"/>
+            <a:ext cx="5873737" cy="830997"/>
+          </a:xfrm>
+          <a:prstGeom prst="rect">
+            <a:avLst/>
+          </a:prstGeom>
+        </p:spPr>
+        <p:txBody>
+          <a:bodyPr wrap="square">
+            <a:spAutoFit/>
+          </a:bodyPr>
+          <a:lstStyle/>
+          <a:p>
+            <a:pPr marL="171450" indent="-171450">
+              <a:buFont typeface="Arial" panose="020B0604020202020204" pitchFamily="34" charset="0"/>
+              <a:buChar char="•"/>
+            </a:pPr>
+            <a:r>
+              <a:rPr lang="zh-CN" altLang="en-US" sz="1200" smtClean="0">
+                <a:solidFill>
+                  <a:srgbClr val="92D050"/>
+                </a:solidFill>
+                <a:latin typeface="微软雅黑" panose="020B0503020204020204" pitchFamily="34" charset="-122"/>
+                <a:ea typeface="微软雅黑" panose="020B0503020204020204" pitchFamily="34" charset="-122"/>
+              </a:rPr>
+              <a:t>在主库设置参数：</a:t>
+            </a:r>
+            <a:r>
+              <a:rPr lang="en-US" altLang="zh-CN" sz="1200" smtClean="0">
+                <a:solidFill>
+                  <a:srgbClr val="92D050"/>
+                </a:solidFill>
+                <a:latin typeface="微软雅黑" panose="020B0503020204020204" pitchFamily="34" charset="-122"/>
+                <a:ea typeface="微软雅黑" panose="020B0503020204020204" pitchFamily="34" charset="-122"/>
+              </a:rPr>
+              <a:t> session_track_gtid=OWN_GTID</a:t>
+            </a:r>
+          </a:p>
+          <a:p>
+            <a:pPr marL="171450" indent="-171450">
+              <a:buFont typeface="Arial" panose="020B0604020202020204" pitchFamily="34" charset="0"/>
+              <a:buChar char="•"/>
+            </a:pPr>
+            <a:r>
+              <a:rPr lang="zh-CN" altLang="en-US" sz="1200">
+                <a:solidFill>
+                  <a:srgbClr val="92D050"/>
+                </a:solidFill>
+                <a:latin typeface="微软雅黑" panose="020B0503020204020204" pitchFamily="34" charset="-122"/>
+                <a:ea typeface="微软雅黑" panose="020B0503020204020204" pitchFamily="34" charset="-122"/>
+              </a:rPr>
+              <a:t>执</a:t>
+            </a:r>
+            <a:r>
+              <a:rPr lang="zh-CN" altLang="en-US" sz="1200" smtClean="0">
+                <a:solidFill>
+                  <a:srgbClr val="92D050"/>
+                </a:solidFill>
+                <a:latin typeface="微软雅黑" panose="020B0503020204020204" pitchFamily="34" charset="-122"/>
+                <a:ea typeface="微软雅黑" panose="020B0503020204020204" pitchFamily="34" charset="-122"/>
+              </a:rPr>
+              <a:t>行事务后，通过</a:t>
+            </a:r>
+            <a:r>
+              <a:rPr lang="en-US" altLang="zh-CN" sz="1200" smtClean="0">
+                <a:solidFill>
+                  <a:srgbClr val="92D050"/>
+                </a:solidFill>
+                <a:latin typeface="微软雅黑" panose="020B0503020204020204" pitchFamily="34" charset="-122"/>
+                <a:ea typeface="微软雅黑" panose="020B0503020204020204" pitchFamily="34" charset="-122"/>
+              </a:rPr>
+              <a:t>API</a:t>
+            </a:r>
+            <a:r>
+              <a:rPr lang="zh-CN" altLang="en-US" sz="1200" smtClean="0">
+                <a:solidFill>
+                  <a:srgbClr val="92D050"/>
+                </a:solidFill>
+                <a:latin typeface="微软雅黑" panose="020B0503020204020204" pitchFamily="34" charset="-122"/>
+                <a:ea typeface="微软雅黑" panose="020B0503020204020204" pitchFamily="34" charset="-122"/>
+              </a:rPr>
+              <a:t>接口</a:t>
+            </a:r>
+            <a:r>
+              <a:rPr lang="en-US" altLang="zh-CN" sz="1200" smtClean="0">
+                <a:solidFill>
+                  <a:srgbClr val="92D050"/>
+                </a:solidFill>
+                <a:latin typeface="微软雅黑" panose="020B0503020204020204" pitchFamily="34" charset="-122"/>
+                <a:ea typeface="微软雅黑" panose="020B0503020204020204" pitchFamily="34" charset="-122"/>
+              </a:rPr>
+              <a:t>mysql_session_track_get_first</a:t>
+            </a:r>
+            <a:r>
+              <a:rPr lang="zh-CN" altLang="en-US" sz="1200" smtClean="0">
+                <a:solidFill>
+                  <a:srgbClr val="92D050"/>
+                </a:solidFill>
+                <a:latin typeface="微软雅黑" panose="020B0503020204020204" pitchFamily="34" charset="-122"/>
+                <a:ea typeface="微软雅黑" panose="020B0503020204020204" pitchFamily="34" charset="-122"/>
+              </a:rPr>
+              <a:t>来获取这个事务的</a:t>
+            </a:r>
+            <a:r>
+              <a:rPr lang="en-US" altLang="zh-CN" sz="1200" smtClean="0">
+                <a:solidFill>
+                  <a:srgbClr val="92D050"/>
+                </a:solidFill>
+                <a:latin typeface="微软雅黑" panose="020B0503020204020204" pitchFamily="34" charset="-122"/>
+                <a:ea typeface="微软雅黑" panose="020B0503020204020204" pitchFamily="34" charset="-122"/>
+              </a:rPr>
+              <a:t>GTID</a:t>
+            </a:r>
+            <a:r>
+              <a:rPr lang="zh-CN" altLang="en-US" sz="1200" smtClean="0">
+                <a:solidFill>
+                  <a:srgbClr val="92D050"/>
+                </a:solidFill>
+                <a:latin typeface="微软雅黑" panose="020B0503020204020204" pitchFamily="34" charset="-122"/>
+                <a:ea typeface="微软雅黑" panose="020B0503020204020204" pitchFamily="34" charset="-122"/>
+              </a:rPr>
+              <a:t>。</a:t>
+            </a:r>
+            <a:endParaRPr lang="en-US" altLang="zh-CN" sz="1200">
+              <a:solidFill>
+                <a:srgbClr val="92D050"/>
+              </a:solidFill>
+              <a:latin typeface="微软雅黑" panose="020B0503020204020204" pitchFamily="34" charset="-122"/>
+              <a:ea typeface="微软雅黑" panose="020B0503020204020204" pitchFamily="34" charset="-122"/>
+            </a:endParaRPr>
+          </a:p>
+          <a:p>
+            <a:pPr marL="171450" indent="-171450">
+              <a:buFont typeface="Arial" panose="020B0604020202020204" pitchFamily="34" charset="0"/>
+              <a:buChar char="•"/>
+            </a:pPr>
+            <a:r>
+              <a:rPr lang="zh-CN" altLang="en-US" sz="1200" smtClean="0">
+                <a:solidFill>
+                  <a:srgbClr val="92D050"/>
+                </a:solidFill>
+                <a:latin typeface="微软雅黑" panose="020B0503020204020204" pitchFamily="34" charset="-122"/>
+                <a:ea typeface="微软雅黑" panose="020B0503020204020204" pitchFamily="34" charset="-122"/>
+              </a:rPr>
+              <a:t>在从库执行：</a:t>
+            </a:r>
+            <a:r>
+              <a:rPr lang="en-US" altLang="zh-CN" sz="1200" smtClean="0">
+                <a:solidFill>
+                  <a:srgbClr val="92D050"/>
+                </a:solidFill>
+                <a:latin typeface="微软雅黑" panose="020B0503020204020204" pitchFamily="34" charset="-122"/>
+                <a:ea typeface="微软雅黑" panose="020B0503020204020204" pitchFamily="34" charset="-122"/>
+              </a:rPr>
+              <a:t>select </a:t>
+            </a:r>
+            <a:r>
+              <a:rPr lang="en-US" altLang="zh-CN" sz="1200" dirty="0" err="1">
+                <a:solidFill>
+                  <a:srgbClr val="92D050"/>
+                </a:solidFill>
+                <a:latin typeface="微软雅黑" panose="020B0503020204020204" pitchFamily="34" charset="-122"/>
+                <a:ea typeface="微软雅黑" panose="020B0503020204020204" pitchFamily="34" charset="-122"/>
+              </a:rPr>
+              <a:t>wait_for_executed_gtid_set</a:t>
+            </a:r>
+            <a:r>
+              <a:rPr lang="en-US" altLang="zh-CN" sz="1200" dirty="0">
+                <a:solidFill>
+                  <a:srgbClr val="92D050"/>
+                </a:solidFill>
+                <a:latin typeface="微软雅黑" panose="020B0503020204020204" pitchFamily="34" charset="-122"/>
+                <a:ea typeface="微软雅黑" panose="020B0503020204020204" pitchFamily="34" charset="-122"/>
+              </a:rPr>
+              <a:t>(</a:t>
+            </a:r>
+            <a:r>
+              <a:rPr lang="en-US" altLang="zh-CN" sz="1200" dirty="0" err="1">
+                <a:solidFill>
+                  <a:srgbClr val="92D050"/>
+                </a:solidFill>
+                <a:latin typeface="微软雅黑" panose="020B0503020204020204" pitchFamily="34" charset="-122"/>
+                <a:ea typeface="微软雅黑" panose="020B0503020204020204" pitchFamily="34" charset="-122"/>
+              </a:rPr>
+              <a:t>gtid_set</a:t>
+            </a:r>
+            <a:r>
+              <a:rPr lang="en-US" altLang="zh-CN" sz="1200" dirty="0">
+                <a:solidFill>
+                  <a:srgbClr val="92D050"/>
+                </a:solidFill>
+                <a:latin typeface="微软雅黑" panose="020B0503020204020204" pitchFamily="34" charset="-122"/>
+                <a:ea typeface="微软雅黑" panose="020B0503020204020204" pitchFamily="34" charset="-122"/>
+              </a:rPr>
+              <a:t>, 1);</a:t>
+            </a:r>
+          </a:p>
+          <a:p>
+            <a:r>
+              <a:rPr lang="en-US" altLang="zh-CN" sz="1200" smtClean="0">
+                <a:solidFill>
+                  <a:srgbClr val="92D050"/>
+                </a:solidFill>
+                <a:latin typeface="微软雅黑" panose="020B0503020204020204" pitchFamily="34" charset="-122"/>
+                <a:ea typeface="微软雅黑" panose="020B0503020204020204" pitchFamily="34" charset="-122"/>
+              </a:rPr>
+              <a:t>	</a:t>
+            </a:r>
+            <a:r>
+              <a:rPr lang="zh-CN" altLang="en-US" sz="1200" smtClean="0">
+                <a:solidFill>
+                  <a:srgbClr val="92D050"/>
+                </a:solidFill>
+                <a:latin typeface="微软雅黑" panose="020B0503020204020204" pitchFamily="34" charset="-122"/>
+                <a:ea typeface="微软雅黑" panose="020B0503020204020204" pitchFamily="34" charset="-122"/>
+              </a:rPr>
+              <a:t>等</a:t>
+            </a:r>
+            <a:r>
+              <a:rPr lang="zh-CN" altLang="en-US" sz="1200" dirty="0" smtClean="0">
+                <a:solidFill>
+                  <a:srgbClr val="92D050"/>
+                </a:solidFill>
+                <a:latin typeface="微软雅黑" panose="020B0503020204020204" pitchFamily="34" charset="-122"/>
+                <a:ea typeface="微软雅黑" panose="020B0503020204020204" pitchFamily="34" charset="-122"/>
+              </a:rPr>
+              <a:t>待，直到这个库执行的事务中包含传入</a:t>
+            </a:r>
+            <a:r>
+              <a:rPr lang="zh-CN" altLang="en-US" sz="1200" smtClean="0">
+                <a:solidFill>
+                  <a:srgbClr val="92D050"/>
+                </a:solidFill>
+                <a:latin typeface="微软雅黑" panose="020B0503020204020204" pitchFamily="34" charset="-122"/>
+                <a:ea typeface="微软雅黑" panose="020B0503020204020204" pitchFamily="34" charset="-122"/>
+              </a:rPr>
+              <a:t>的</a:t>
+            </a:r>
+            <a:r>
+              <a:rPr lang="en-US" altLang="zh-CN" sz="1200" smtClean="0">
+                <a:solidFill>
+                  <a:srgbClr val="92D050"/>
+                </a:solidFill>
+                <a:latin typeface="微软雅黑" panose="020B0503020204020204" pitchFamily="34" charset="-122"/>
+                <a:ea typeface="微软雅黑" panose="020B0503020204020204" pitchFamily="34" charset="-122"/>
+              </a:rPr>
+              <a:t>gtid_set</a:t>
+            </a:r>
+            <a:r>
+              <a:rPr lang="zh-CN" altLang="en-US" sz="1200" smtClean="0">
+                <a:solidFill>
+                  <a:srgbClr val="92D050"/>
+                </a:solidFill>
+                <a:latin typeface="微软雅黑" panose="020B0503020204020204" pitchFamily="34" charset="-122"/>
+                <a:ea typeface="微软雅黑" panose="020B0503020204020204" pitchFamily="34" charset="-122"/>
+              </a:rPr>
+              <a:t>返回</a:t>
+            </a:r>
+            <a:r>
+              <a:rPr lang="en-US" altLang="zh-CN" sz="1200" smtClean="0">
+                <a:solidFill>
+                  <a:srgbClr val="92D050"/>
+                </a:solidFill>
+                <a:latin typeface="微软雅黑" panose="020B0503020204020204" pitchFamily="34" charset="-122"/>
+                <a:ea typeface="微软雅黑" panose="020B0503020204020204" pitchFamily="34" charset="-122"/>
+              </a:rPr>
+              <a:t>0</a:t>
+            </a:r>
+            <a:r>
+              <a:rPr lang="zh-CN" altLang="en-US" sz="1200" smtClean="0">
+                <a:solidFill>
+                  <a:srgbClr val="92D050"/>
+                </a:solidFill>
+                <a:latin typeface="微软雅黑" panose="020B0503020204020204" pitchFamily="34" charset="-122"/>
+                <a:ea typeface="微软雅黑" panose="020B0503020204020204" pitchFamily="34" charset="-122"/>
+              </a:rPr>
+              <a:t>，超</a:t>
+            </a:r>
+            <a:r>
+              <a:rPr lang="zh-CN" altLang="en-US" sz="1200" dirty="0" smtClean="0">
+                <a:solidFill>
+                  <a:srgbClr val="92D050"/>
+                </a:solidFill>
+                <a:latin typeface="微软雅黑" panose="020B0503020204020204" pitchFamily="34" charset="-122"/>
+                <a:ea typeface="微软雅黑" panose="020B0503020204020204" pitchFamily="34" charset="-122"/>
+              </a:rPr>
+              <a:t>时返回</a:t>
+            </a:r>
+            <a:r>
+              <a:rPr lang="en-US" altLang="zh-CN" sz="1200" dirty="0" smtClean="0">
+                <a:solidFill>
+                  <a:srgbClr val="92D050"/>
+                </a:solidFill>
+                <a:latin typeface="微软雅黑" panose="020B0503020204020204" pitchFamily="34" charset="-122"/>
+                <a:ea typeface="微软雅黑" panose="020B0503020204020204" pitchFamily="34" charset="-122"/>
+              </a:rPr>
+              <a:t>1</a:t>
+            </a:r>
+          </a:p>
+        </p:txBody>
+      </p:sp>
+      <p:sp>
+        <p:nvSpPr>
+          <p:cNvPr id="85" name="矩形 84"/>
+          <p:cNvSpPr/>
+          <p:nvPr/>
+        </p:nvSpPr>
+        <p:spPr>
+          <a:xfrm>
+            <a:off x="298703" y="3673802"/>
+            <a:ext cx="900066" cy="470052"/>
+          </a:xfrm>
+          <a:prstGeom prst="rect">
+            <a:avLst/>
+          </a:prstGeom>
+          <a:solidFill>
+            <a:srgbClr val="00B050"/>
+          </a:solidFill>
+          <a:ln>
+            <a:noFill/>
+          </a:ln>
+          <a:scene3d>
+            <a:camera prst="orthographicFront"/>
+            <a:lightRig rig="threePt" dir="t"/>
+          </a:scene3d>
+          <a:sp3d>
+            <a:bevelT w="114300" prst="artDeco"/>
+          </a:sp3d>
+        </p:spPr>
+        <p:style>
+          <a:lnRef idx="2">
+            <a:schemeClr val="accent1">
+              <a:shade val="50000"/>
+            </a:schemeClr>
+          </a:lnRef>
+          <a:fillRef idx="1">
+            <a:schemeClr val="accent1"/>
+          </a:fillRef>
+          <a:effectRef idx="0">
+            <a:schemeClr val="accent1"/>
+          </a:effectRef>
+          <a:fontRef idx="minor">
+            <a:schemeClr val="lt1"/>
+          </a:fontRef>
+        </p:style>
+        <p:txBody>
+          <a:bodyPr rtlCol="0" anchor="ctr"/>
+          <a:lstStyle/>
+          <a:p>
+            <a:pPr algn="ctr"/>
+            <a:r>
+              <a:rPr lang="en-US" altLang="zh-CN" sz="1200" dirty="0" smtClean="0">
+                <a:latin typeface="微软雅黑" panose="020B0503020204020204" pitchFamily="34" charset="-122"/>
+                <a:ea typeface="微软雅黑" panose="020B0503020204020204" pitchFamily="34" charset="-122"/>
+              </a:rPr>
+              <a:t>MySQL</a:t>
+            </a:r>
+          </a:p>
+          <a:p>
+            <a:pPr algn="ctr"/>
+            <a:r>
+              <a:rPr lang="en-US" altLang="zh-CN" sz="1200" dirty="0" smtClean="0">
+                <a:latin typeface="微软雅黑" panose="020B0503020204020204" pitchFamily="34" charset="-122"/>
+                <a:ea typeface="微软雅黑" panose="020B0503020204020204" pitchFamily="34" charset="-122"/>
+              </a:rPr>
+              <a:t>A</a:t>
+            </a:r>
+            <a:endParaRPr lang="zh-CN" altLang="en-US" sz="1200" dirty="0">
+              <a:latin typeface="微软雅黑" panose="020B0503020204020204" pitchFamily="34" charset="-122"/>
+              <a:ea typeface="微软雅黑" panose="020B0503020204020204" pitchFamily="34" charset="-122"/>
+            </a:endParaRPr>
+          </a:p>
+        </p:txBody>
+      </p:sp>
+      <p:sp>
+        <p:nvSpPr>
+          <p:cNvPr id="86" name="椭圆 85"/>
+          <p:cNvSpPr/>
+          <p:nvPr/>
+        </p:nvSpPr>
+        <p:spPr>
+          <a:xfrm>
+            <a:off x="906352" y="2759562"/>
+            <a:ext cx="990600" cy="451873"/>
+          </a:xfrm>
+          <a:prstGeom prst="ellipse">
+            <a:avLst/>
+          </a:prstGeom>
+          <a:solidFill>
+            <a:srgbClr val="00B0F0"/>
+          </a:solidFill>
+          <a:ln>
+            <a:noFill/>
+          </a:ln>
+          <a:scene3d>
+            <a:camera prst="orthographicFront"/>
+            <a:lightRig rig="threePt" dir="t"/>
+          </a:scene3d>
+          <a:sp3d>
+            <a:bevelT w="114300" prst="artDeco"/>
+          </a:sp3d>
+        </p:spPr>
+        <p:style>
+          <a:lnRef idx="2">
+            <a:schemeClr val="accent1">
+              <a:shade val="50000"/>
+            </a:schemeClr>
+          </a:lnRef>
+          <a:fillRef idx="1">
+            <a:schemeClr val="accent1"/>
+          </a:fillRef>
+          <a:effectRef idx="0">
+            <a:schemeClr val="accent1"/>
+          </a:effectRef>
+          <a:fontRef idx="minor">
+            <a:schemeClr val="lt1"/>
+          </a:fontRef>
+        </p:style>
+        <p:txBody>
+          <a:bodyPr rtlCol="0" anchor="ctr"/>
+          <a:lstStyle/>
+          <a:p>
+            <a:pPr algn="ctr"/>
+            <a:r>
+              <a:rPr lang="en-US" altLang="zh-CN" sz="1400" dirty="0" smtClean="0">
+                <a:latin typeface="微软雅黑" panose="020B0503020204020204" pitchFamily="34" charset="-122"/>
+                <a:ea typeface="微软雅黑" panose="020B0503020204020204" pitchFamily="34" charset="-122"/>
+              </a:rPr>
+              <a:t>client</a:t>
+            </a:r>
+            <a:endParaRPr lang="zh-CN" altLang="en-US" sz="1400" dirty="0">
+              <a:latin typeface="微软雅黑" panose="020B0503020204020204" pitchFamily="34" charset="-122"/>
+              <a:ea typeface="微软雅黑" panose="020B0503020204020204" pitchFamily="34" charset="-122"/>
+            </a:endParaRPr>
+          </a:p>
+        </p:txBody>
+      </p:sp>
+      <p:cxnSp>
+        <p:nvCxnSpPr>
+          <p:cNvPr id="87" name="直接箭头连接符 86"/>
+          <p:cNvCxnSpPr>
+            <a:stCxn id="86" idx="3"/>
+            <a:endCxn id="85" idx="0"/>
+          </p:cNvCxnSpPr>
+          <p:nvPr/>
+        </p:nvCxnSpPr>
+        <p:spPr>
+          <a:xfrm flipH="1">
+            <a:off x="748736" y="3145260"/>
+            <a:ext cx="302686" cy="528542"/>
+          </a:xfrm>
+          <a:prstGeom prst="straightConnector1">
+            <a:avLst/>
+          </a:prstGeom>
+          <a:ln>
+            <a:solidFill>
+              <a:srgbClr val="FFFF00"/>
+            </a:solidFill>
+            <a:tailEnd type="triangle"/>
+          </a:ln>
+        </p:spPr>
+        <p:style>
+          <a:lnRef idx="1">
+            <a:schemeClr val="accent1"/>
+          </a:lnRef>
+          <a:fillRef idx="0">
+            <a:schemeClr val="accent1"/>
+          </a:fillRef>
+          <a:effectRef idx="0">
+            <a:schemeClr val="accent1"/>
+          </a:effectRef>
+          <a:fontRef idx="minor">
+            <a:schemeClr val="tx1"/>
+          </a:fontRef>
+        </p:style>
+      </p:cxnSp>
+      <p:sp>
+        <p:nvSpPr>
+          <p:cNvPr id="88" name="矩形 87"/>
+          <p:cNvSpPr/>
+          <p:nvPr/>
+        </p:nvSpPr>
+        <p:spPr>
+          <a:xfrm>
+            <a:off x="2273807" y="3673802"/>
+            <a:ext cx="900066" cy="470052"/>
+          </a:xfrm>
+          <a:prstGeom prst="rect">
+            <a:avLst/>
+          </a:prstGeom>
+          <a:solidFill>
+            <a:srgbClr val="00B050"/>
+          </a:solidFill>
+          <a:ln>
+            <a:noFill/>
+          </a:ln>
+          <a:scene3d>
+            <a:camera prst="orthographicFront"/>
+            <a:lightRig rig="threePt" dir="t"/>
+          </a:scene3d>
+          <a:sp3d>
+            <a:bevelT w="114300" prst="artDeco"/>
+          </a:sp3d>
+        </p:spPr>
+        <p:style>
+          <a:lnRef idx="2">
+            <a:schemeClr val="accent1">
+              <a:shade val="50000"/>
+            </a:schemeClr>
+          </a:lnRef>
+          <a:fillRef idx="1">
+            <a:schemeClr val="accent1"/>
+          </a:fillRef>
+          <a:effectRef idx="0">
+            <a:schemeClr val="accent1"/>
+          </a:effectRef>
+          <a:fontRef idx="minor">
+            <a:schemeClr val="lt1"/>
+          </a:fontRef>
+        </p:style>
+        <p:txBody>
+          <a:bodyPr rtlCol="0" anchor="ctr"/>
+          <a:lstStyle/>
+          <a:p>
+            <a:pPr algn="ctr"/>
+            <a:r>
+              <a:rPr lang="en-US" altLang="zh-CN" sz="1200" dirty="0" smtClean="0">
+                <a:latin typeface="微软雅黑" panose="020B0503020204020204" pitchFamily="34" charset="-122"/>
+                <a:ea typeface="微软雅黑" panose="020B0503020204020204" pitchFamily="34" charset="-122"/>
+              </a:rPr>
+              <a:t>MySQL</a:t>
+            </a:r>
+          </a:p>
+          <a:p>
+            <a:pPr algn="ctr"/>
+            <a:r>
+              <a:rPr lang="en-US" altLang="zh-CN" sz="1200" dirty="0">
+                <a:latin typeface="微软雅黑" panose="020B0503020204020204" pitchFamily="34" charset="-122"/>
+                <a:ea typeface="微软雅黑" panose="020B0503020204020204" pitchFamily="34" charset="-122"/>
+              </a:rPr>
+              <a:t>B</a:t>
+            </a:r>
+            <a:endParaRPr lang="zh-CN" altLang="en-US" sz="1200" dirty="0">
+              <a:latin typeface="微软雅黑" panose="020B0503020204020204" pitchFamily="34" charset="-122"/>
+              <a:ea typeface="微软雅黑" panose="020B0503020204020204" pitchFamily="34" charset="-122"/>
+            </a:endParaRPr>
+          </a:p>
+        </p:txBody>
+      </p:sp>
+      <p:cxnSp>
+        <p:nvCxnSpPr>
+          <p:cNvPr id="89" name="直接箭头连接符 88"/>
+          <p:cNvCxnSpPr>
+            <a:stCxn id="85" idx="3"/>
+            <a:endCxn id="88" idx="1"/>
+          </p:cNvCxnSpPr>
+          <p:nvPr/>
+        </p:nvCxnSpPr>
+        <p:spPr>
+          <a:xfrm>
+            <a:off x="1198769" y="3908828"/>
+            <a:ext cx="1075038" cy="0"/>
+          </a:xfrm>
+          <a:prstGeom prst="straightConnector1">
+            <a:avLst/>
+          </a:prstGeom>
+          <a:ln>
+            <a:solidFill>
+              <a:srgbClr val="FFFF00"/>
+            </a:solidFill>
+            <a:tailEnd type="triangle"/>
+          </a:ln>
+        </p:spPr>
+        <p:style>
+          <a:lnRef idx="1">
+            <a:schemeClr val="accent1"/>
+          </a:lnRef>
+          <a:fillRef idx="0">
+            <a:schemeClr val="accent1"/>
+          </a:fillRef>
+          <a:effectRef idx="0">
+            <a:schemeClr val="accent1"/>
+          </a:effectRef>
+          <a:fontRef idx="minor">
+            <a:schemeClr val="tx1"/>
+          </a:fontRef>
+        </p:style>
+      </p:cxnSp>
+      <p:sp>
+        <p:nvSpPr>
+          <p:cNvPr id="90" name="矩形 89"/>
+          <p:cNvSpPr/>
+          <p:nvPr/>
+        </p:nvSpPr>
+        <p:spPr>
+          <a:xfrm>
+            <a:off x="2273807" y="3396803"/>
+            <a:ext cx="864478" cy="276999"/>
+          </a:xfrm>
+          <a:prstGeom prst="rect">
+            <a:avLst/>
+          </a:prstGeom>
+        </p:spPr>
+        <p:txBody>
+          <a:bodyPr wrap="square">
+            <a:spAutoFit/>
+          </a:bodyPr>
+          <a:lstStyle/>
+          <a:p>
+            <a:r>
+              <a:rPr lang="en-US" altLang="zh-CN" sz="1200" dirty="0" err="1" smtClean="0">
+                <a:solidFill>
+                  <a:schemeClr val="accent1">
+                    <a:lumMod val="40000"/>
+                    <a:lumOff val="60000"/>
+                  </a:schemeClr>
+                </a:solidFill>
+                <a:latin typeface="微软雅黑" panose="020B0503020204020204" pitchFamily="34" charset="-122"/>
+                <a:ea typeface="微软雅黑" panose="020B0503020204020204" pitchFamily="34" charset="-122"/>
+              </a:rPr>
+              <a:t>Readonly</a:t>
+            </a:r>
+            <a:endParaRPr lang="en-US" altLang="zh-CN" sz="1200" dirty="0" smtClean="0">
+              <a:solidFill>
+                <a:schemeClr val="accent1">
+                  <a:lumMod val="40000"/>
+                  <a:lumOff val="60000"/>
+                </a:schemeClr>
+              </a:solidFill>
+              <a:latin typeface="微软雅黑" panose="020B0503020204020204" pitchFamily="34" charset="-122"/>
+              <a:ea typeface="微软雅黑" panose="020B0503020204020204" pitchFamily="34" charset="-122"/>
+            </a:endParaRPr>
+          </a:p>
+        </p:txBody>
+      </p:sp>
+      <p:cxnSp>
+        <p:nvCxnSpPr>
+          <p:cNvPr id="91" name="直接箭头连接符 90"/>
+          <p:cNvCxnSpPr/>
+          <p:nvPr/>
+        </p:nvCxnSpPr>
+        <p:spPr>
+          <a:xfrm flipH="1">
+            <a:off x="1198769" y="4006271"/>
+            <a:ext cx="1075038" cy="14817"/>
+          </a:xfrm>
+          <a:prstGeom prst="straightConnector1">
+            <a:avLst/>
+          </a:prstGeom>
+          <a:ln>
+            <a:solidFill>
+              <a:srgbClr val="FFFF00"/>
+            </a:solidFill>
+            <a:tailEnd type="triangle"/>
+          </a:ln>
+        </p:spPr>
+        <p:style>
+          <a:lnRef idx="1">
+            <a:schemeClr val="accent1"/>
+          </a:lnRef>
+          <a:fillRef idx="0">
+            <a:schemeClr val="accent1"/>
+          </a:fillRef>
+          <a:effectRef idx="0">
+            <a:schemeClr val="accent1"/>
+          </a:effectRef>
+          <a:fontRef idx="minor">
+            <a:schemeClr val="tx1"/>
+          </a:fontRef>
+        </p:style>
+      </p:cxnSp>
+      <p:sp>
+        <p:nvSpPr>
+          <p:cNvPr id="92" name="圆角矩形 91"/>
+          <p:cNvSpPr/>
+          <p:nvPr/>
+        </p:nvSpPr>
+        <p:spPr>
+          <a:xfrm>
+            <a:off x="5268128" y="4228397"/>
+            <a:ext cx="768350" cy="755650"/>
+          </a:xfrm>
+          <a:prstGeom prst="roundRect">
+            <a:avLst/>
+          </a:prstGeom>
+          <a:noFill/>
+        </p:spPr>
+        <p:style>
+          <a:lnRef idx="2">
+            <a:schemeClr val="accent1">
+              <a:shade val="50000"/>
+            </a:schemeClr>
+          </a:lnRef>
+          <a:fillRef idx="1">
+            <a:schemeClr val="accent1"/>
+          </a:fillRef>
+          <a:effectRef idx="0">
+            <a:schemeClr val="accent1"/>
+          </a:effectRef>
+          <a:fontRef idx="minor">
+            <a:schemeClr val="lt1"/>
+          </a:fontRef>
+        </p:style>
+        <p:txBody>
+          <a:bodyPr rtlCol="0" anchor="ctr"/>
+          <a:lstStyle/>
+          <a:p>
+            <a:pPr algn="ctr"/>
+            <a:r>
+              <a:rPr lang="en-US" altLang="zh-CN" sz="900">
+                <a:latin typeface="微软雅黑" panose="020B0503020204020204" pitchFamily="34" charset="-122"/>
+                <a:ea typeface="微软雅黑" panose="020B0503020204020204" pitchFamily="34" charset="-122"/>
+              </a:rPr>
+              <a:t>relay log</a:t>
+            </a:r>
+          </a:p>
+          <a:p>
+            <a:pPr algn="ctr"/>
+            <a:r>
+              <a:rPr lang="en-US" altLang="zh-CN" sz="900">
+                <a:latin typeface="微软雅黑" panose="020B0503020204020204" pitchFamily="34" charset="-122"/>
+                <a:ea typeface="微软雅黑" panose="020B0503020204020204" pitchFamily="34" charset="-122"/>
+              </a:rPr>
+              <a:t>trx 1</a:t>
+            </a:r>
+            <a:endParaRPr lang="en-US" altLang="zh-CN" sz="900" dirty="0" smtClean="0">
+              <a:latin typeface="微软雅黑" panose="020B0503020204020204" pitchFamily="34" charset="-122"/>
+              <a:ea typeface="微软雅黑" panose="020B0503020204020204" pitchFamily="34" charset="-122"/>
+            </a:endParaRPr>
+          </a:p>
+        </p:txBody>
+      </p:sp>
+      <p:sp>
+        <p:nvSpPr>
+          <p:cNvPr id="93" name="圆角矩形 92"/>
+          <p:cNvSpPr/>
+          <p:nvPr/>
+        </p:nvSpPr>
+        <p:spPr>
+          <a:xfrm>
+            <a:off x="6207928" y="4228397"/>
+            <a:ext cx="768350" cy="755650"/>
+          </a:xfrm>
+          <a:prstGeom prst="roundRect">
+            <a:avLst/>
+          </a:prstGeom>
+          <a:noFill/>
+        </p:spPr>
+        <p:style>
+          <a:lnRef idx="2">
+            <a:schemeClr val="accent1">
+              <a:shade val="50000"/>
+            </a:schemeClr>
+          </a:lnRef>
+          <a:fillRef idx="1">
+            <a:schemeClr val="accent1"/>
+          </a:fillRef>
+          <a:effectRef idx="0">
+            <a:schemeClr val="accent1"/>
+          </a:effectRef>
+          <a:fontRef idx="minor">
+            <a:schemeClr val="lt1"/>
+          </a:fontRef>
+        </p:style>
+        <p:txBody>
+          <a:bodyPr rtlCol="0" anchor="ctr"/>
+          <a:lstStyle/>
+          <a:p>
+            <a:pPr algn="ctr"/>
+            <a:r>
+              <a:rPr lang="en-US" altLang="zh-CN" sz="900" dirty="0" smtClean="0">
+                <a:latin typeface="微软雅黑" panose="020B0503020204020204" pitchFamily="34" charset="-122"/>
+                <a:ea typeface="微软雅黑" panose="020B0503020204020204" pitchFamily="34" charset="-122"/>
+              </a:rPr>
+              <a:t>bin </a:t>
+            </a:r>
+            <a:r>
+              <a:rPr lang="en-US" altLang="zh-CN" sz="900" dirty="0">
+                <a:latin typeface="微软雅黑" panose="020B0503020204020204" pitchFamily="34" charset="-122"/>
+                <a:ea typeface="微软雅黑" panose="020B0503020204020204" pitchFamily="34" charset="-122"/>
+              </a:rPr>
+              <a:t>log</a:t>
+            </a:r>
+          </a:p>
+          <a:p>
+            <a:pPr algn="ctr"/>
+            <a:r>
+              <a:rPr lang="en-US" altLang="zh-CN" sz="900" dirty="0" err="1">
+                <a:latin typeface="微软雅黑" panose="020B0503020204020204" pitchFamily="34" charset="-122"/>
+                <a:ea typeface="微软雅黑" panose="020B0503020204020204" pitchFamily="34" charset="-122"/>
+              </a:rPr>
+              <a:t>trx</a:t>
+            </a:r>
+            <a:r>
+              <a:rPr lang="en-US" altLang="zh-CN" sz="900" dirty="0">
+                <a:latin typeface="微软雅黑" panose="020B0503020204020204" pitchFamily="34" charset="-122"/>
+                <a:ea typeface="微软雅黑" panose="020B0503020204020204" pitchFamily="34" charset="-122"/>
+              </a:rPr>
+              <a:t> 1</a:t>
+            </a:r>
+          </a:p>
+          <a:p>
+            <a:pPr algn="ctr"/>
+            <a:endParaRPr lang="en-US" altLang="zh-CN" sz="900" dirty="0" smtClean="0">
+              <a:latin typeface="微软雅黑" panose="020B0503020204020204" pitchFamily="34" charset="-122"/>
+              <a:ea typeface="微软雅黑" panose="020B0503020204020204" pitchFamily="34" charset="-122"/>
+            </a:endParaRPr>
+          </a:p>
+        </p:txBody>
+      </p:sp>
+      <p:sp>
+        <p:nvSpPr>
+          <p:cNvPr id="94" name="圆角矩形 93"/>
+          <p:cNvSpPr/>
+          <p:nvPr/>
+        </p:nvSpPr>
+        <p:spPr>
+          <a:xfrm>
+            <a:off x="364561" y="4294571"/>
+            <a:ext cx="768350" cy="755650"/>
+          </a:xfrm>
+          <a:prstGeom prst="roundRect">
+            <a:avLst/>
+          </a:prstGeom>
+          <a:noFill/>
+        </p:spPr>
+        <p:style>
+          <a:lnRef idx="2">
+            <a:schemeClr val="accent1">
+              <a:shade val="50000"/>
+            </a:schemeClr>
+          </a:lnRef>
+          <a:fillRef idx="1">
+            <a:schemeClr val="accent1"/>
+          </a:fillRef>
+          <a:effectRef idx="0">
+            <a:schemeClr val="accent1"/>
+          </a:effectRef>
+          <a:fontRef idx="minor">
+            <a:schemeClr val="lt1"/>
+          </a:fontRef>
+        </p:style>
+        <p:txBody>
+          <a:bodyPr rtlCol="0" anchor="ctr"/>
+          <a:lstStyle/>
+          <a:p>
+            <a:pPr algn="ctr"/>
+            <a:r>
+              <a:rPr lang="en-US" altLang="zh-CN" sz="900" dirty="0" smtClean="0">
+                <a:latin typeface="微软雅黑" panose="020B0503020204020204" pitchFamily="34" charset="-122"/>
+                <a:ea typeface="微软雅黑" panose="020B0503020204020204" pitchFamily="34" charset="-122"/>
+              </a:rPr>
+              <a:t>bin log</a:t>
+            </a:r>
+          </a:p>
+          <a:p>
+            <a:pPr algn="ctr"/>
+            <a:r>
+              <a:rPr lang="en-US" altLang="zh-CN" sz="900" dirty="0" err="1" smtClean="0">
+                <a:latin typeface="微软雅黑" panose="020B0503020204020204" pitchFamily="34" charset="-122"/>
+                <a:ea typeface="微软雅黑" panose="020B0503020204020204" pitchFamily="34" charset="-122"/>
+              </a:rPr>
+              <a:t>trx</a:t>
+            </a:r>
+            <a:r>
+              <a:rPr lang="en-US" altLang="zh-CN" sz="900" dirty="0" smtClean="0">
+                <a:latin typeface="微软雅黑" panose="020B0503020204020204" pitchFamily="34" charset="-122"/>
+                <a:ea typeface="微软雅黑" panose="020B0503020204020204" pitchFamily="34" charset="-122"/>
+              </a:rPr>
+              <a:t> 1</a:t>
+            </a:r>
+          </a:p>
+          <a:p>
+            <a:pPr algn="ctr"/>
+            <a:r>
+              <a:rPr lang="en-US" altLang="zh-CN" sz="900" dirty="0" err="1" smtClean="0">
+                <a:latin typeface="微软雅黑" panose="020B0503020204020204" pitchFamily="34" charset="-122"/>
+                <a:ea typeface="微软雅黑" panose="020B0503020204020204" pitchFamily="34" charset="-122"/>
+              </a:rPr>
+              <a:t>trx</a:t>
+            </a:r>
+            <a:r>
+              <a:rPr lang="en-US" altLang="zh-CN" sz="900" dirty="0" smtClean="0">
+                <a:latin typeface="微软雅黑" panose="020B0503020204020204" pitchFamily="34" charset="-122"/>
+                <a:ea typeface="微软雅黑" panose="020B0503020204020204" pitchFamily="34" charset="-122"/>
+              </a:rPr>
+              <a:t> 2</a:t>
+            </a:r>
+          </a:p>
+          <a:p>
+            <a:pPr algn="ctr"/>
+            <a:r>
+              <a:rPr lang="en-US" altLang="zh-CN" sz="900" dirty="0" err="1" smtClean="0">
+                <a:latin typeface="微软雅黑" panose="020B0503020204020204" pitchFamily="34" charset="-122"/>
+                <a:ea typeface="微软雅黑" panose="020B0503020204020204" pitchFamily="34" charset="-122"/>
+              </a:rPr>
+              <a:t>trx</a:t>
+            </a:r>
+            <a:r>
+              <a:rPr lang="en-US" altLang="zh-CN" sz="900" dirty="0" smtClean="0">
+                <a:latin typeface="微软雅黑" panose="020B0503020204020204" pitchFamily="34" charset="-122"/>
+                <a:ea typeface="微软雅黑" panose="020B0503020204020204" pitchFamily="34" charset="-122"/>
+              </a:rPr>
+              <a:t> 3</a:t>
+            </a:r>
+            <a:endParaRPr lang="zh-CN" altLang="en-US" sz="900" dirty="0">
+              <a:latin typeface="微软雅黑" panose="020B0503020204020204" pitchFamily="34" charset="-122"/>
+              <a:ea typeface="微软雅黑" panose="020B0503020204020204" pitchFamily="34" charset="-122"/>
+            </a:endParaRPr>
+          </a:p>
+        </p:txBody>
+      </p:sp>
+      <p:sp>
+        <p:nvSpPr>
+          <p:cNvPr id="95" name="矩形 94"/>
+          <p:cNvSpPr/>
+          <p:nvPr/>
+        </p:nvSpPr>
+        <p:spPr>
+          <a:xfrm>
+            <a:off x="6093629" y="1279079"/>
+            <a:ext cx="5668381" cy="646331"/>
+          </a:xfrm>
+          <a:prstGeom prst="rect">
+            <a:avLst/>
+          </a:prstGeom>
+        </p:spPr>
+        <p:txBody>
+          <a:bodyPr wrap="square">
+            <a:spAutoFit/>
+          </a:bodyPr>
+          <a:lstStyle/>
+          <a:p>
+            <a:r>
+              <a:rPr lang="zh-CN" altLang="en-US" sz="1200" dirty="0" smtClean="0">
+                <a:solidFill>
+                  <a:srgbClr val="92D050"/>
+                </a:solidFill>
+                <a:latin typeface="微软雅黑" panose="020B0503020204020204" pitchFamily="34" charset="-122"/>
+                <a:ea typeface="微软雅黑" panose="020B0503020204020204" pitchFamily="34" charset="-122"/>
+              </a:rPr>
+              <a:t>在</a:t>
+            </a:r>
+            <a:r>
+              <a:rPr lang="en-US" altLang="zh-CN" sz="1200" dirty="0" err="1" smtClean="0">
+                <a:solidFill>
+                  <a:srgbClr val="92D050"/>
+                </a:solidFill>
+                <a:latin typeface="微软雅黑" panose="020B0503020204020204" pitchFamily="34" charset="-122"/>
+                <a:ea typeface="微软雅黑" panose="020B0503020204020204" pitchFamily="34" charset="-122"/>
+              </a:rPr>
+              <a:t>mysql</a:t>
+            </a:r>
+            <a:r>
+              <a:rPr lang="en-US" altLang="zh-CN" sz="1200" dirty="0" smtClean="0">
+                <a:solidFill>
+                  <a:srgbClr val="92D050"/>
+                </a:solidFill>
+                <a:latin typeface="微软雅黑" panose="020B0503020204020204" pitchFamily="34" charset="-122"/>
+                <a:ea typeface="微软雅黑" panose="020B0503020204020204" pitchFamily="34" charset="-122"/>
+              </a:rPr>
+              <a:t> 5.7.6</a:t>
+            </a:r>
+            <a:r>
+              <a:rPr lang="zh-CN" altLang="en-US" sz="1200" dirty="0" smtClean="0">
+                <a:solidFill>
+                  <a:srgbClr val="92D050"/>
+                </a:solidFill>
+                <a:latin typeface="微软雅黑" panose="020B0503020204020204" pitchFamily="34" charset="-122"/>
+                <a:ea typeface="微软雅黑" panose="020B0503020204020204" pitchFamily="34" charset="-122"/>
+              </a:rPr>
+              <a:t>，无需额外执行</a:t>
+            </a:r>
+            <a:r>
+              <a:rPr lang="en-US" altLang="zh-CN" sz="1200" dirty="0" smtClean="0">
+                <a:solidFill>
+                  <a:srgbClr val="92D050"/>
+                </a:solidFill>
+                <a:latin typeface="微软雅黑" panose="020B0503020204020204" pitchFamily="34" charset="-122"/>
+                <a:ea typeface="微软雅黑" panose="020B0503020204020204" pitchFamily="34" charset="-122"/>
+              </a:rPr>
+              <a:t>show master status</a:t>
+            </a:r>
+            <a:r>
+              <a:rPr lang="zh-CN" altLang="en-US" sz="1200" dirty="0" smtClean="0">
+                <a:solidFill>
+                  <a:srgbClr val="92D050"/>
+                </a:solidFill>
+                <a:latin typeface="微软雅黑" panose="020B0503020204020204" pitchFamily="34" charset="-122"/>
+                <a:ea typeface="微软雅黑" panose="020B0503020204020204" pitchFamily="34" charset="-122"/>
+              </a:rPr>
+              <a:t>就可以拿到事务的</a:t>
+            </a:r>
+            <a:r>
+              <a:rPr lang="en-US" altLang="zh-CN" sz="1200" dirty="0" smtClean="0">
+                <a:solidFill>
+                  <a:srgbClr val="92D050"/>
+                </a:solidFill>
+                <a:latin typeface="微软雅黑" panose="020B0503020204020204" pitchFamily="34" charset="-122"/>
+                <a:ea typeface="微软雅黑" panose="020B0503020204020204" pitchFamily="34" charset="-122"/>
+              </a:rPr>
+              <a:t>GTID(</a:t>
+            </a:r>
+            <a:r>
+              <a:rPr lang="en-US" altLang="zh-CN" sz="1200" dirty="0" err="1" smtClean="0">
+                <a:solidFill>
+                  <a:srgbClr val="92D050"/>
+                </a:solidFill>
+                <a:latin typeface="微软雅黑" panose="020B0503020204020204" pitchFamily="34" charset="-122"/>
+                <a:ea typeface="微软雅黑" panose="020B0503020204020204" pitchFamily="34" charset="-122"/>
+              </a:rPr>
+              <a:t>mysql_session_track_get_first</a:t>
+            </a:r>
+            <a:r>
+              <a:rPr lang="en-US" altLang="zh-CN" sz="1200" dirty="0" smtClean="0">
+                <a:solidFill>
+                  <a:srgbClr val="92D050"/>
+                </a:solidFill>
+                <a:latin typeface="微软雅黑" panose="020B0503020204020204" pitchFamily="34" charset="-122"/>
+                <a:ea typeface="微软雅黑" panose="020B0503020204020204" pitchFamily="34" charset="-122"/>
+              </a:rPr>
+              <a:t>)</a:t>
+            </a:r>
+            <a:r>
+              <a:rPr lang="zh-CN" altLang="en-US" sz="1200" dirty="0" smtClean="0">
+                <a:solidFill>
+                  <a:srgbClr val="92D050"/>
+                </a:solidFill>
+                <a:latin typeface="微软雅黑" panose="020B0503020204020204" pitchFamily="34" charset="-122"/>
+                <a:ea typeface="微软雅黑" panose="020B0503020204020204" pitchFamily="34" charset="-122"/>
+              </a:rPr>
+              <a:t>。</a:t>
+            </a:r>
+            <a:endParaRPr lang="en-US" altLang="zh-CN" sz="1200" dirty="0" smtClean="0">
+              <a:solidFill>
+                <a:srgbClr val="92D050"/>
+              </a:solidFill>
+              <a:latin typeface="微软雅黑" panose="020B0503020204020204" pitchFamily="34" charset="-122"/>
+              <a:ea typeface="微软雅黑" panose="020B0503020204020204" pitchFamily="34" charset="-122"/>
+            </a:endParaRPr>
+          </a:p>
+          <a:p>
+            <a:r>
+              <a:rPr lang="zh-CN" altLang="en-US" sz="1200" dirty="0" smtClean="0">
+                <a:solidFill>
+                  <a:srgbClr val="92D050"/>
+                </a:solidFill>
+                <a:latin typeface="微软雅黑" panose="020B0503020204020204" pitchFamily="34" charset="-122"/>
+                <a:ea typeface="微软雅黑" panose="020B0503020204020204" pitchFamily="34" charset="-122"/>
+              </a:rPr>
+              <a:t>然后拿着它去备库</a:t>
+            </a:r>
+            <a:r>
+              <a:rPr lang="zh-CN" altLang="en-US" sz="1200" smtClean="0">
+                <a:solidFill>
+                  <a:srgbClr val="92D050"/>
+                </a:solidFill>
+                <a:latin typeface="微软雅黑" panose="020B0503020204020204" pitchFamily="34" charset="-122"/>
+                <a:ea typeface="微软雅黑" panose="020B0503020204020204" pitchFamily="34" charset="-122"/>
+              </a:rPr>
+              <a:t>上</a:t>
+            </a:r>
+            <a:r>
+              <a:rPr lang="zh-CN" altLang="en-US" sz="1200" smtClean="0">
+                <a:solidFill>
+                  <a:srgbClr val="92D050"/>
+                </a:solidFill>
+                <a:latin typeface="微软雅黑" panose="020B0503020204020204" pitchFamily="34" charset="-122"/>
+                <a:ea typeface="微软雅黑" panose="020B0503020204020204" pitchFamily="34" charset="-122"/>
+              </a:rPr>
+              <a:t>去执行</a:t>
+            </a:r>
+            <a:r>
+              <a:rPr lang="en-US" altLang="zh-CN" sz="1200">
+                <a:solidFill>
+                  <a:srgbClr val="92D050"/>
+                </a:solidFill>
+                <a:latin typeface="微软雅黑" panose="020B0503020204020204" pitchFamily="34" charset="-122"/>
+                <a:ea typeface="微软雅黑" panose="020B0503020204020204" pitchFamily="34" charset="-122"/>
+              </a:rPr>
+              <a:t>select </a:t>
+            </a:r>
+            <a:r>
+              <a:rPr lang="en-US" altLang="zh-CN" sz="1200" smtClean="0">
+                <a:solidFill>
+                  <a:srgbClr val="92D050"/>
+                </a:solidFill>
+                <a:latin typeface="微软雅黑" panose="020B0503020204020204" pitchFamily="34" charset="-122"/>
+                <a:ea typeface="微软雅黑" panose="020B0503020204020204" pitchFamily="34" charset="-122"/>
+              </a:rPr>
+              <a:t>wait_for_executed_gtid_set </a:t>
+            </a:r>
+            <a:r>
+              <a:rPr lang="zh-CN" altLang="en-US" sz="1200" smtClean="0">
+                <a:solidFill>
+                  <a:srgbClr val="92D050"/>
+                </a:solidFill>
+                <a:latin typeface="微软雅黑" panose="020B0503020204020204" pitchFamily="34" charset="-122"/>
+                <a:ea typeface="微软雅黑" panose="020B0503020204020204" pitchFamily="34" charset="-122"/>
+              </a:rPr>
+              <a:t>。</a:t>
+            </a:r>
+            <a:endParaRPr lang="en-US" altLang="zh-CN" sz="1200" dirty="0" smtClean="0">
+              <a:solidFill>
+                <a:srgbClr val="92D050"/>
+              </a:solidFill>
+              <a:latin typeface="微软雅黑" panose="020B0503020204020204" pitchFamily="34" charset="-122"/>
+              <a:ea typeface="微软雅黑" panose="020B0503020204020204" pitchFamily="34" charset="-122"/>
+            </a:endParaRPr>
+          </a:p>
+        </p:txBody>
+      </p:sp>
+      <p:sp>
+        <p:nvSpPr>
+          <p:cNvPr id="96" name="矩形 95"/>
+          <p:cNvSpPr/>
+          <p:nvPr/>
+        </p:nvSpPr>
+        <p:spPr>
+          <a:xfrm>
+            <a:off x="114299" y="3154988"/>
+            <a:ext cx="1302409" cy="307777"/>
+          </a:xfrm>
+          <a:prstGeom prst="rect">
+            <a:avLst/>
+          </a:prstGeom>
+        </p:spPr>
+        <p:txBody>
+          <a:bodyPr wrap="square">
+            <a:spAutoFit/>
+          </a:bodyPr>
+          <a:lstStyle/>
+          <a:p>
+            <a:r>
+              <a:rPr lang="en-US" altLang="zh-CN" sz="1400" dirty="0" smtClean="0">
+                <a:solidFill>
+                  <a:srgbClr val="FFFF00"/>
+                </a:solidFill>
+                <a:latin typeface="微软雅黑" panose="020B0503020204020204" pitchFamily="34" charset="-122"/>
+                <a:ea typeface="微软雅黑" panose="020B0503020204020204" pitchFamily="34" charset="-122"/>
+              </a:rPr>
+              <a:t>write trx1</a:t>
+            </a:r>
+          </a:p>
+        </p:txBody>
+      </p:sp>
+      <p:sp>
+        <p:nvSpPr>
+          <p:cNvPr id="105" name="矩形 104"/>
+          <p:cNvSpPr/>
+          <p:nvPr/>
+        </p:nvSpPr>
+        <p:spPr>
+          <a:xfrm>
+            <a:off x="3677199" y="3673802"/>
+            <a:ext cx="900066" cy="470052"/>
+          </a:xfrm>
+          <a:prstGeom prst="rect">
+            <a:avLst/>
+          </a:prstGeom>
+          <a:solidFill>
+            <a:srgbClr val="00B050"/>
+          </a:solidFill>
+          <a:ln>
+            <a:noFill/>
+          </a:ln>
+          <a:scene3d>
+            <a:camera prst="orthographicFront"/>
+            <a:lightRig rig="threePt" dir="t"/>
+          </a:scene3d>
+          <a:sp3d>
+            <a:bevelT w="114300" prst="artDeco"/>
+          </a:sp3d>
+        </p:spPr>
+        <p:style>
+          <a:lnRef idx="2">
+            <a:schemeClr val="accent1">
+              <a:shade val="50000"/>
+            </a:schemeClr>
+          </a:lnRef>
+          <a:fillRef idx="1">
+            <a:schemeClr val="accent1"/>
+          </a:fillRef>
+          <a:effectRef idx="0">
+            <a:schemeClr val="accent1"/>
+          </a:effectRef>
+          <a:fontRef idx="minor">
+            <a:schemeClr val="lt1"/>
+          </a:fontRef>
+        </p:style>
+        <p:txBody>
+          <a:bodyPr rtlCol="0" anchor="ctr"/>
+          <a:lstStyle/>
+          <a:p>
+            <a:pPr algn="ctr"/>
+            <a:r>
+              <a:rPr lang="en-US" altLang="zh-CN" sz="1200" dirty="0" smtClean="0">
+                <a:latin typeface="微软雅黑" panose="020B0503020204020204" pitchFamily="34" charset="-122"/>
+                <a:ea typeface="微软雅黑" panose="020B0503020204020204" pitchFamily="34" charset="-122"/>
+              </a:rPr>
+              <a:t>MySQL</a:t>
+            </a:r>
+          </a:p>
+          <a:p>
+            <a:pPr algn="ctr"/>
+            <a:r>
+              <a:rPr lang="en-US" altLang="zh-CN" sz="1200" dirty="0" smtClean="0">
+                <a:latin typeface="微软雅黑" panose="020B0503020204020204" pitchFamily="34" charset="-122"/>
+                <a:ea typeface="微软雅黑" panose="020B0503020204020204" pitchFamily="34" charset="-122"/>
+              </a:rPr>
+              <a:t>A</a:t>
+            </a:r>
+            <a:endParaRPr lang="zh-CN" altLang="en-US" sz="1200" dirty="0">
+              <a:latin typeface="微软雅黑" panose="020B0503020204020204" pitchFamily="34" charset="-122"/>
+              <a:ea typeface="微软雅黑" panose="020B0503020204020204" pitchFamily="34" charset="-122"/>
+            </a:endParaRPr>
+          </a:p>
+        </p:txBody>
+      </p:sp>
+      <p:sp>
+        <p:nvSpPr>
+          <p:cNvPr id="106" name="椭圆 105"/>
+          <p:cNvSpPr/>
+          <p:nvPr/>
+        </p:nvSpPr>
+        <p:spPr>
+          <a:xfrm>
+            <a:off x="4284848" y="2759562"/>
+            <a:ext cx="990600" cy="451873"/>
+          </a:xfrm>
+          <a:prstGeom prst="ellipse">
+            <a:avLst/>
+          </a:prstGeom>
+          <a:solidFill>
+            <a:srgbClr val="00B0F0"/>
+          </a:solidFill>
+          <a:ln>
+            <a:noFill/>
+          </a:ln>
+          <a:scene3d>
+            <a:camera prst="orthographicFront"/>
+            <a:lightRig rig="threePt" dir="t"/>
+          </a:scene3d>
+          <a:sp3d>
+            <a:bevelT w="114300" prst="artDeco"/>
+          </a:sp3d>
+        </p:spPr>
+        <p:style>
+          <a:lnRef idx="2">
+            <a:schemeClr val="accent1">
+              <a:shade val="50000"/>
+            </a:schemeClr>
+          </a:lnRef>
+          <a:fillRef idx="1">
+            <a:schemeClr val="accent1"/>
+          </a:fillRef>
+          <a:effectRef idx="0">
+            <a:schemeClr val="accent1"/>
+          </a:effectRef>
+          <a:fontRef idx="minor">
+            <a:schemeClr val="lt1"/>
+          </a:fontRef>
+        </p:style>
+        <p:txBody>
+          <a:bodyPr rtlCol="0" anchor="ctr"/>
+          <a:lstStyle/>
+          <a:p>
+            <a:pPr algn="ctr"/>
+            <a:r>
+              <a:rPr lang="en-US" altLang="zh-CN" sz="1400" dirty="0" smtClean="0">
+                <a:latin typeface="微软雅黑" panose="020B0503020204020204" pitchFamily="34" charset="-122"/>
+                <a:ea typeface="微软雅黑" panose="020B0503020204020204" pitchFamily="34" charset="-122"/>
+              </a:rPr>
+              <a:t>client</a:t>
+            </a:r>
+            <a:endParaRPr lang="zh-CN" altLang="en-US" sz="1400" dirty="0">
+              <a:latin typeface="微软雅黑" panose="020B0503020204020204" pitchFamily="34" charset="-122"/>
+              <a:ea typeface="微软雅黑" panose="020B0503020204020204" pitchFamily="34" charset="-122"/>
+            </a:endParaRPr>
+          </a:p>
+        </p:txBody>
+      </p:sp>
+      <p:cxnSp>
+        <p:nvCxnSpPr>
+          <p:cNvPr id="107" name="直接箭头连接符 106"/>
+          <p:cNvCxnSpPr>
+            <a:stCxn id="106" idx="5"/>
+            <a:endCxn id="108" idx="0"/>
+          </p:cNvCxnSpPr>
+          <p:nvPr/>
+        </p:nvCxnSpPr>
+        <p:spPr>
+          <a:xfrm>
+            <a:off x="5130378" y="3145260"/>
+            <a:ext cx="971958" cy="528542"/>
+          </a:xfrm>
+          <a:prstGeom prst="straightConnector1">
+            <a:avLst/>
+          </a:prstGeom>
+          <a:ln>
+            <a:solidFill>
+              <a:srgbClr val="FFFF00"/>
+            </a:solidFill>
+            <a:tailEnd type="triangle"/>
+          </a:ln>
+        </p:spPr>
+        <p:style>
+          <a:lnRef idx="1">
+            <a:schemeClr val="accent1"/>
+          </a:lnRef>
+          <a:fillRef idx="0">
+            <a:schemeClr val="accent1"/>
+          </a:fillRef>
+          <a:effectRef idx="0">
+            <a:schemeClr val="accent1"/>
+          </a:effectRef>
+          <a:fontRef idx="minor">
+            <a:schemeClr val="tx1"/>
+          </a:fontRef>
+        </p:style>
+      </p:cxnSp>
+      <p:sp>
+        <p:nvSpPr>
+          <p:cNvPr id="108" name="矩形 107"/>
+          <p:cNvSpPr/>
+          <p:nvPr/>
+        </p:nvSpPr>
+        <p:spPr>
+          <a:xfrm>
+            <a:off x="5652303" y="3673802"/>
+            <a:ext cx="900066" cy="470052"/>
+          </a:xfrm>
+          <a:prstGeom prst="rect">
+            <a:avLst/>
+          </a:prstGeom>
+          <a:solidFill>
+            <a:srgbClr val="00B050"/>
+          </a:solidFill>
+          <a:ln>
+            <a:noFill/>
+          </a:ln>
+          <a:scene3d>
+            <a:camera prst="orthographicFront"/>
+            <a:lightRig rig="threePt" dir="t"/>
+          </a:scene3d>
+          <a:sp3d>
+            <a:bevelT w="114300" prst="artDeco"/>
+          </a:sp3d>
+        </p:spPr>
+        <p:style>
+          <a:lnRef idx="2">
+            <a:schemeClr val="accent1">
+              <a:shade val="50000"/>
+            </a:schemeClr>
+          </a:lnRef>
+          <a:fillRef idx="1">
+            <a:schemeClr val="accent1"/>
+          </a:fillRef>
+          <a:effectRef idx="0">
+            <a:schemeClr val="accent1"/>
+          </a:effectRef>
+          <a:fontRef idx="minor">
+            <a:schemeClr val="lt1"/>
+          </a:fontRef>
+        </p:style>
+        <p:txBody>
+          <a:bodyPr rtlCol="0" anchor="ctr"/>
+          <a:lstStyle/>
+          <a:p>
+            <a:pPr algn="ctr"/>
+            <a:r>
+              <a:rPr lang="en-US" altLang="zh-CN" sz="1200" dirty="0" smtClean="0">
+                <a:latin typeface="微软雅黑" panose="020B0503020204020204" pitchFamily="34" charset="-122"/>
+                <a:ea typeface="微软雅黑" panose="020B0503020204020204" pitchFamily="34" charset="-122"/>
+              </a:rPr>
+              <a:t>MySQL</a:t>
+            </a:r>
+          </a:p>
+          <a:p>
+            <a:pPr algn="ctr"/>
+            <a:r>
+              <a:rPr lang="en-US" altLang="zh-CN" sz="1200" dirty="0">
+                <a:latin typeface="微软雅黑" panose="020B0503020204020204" pitchFamily="34" charset="-122"/>
+                <a:ea typeface="微软雅黑" panose="020B0503020204020204" pitchFamily="34" charset="-122"/>
+              </a:rPr>
+              <a:t>B</a:t>
+            </a:r>
+            <a:endParaRPr lang="zh-CN" altLang="en-US" sz="1200" dirty="0">
+              <a:latin typeface="微软雅黑" panose="020B0503020204020204" pitchFamily="34" charset="-122"/>
+              <a:ea typeface="微软雅黑" panose="020B0503020204020204" pitchFamily="34" charset="-122"/>
+            </a:endParaRPr>
+          </a:p>
+        </p:txBody>
+      </p:sp>
+      <p:cxnSp>
+        <p:nvCxnSpPr>
+          <p:cNvPr id="109" name="直接箭头连接符 108"/>
+          <p:cNvCxnSpPr>
+            <a:stCxn id="105" idx="3"/>
+            <a:endCxn id="108" idx="1"/>
+          </p:cNvCxnSpPr>
+          <p:nvPr/>
+        </p:nvCxnSpPr>
+        <p:spPr>
+          <a:xfrm>
+            <a:off x="4577265" y="3908828"/>
+            <a:ext cx="1075038" cy="0"/>
+          </a:xfrm>
+          <a:prstGeom prst="straightConnector1">
+            <a:avLst/>
+          </a:prstGeom>
+          <a:ln>
+            <a:solidFill>
+              <a:srgbClr val="FFFF00"/>
+            </a:solidFill>
+            <a:tailEnd type="triangle"/>
+          </a:ln>
+        </p:spPr>
+        <p:style>
+          <a:lnRef idx="1">
+            <a:schemeClr val="accent1"/>
+          </a:lnRef>
+          <a:fillRef idx="0">
+            <a:schemeClr val="accent1"/>
+          </a:fillRef>
+          <a:effectRef idx="0">
+            <a:schemeClr val="accent1"/>
+          </a:effectRef>
+          <a:fontRef idx="minor">
+            <a:schemeClr val="tx1"/>
+          </a:fontRef>
+        </p:style>
+      </p:cxnSp>
+      <p:sp>
+        <p:nvSpPr>
+          <p:cNvPr id="110" name="矩形 109"/>
+          <p:cNvSpPr/>
+          <p:nvPr/>
+        </p:nvSpPr>
+        <p:spPr>
+          <a:xfrm>
+            <a:off x="5652303" y="3396803"/>
+            <a:ext cx="864478" cy="276999"/>
+          </a:xfrm>
+          <a:prstGeom prst="rect">
+            <a:avLst/>
+          </a:prstGeom>
+        </p:spPr>
+        <p:txBody>
+          <a:bodyPr wrap="square">
+            <a:spAutoFit/>
+          </a:bodyPr>
+          <a:lstStyle/>
+          <a:p>
+            <a:r>
+              <a:rPr lang="en-US" altLang="zh-CN" sz="1200" dirty="0" err="1" smtClean="0">
+                <a:solidFill>
+                  <a:schemeClr val="accent1">
+                    <a:lumMod val="40000"/>
+                    <a:lumOff val="60000"/>
+                  </a:schemeClr>
+                </a:solidFill>
+                <a:latin typeface="微软雅黑" panose="020B0503020204020204" pitchFamily="34" charset="-122"/>
+                <a:ea typeface="微软雅黑" panose="020B0503020204020204" pitchFamily="34" charset="-122"/>
+              </a:rPr>
+              <a:t>Readonly</a:t>
+            </a:r>
+            <a:endParaRPr lang="en-US" altLang="zh-CN" sz="1200" dirty="0" smtClean="0">
+              <a:solidFill>
+                <a:schemeClr val="accent1">
+                  <a:lumMod val="40000"/>
+                  <a:lumOff val="60000"/>
+                </a:schemeClr>
+              </a:solidFill>
+              <a:latin typeface="微软雅黑" panose="020B0503020204020204" pitchFamily="34" charset="-122"/>
+              <a:ea typeface="微软雅黑" panose="020B0503020204020204" pitchFamily="34" charset="-122"/>
+            </a:endParaRPr>
+          </a:p>
+        </p:txBody>
+      </p:sp>
+      <p:cxnSp>
+        <p:nvCxnSpPr>
+          <p:cNvPr id="111" name="直接箭头连接符 110"/>
+          <p:cNvCxnSpPr/>
+          <p:nvPr/>
+        </p:nvCxnSpPr>
+        <p:spPr>
+          <a:xfrm flipH="1">
+            <a:off x="4577265" y="4006271"/>
+            <a:ext cx="1075038" cy="14817"/>
+          </a:xfrm>
+          <a:prstGeom prst="straightConnector1">
+            <a:avLst/>
+          </a:prstGeom>
+          <a:ln>
+            <a:solidFill>
+              <a:srgbClr val="FFFF00"/>
+            </a:solidFill>
+            <a:tailEnd type="triangle"/>
+          </a:ln>
+        </p:spPr>
+        <p:style>
+          <a:lnRef idx="1">
+            <a:schemeClr val="accent1"/>
+          </a:lnRef>
+          <a:fillRef idx="0">
+            <a:schemeClr val="accent1"/>
+          </a:fillRef>
+          <a:effectRef idx="0">
+            <a:schemeClr val="accent1"/>
+          </a:effectRef>
+          <a:fontRef idx="minor">
+            <a:schemeClr val="tx1"/>
+          </a:fontRef>
+        </p:style>
+      </p:cxnSp>
+      <p:sp>
+        <p:nvSpPr>
+          <p:cNvPr id="112" name="矩形 111"/>
+          <p:cNvSpPr/>
+          <p:nvPr/>
+        </p:nvSpPr>
+        <p:spPr>
+          <a:xfrm>
+            <a:off x="5175224" y="3123415"/>
+            <a:ext cx="3184964" cy="307777"/>
+          </a:xfrm>
+          <a:prstGeom prst="rect">
+            <a:avLst/>
+          </a:prstGeom>
+        </p:spPr>
+        <p:txBody>
+          <a:bodyPr wrap="square">
+            <a:spAutoFit/>
+          </a:bodyPr>
+          <a:lstStyle/>
+          <a:p>
+            <a:r>
+              <a:rPr lang="en-US" altLang="zh-CN" sz="1400" dirty="0" smtClean="0">
+                <a:solidFill>
+                  <a:srgbClr val="FFFF00"/>
+                </a:solidFill>
+                <a:latin typeface="微软雅黑" panose="020B0503020204020204" pitchFamily="34" charset="-122"/>
+                <a:ea typeface="微软雅黑" panose="020B0503020204020204" pitchFamily="34" charset="-122"/>
+              </a:rPr>
+              <a:t>select </a:t>
+            </a:r>
+            <a:r>
+              <a:rPr lang="en-US" altLang="zh-CN" sz="1400" dirty="0" err="1" smtClean="0">
+                <a:solidFill>
+                  <a:srgbClr val="FFFF00"/>
+                </a:solidFill>
+                <a:latin typeface="微软雅黑" panose="020B0503020204020204" pitchFamily="34" charset="-122"/>
+                <a:ea typeface="微软雅黑" panose="020B0503020204020204" pitchFamily="34" charset="-122"/>
+              </a:rPr>
+              <a:t>wait_for_executed_gtid_set</a:t>
+            </a:r>
+            <a:endParaRPr lang="en-US" altLang="zh-CN" sz="1400" dirty="0" smtClean="0">
+              <a:solidFill>
+                <a:srgbClr val="FFFF00"/>
+              </a:solidFill>
+              <a:latin typeface="微软雅黑" panose="020B0503020204020204" pitchFamily="34" charset="-122"/>
+              <a:ea typeface="微软雅黑" panose="020B0503020204020204" pitchFamily="34" charset="-122"/>
+            </a:endParaRPr>
+          </a:p>
+        </p:txBody>
+      </p:sp>
+      <p:sp>
+        <p:nvSpPr>
+          <p:cNvPr id="113" name="圆角矩形 112"/>
+          <p:cNvSpPr/>
+          <p:nvPr/>
+        </p:nvSpPr>
+        <p:spPr>
+          <a:xfrm>
+            <a:off x="9972398" y="4171950"/>
+            <a:ext cx="768350" cy="755650"/>
+          </a:xfrm>
+          <a:prstGeom prst="roundRect">
+            <a:avLst/>
+          </a:prstGeom>
+          <a:noFill/>
+        </p:spPr>
+        <p:style>
+          <a:lnRef idx="2">
+            <a:schemeClr val="accent1">
+              <a:shade val="50000"/>
+            </a:schemeClr>
+          </a:lnRef>
+          <a:fillRef idx="1">
+            <a:schemeClr val="accent1"/>
+          </a:fillRef>
+          <a:effectRef idx="0">
+            <a:schemeClr val="accent1"/>
+          </a:effectRef>
+          <a:fontRef idx="minor">
+            <a:schemeClr val="lt1"/>
+          </a:fontRef>
+        </p:style>
+        <p:txBody>
+          <a:bodyPr rtlCol="0" anchor="ctr"/>
+          <a:lstStyle/>
+          <a:p>
+            <a:pPr algn="ctr"/>
+            <a:r>
+              <a:rPr lang="en-US" altLang="zh-CN" sz="900">
+                <a:latin typeface="微软雅黑" panose="020B0503020204020204" pitchFamily="34" charset="-122"/>
+                <a:ea typeface="微软雅黑" panose="020B0503020204020204" pitchFamily="34" charset="-122"/>
+              </a:rPr>
+              <a:t>relay log</a:t>
+            </a:r>
+          </a:p>
+          <a:p>
+            <a:pPr algn="ctr"/>
+            <a:r>
+              <a:rPr lang="en-US" altLang="zh-CN" sz="900">
+                <a:latin typeface="微软雅黑" panose="020B0503020204020204" pitchFamily="34" charset="-122"/>
+                <a:ea typeface="微软雅黑" panose="020B0503020204020204" pitchFamily="34" charset="-122"/>
+              </a:rPr>
+              <a:t>trx 1</a:t>
+            </a:r>
+          </a:p>
+          <a:p>
+            <a:pPr algn="ctr"/>
+            <a:r>
+              <a:rPr lang="en-US" altLang="zh-CN" sz="900">
+                <a:latin typeface="微软雅黑" panose="020B0503020204020204" pitchFamily="34" charset="-122"/>
+                <a:ea typeface="微软雅黑" panose="020B0503020204020204" pitchFamily="34" charset="-122"/>
+              </a:rPr>
+              <a:t>trx 2</a:t>
+            </a:r>
+            <a:endParaRPr lang="en-US" altLang="zh-CN" sz="900" dirty="0">
+              <a:latin typeface="微软雅黑" panose="020B0503020204020204" pitchFamily="34" charset="-122"/>
+              <a:ea typeface="微软雅黑" panose="020B0503020204020204" pitchFamily="34" charset="-122"/>
+            </a:endParaRPr>
+          </a:p>
+        </p:txBody>
+      </p:sp>
+      <p:sp>
+        <p:nvSpPr>
+          <p:cNvPr id="114" name="圆角矩形 113"/>
+          <p:cNvSpPr/>
+          <p:nvPr/>
+        </p:nvSpPr>
+        <p:spPr>
+          <a:xfrm>
+            <a:off x="10912198" y="4171950"/>
+            <a:ext cx="768350" cy="755650"/>
+          </a:xfrm>
+          <a:prstGeom prst="roundRect">
+            <a:avLst/>
+          </a:prstGeom>
+          <a:noFill/>
+        </p:spPr>
+        <p:style>
+          <a:lnRef idx="2">
+            <a:schemeClr val="accent1">
+              <a:shade val="50000"/>
+            </a:schemeClr>
+          </a:lnRef>
+          <a:fillRef idx="1">
+            <a:schemeClr val="accent1"/>
+          </a:fillRef>
+          <a:effectRef idx="0">
+            <a:schemeClr val="accent1"/>
+          </a:effectRef>
+          <a:fontRef idx="minor">
+            <a:schemeClr val="lt1"/>
+          </a:fontRef>
+        </p:style>
+        <p:txBody>
+          <a:bodyPr rtlCol="0" anchor="ctr"/>
+          <a:lstStyle/>
+          <a:p>
+            <a:pPr algn="ctr"/>
+            <a:r>
+              <a:rPr lang="en-US" altLang="zh-CN" sz="900" dirty="0" smtClean="0">
+                <a:latin typeface="微软雅黑" panose="020B0503020204020204" pitchFamily="34" charset="-122"/>
+                <a:ea typeface="微软雅黑" panose="020B0503020204020204" pitchFamily="34" charset="-122"/>
+              </a:rPr>
+              <a:t>bin </a:t>
+            </a:r>
+            <a:r>
+              <a:rPr lang="en-US" altLang="zh-CN" sz="900" dirty="0">
+                <a:latin typeface="微软雅黑" panose="020B0503020204020204" pitchFamily="34" charset="-122"/>
+                <a:ea typeface="微软雅黑" panose="020B0503020204020204" pitchFamily="34" charset="-122"/>
+              </a:rPr>
+              <a:t>log</a:t>
+            </a:r>
+          </a:p>
+          <a:p>
+            <a:pPr algn="ctr"/>
+            <a:r>
+              <a:rPr lang="en-US" altLang="zh-CN" sz="900" dirty="0" err="1">
+                <a:latin typeface="微软雅黑" panose="020B0503020204020204" pitchFamily="34" charset="-122"/>
+                <a:ea typeface="微软雅黑" panose="020B0503020204020204" pitchFamily="34" charset="-122"/>
+              </a:rPr>
+              <a:t>trx</a:t>
+            </a:r>
+            <a:r>
+              <a:rPr lang="en-US" altLang="zh-CN" sz="900" dirty="0">
+                <a:latin typeface="微软雅黑" panose="020B0503020204020204" pitchFamily="34" charset="-122"/>
+                <a:ea typeface="微软雅黑" panose="020B0503020204020204" pitchFamily="34" charset="-122"/>
+              </a:rPr>
+              <a:t> 1</a:t>
+            </a:r>
+          </a:p>
+          <a:p>
+            <a:pPr algn="ctr"/>
+            <a:endParaRPr lang="en-US" altLang="zh-CN" sz="900" dirty="0" smtClean="0">
+              <a:latin typeface="微软雅黑" panose="020B0503020204020204" pitchFamily="34" charset="-122"/>
+              <a:ea typeface="微软雅黑" panose="020B0503020204020204" pitchFamily="34" charset="-122"/>
+            </a:endParaRPr>
+          </a:p>
+        </p:txBody>
+      </p:sp>
+      <p:sp>
+        <p:nvSpPr>
+          <p:cNvPr id="115" name="矩形 114"/>
+          <p:cNvSpPr/>
+          <p:nvPr/>
+        </p:nvSpPr>
+        <p:spPr>
+          <a:xfrm>
+            <a:off x="8381469" y="3617355"/>
+            <a:ext cx="900066" cy="470052"/>
+          </a:xfrm>
+          <a:prstGeom prst="rect">
+            <a:avLst/>
+          </a:prstGeom>
+          <a:solidFill>
+            <a:srgbClr val="00B050"/>
+          </a:solidFill>
+          <a:ln>
+            <a:noFill/>
+          </a:ln>
+          <a:scene3d>
+            <a:camera prst="orthographicFront"/>
+            <a:lightRig rig="threePt" dir="t"/>
+          </a:scene3d>
+          <a:sp3d>
+            <a:bevelT w="114300" prst="artDeco"/>
+          </a:sp3d>
+        </p:spPr>
+        <p:style>
+          <a:lnRef idx="2">
+            <a:schemeClr val="accent1">
+              <a:shade val="50000"/>
+            </a:schemeClr>
+          </a:lnRef>
+          <a:fillRef idx="1">
+            <a:schemeClr val="accent1"/>
+          </a:fillRef>
+          <a:effectRef idx="0">
+            <a:schemeClr val="accent1"/>
+          </a:effectRef>
+          <a:fontRef idx="minor">
+            <a:schemeClr val="lt1"/>
+          </a:fontRef>
+        </p:style>
+        <p:txBody>
+          <a:bodyPr rtlCol="0" anchor="ctr"/>
+          <a:lstStyle/>
+          <a:p>
+            <a:pPr algn="ctr"/>
+            <a:r>
+              <a:rPr lang="en-US" altLang="zh-CN" sz="1200" dirty="0" smtClean="0">
+                <a:latin typeface="微软雅黑" panose="020B0503020204020204" pitchFamily="34" charset="-122"/>
+                <a:ea typeface="微软雅黑" panose="020B0503020204020204" pitchFamily="34" charset="-122"/>
+              </a:rPr>
+              <a:t>MySQL</a:t>
+            </a:r>
+          </a:p>
+          <a:p>
+            <a:pPr algn="ctr"/>
+            <a:r>
+              <a:rPr lang="en-US" altLang="zh-CN" sz="1200" dirty="0" smtClean="0">
+                <a:latin typeface="微软雅黑" panose="020B0503020204020204" pitchFamily="34" charset="-122"/>
+                <a:ea typeface="微软雅黑" panose="020B0503020204020204" pitchFamily="34" charset="-122"/>
+              </a:rPr>
+              <a:t>A</a:t>
+            </a:r>
+            <a:endParaRPr lang="zh-CN" altLang="en-US" sz="1200" dirty="0">
+              <a:latin typeface="微软雅黑" panose="020B0503020204020204" pitchFamily="34" charset="-122"/>
+              <a:ea typeface="微软雅黑" panose="020B0503020204020204" pitchFamily="34" charset="-122"/>
+            </a:endParaRPr>
+          </a:p>
+        </p:txBody>
+      </p:sp>
+      <p:sp>
+        <p:nvSpPr>
+          <p:cNvPr id="116" name="椭圆 115"/>
+          <p:cNvSpPr/>
+          <p:nvPr/>
+        </p:nvSpPr>
+        <p:spPr>
+          <a:xfrm>
+            <a:off x="8989118" y="2703115"/>
+            <a:ext cx="990600" cy="451873"/>
+          </a:xfrm>
+          <a:prstGeom prst="ellipse">
+            <a:avLst/>
+          </a:prstGeom>
+          <a:solidFill>
+            <a:srgbClr val="00B0F0"/>
+          </a:solidFill>
+          <a:ln>
+            <a:noFill/>
+          </a:ln>
+          <a:scene3d>
+            <a:camera prst="orthographicFront"/>
+            <a:lightRig rig="threePt" dir="t"/>
+          </a:scene3d>
+          <a:sp3d>
+            <a:bevelT w="114300" prst="artDeco"/>
+          </a:sp3d>
+        </p:spPr>
+        <p:style>
+          <a:lnRef idx="2">
+            <a:schemeClr val="accent1">
+              <a:shade val="50000"/>
+            </a:schemeClr>
+          </a:lnRef>
+          <a:fillRef idx="1">
+            <a:schemeClr val="accent1"/>
+          </a:fillRef>
+          <a:effectRef idx="0">
+            <a:schemeClr val="accent1"/>
+          </a:effectRef>
+          <a:fontRef idx="minor">
+            <a:schemeClr val="lt1"/>
+          </a:fontRef>
+        </p:style>
+        <p:txBody>
+          <a:bodyPr rtlCol="0" anchor="ctr"/>
+          <a:lstStyle/>
+          <a:p>
+            <a:pPr algn="ctr"/>
+            <a:r>
+              <a:rPr lang="en-US" altLang="zh-CN" sz="1400" dirty="0" smtClean="0">
+                <a:latin typeface="微软雅黑" panose="020B0503020204020204" pitchFamily="34" charset="-122"/>
+                <a:ea typeface="微软雅黑" panose="020B0503020204020204" pitchFamily="34" charset="-122"/>
+              </a:rPr>
+              <a:t>client</a:t>
+            </a:r>
+            <a:endParaRPr lang="zh-CN" altLang="en-US" sz="1400" dirty="0">
+              <a:latin typeface="微软雅黑" panose="020B0503020204020204" pitchFamily="34" charset="-122"/>
+              <a:ea typeface="微软雅黑" panose="020B0503020204020204" pitchFamily="34" charset="-122"/>
+            </a:endParaRPr>
+          </a:p>
+        </p:txBody>
+      </p:sp>
+      <p:cxnSp>
+        <p:nvCxnSpPr>
+          <p:cNvPr id="117" name="直接箭头连接符 116"/>
+          <p:cNvCxnSpPr>
+            <a:stCxn id="116" idx="5"/>
+            <a:endCxn id="118" idx="0"/>
+          </p:cNvCxnSpPr>
+          <p:nvPr/>
+        </p:nvCxnSpPr>
+        <p:spPr>
+          <a:xfrm>
+            <a:off x="9834648" y="3088813"/>
+            <a:ext cx="971958" cy="528542"/>
+          </a:xfrm>
+          <a:prstGeom prst="straightConnector1">
+            <a:avLst/>
+          </a:prstGeom>
+          <a:ln>
+            <a:solidFill>
+              <a:srgbClr val="FFFF00"/>
+            </a:solidFill>
+            <a:tailEnd type="triangle"/>
+          </a:ln>
+        </p:spPr>
+        <p:style>
+          <a:lnRef idx="1">
+            <a:schemeClr val="accent1"/>
+          </a:lnRef>
+          <a:fillRef idx="0">
+            <a:schemeClr val="accent1"/>
+          </a:fillRef>
+          <a:effectRef idx="0">
+            <a:schemeClr val="accent1"/>
+          </a:effectRef>
+          <a:fontRef idx="minor">
+            <a:schemeClr val="tx1"/>
+          </a:fontRef>
+        </p:style>
+      </p:cxnSp>
+      <p:sp>
+        <p:nvSpPr>
+          <p:cNvPr id="118" name="矩形 117"/>
+          <p:cNvSpPr/>
+          <p:nvPr/>
+        </p:nvSpPr>
+        <p:spPr>
+          <a:xfrm>
+            <a:off x="10356573" y="3617355"/>
+            <a:ext cx="900066" cy="470052"/>
+          </a:xfrm>
+          <a:prstGeom prst="rect">
+            <a:avLst/>
+          </a:prstGeom>
+          <a:solidFill>
+            <a:srgbClr val="00B050"/>
+          </a:solidFill>
+          <a:ln>
+            <a:noFill/>
+          </a:ln>
+          <a:scene3d>
+            <a:camera prst="orthographicFront"/>
+            <a:lightRig rig="threePt" dir="t"/>
+          </a:scene3d>
+          <a:sp3d>
+            <a:bevelT w="114300" prst="artDeco"/>
+          </a:sp3d>
+        </p:spPr>
+        <p:style>
+          <a:lnRef idx="2">
+            <a:schemeClr val="accent1">
+              <a:shade val="50000"/>
+            </a:schemeClr>
+          </a:lnRef>
+          <a:fillRef idx="1">
+            <a:schemeClr val="accent1"/>
+          </a:fillRef>
+          <a:effectRef idx="0">
+            <a:schemeClr val="accent1"/>
+          </a:effectRef>
+          <a:fontRef idx="minor">
+            <a:schemeClr val="lt1"/>
+          </a:fontRef>
+        </p:style>
+        <p:txBody>
+          <a:bodyPr rtlCol="0" anchor="ctr"/>
+          <a:lstStyle/>
+          <a:p>
+            <a:pPr algn="ctr"/>
+            <a:r>
+              <a:rPr lang="en-US" altLang="zh-CN" sz="1200" dirty="0" smtClean="0">
+                <a:latin typeface="微软雅黑" panose="020B0503020204020204" pitchFamily="34" charset="-122"/>
+                <a:ea typeface="微软雅黑" panose="020B0503020204020204" pitchFamily="34" charset="-122"/>
+              </a:rPr>
+              <a:t>MySQL</a:t>
+            </a:r>
+          </a:p>
+          <a:p>
+            <a:pPr algn="ctr"/>
+            <a:r>
+              <a:rPr lang="en-US" altLang="zh-CN" sz="1200" dirty="0">
+                <a:latin typeface="微软雅黑" panose="020B0503020204020204" pitchFamily="34" charset="-122"/>
+                <a:ea typeface="微软雅黑" panose="020B0503020204020204" pitchFamily="34" charset="-122"/>
+              </a:rPr>
+              <a:t>B</a:t>
+            </a:r>
+            <a:endParaRPr lang="zh-CN" altLang="en-US" sz="1200" dirty="0">
+              <a:latin typeface="微软雅黑" panose="020B0503020204020204" pitchFamily="34" charset="-122"/>
+              <a:ea typeface="微软雅黑" panose="020B0503020204020204" pitchFamily="34" charset="-122"/>
+            </a:endParaRPr>
+          </a:p>
+        </p:txBody>
+      </p:sp>
+      <p:cxnSp>
+        <p:nvCxnSpPr>
+          <p:cNvPr id="119" name="直接箭头连接符 118"/>
+          <p:cNvCxnSpPr>
+            <a:stCxn id="115" idx="3"/>
+            <a:endCxn id="118" idx="1"/>
+          </p:cNvCxnSpPr>
+          <p:nvPr/>
+        </p:nvCxnSpPr>
+        <p:spPr>
+          <a:xfrm>
+            <a:off x="9281535" y="3852381"/>
+            <a:ext cx="1075038" cy="0"/>
+          </a:xfrm>
+          <a:prstGeom prst="straightConnector1">
+            <a:avLst/>
+          </a:prstGeom>
+          <a:ln>
+            <a:solidFill>
+              <a:srgbClr val="FFFF00"/>
+            </a:solidFill>
+            <a:tailEnd type="triangle"/>
+          </a:ln>
+        </p:spPr>
+        <p:style>
+          <a:lnRef idx="1">
+            <a:schemeClr val="accent1"/>
+          </a:lnRef>
+          <a:fillRef idx="0">
+            <a:schemeClr val="accent1"/>
+          </a:fillRef>
+          <a:effectRef idx="0">
+            <a:schemeClr val="accent1"/>
+          </a:effectRef>
+          <a:fontRef idx="minor">
+            <a:schemeClr val="tx1"/>
+          </a:fontRef>
+        </p:style>
+      </p:cxnSp>
+      <p:sp>
+        <p:nvSpPr>
+          <p:cNvPr id="120" name="矩形 119"/>
+          <p:cNvSpPr/>
+          <p:nvPr/>
+        </p:nvSpPr>
+        <p:spPr>
+          <a:xfrm>
+            <a:off x="10356573" y="3340356"/>
+            <a:ext cx="864478" cy="276999"/>
+          </a:xfrm>
+          <a:prstGeom prst="rect">
+            <a:avLst/>
+          </a:prstGeom>
+        </p:spPr>
+        <p:txBody>
+          <a:bodyPr wrap="square">
+            <a:spAutoFit/>
+          </a:bodyPr>
+          <a:lstStyle/>
+          <a:p>
+            <a:r>
+              <a:rPr lang="en-US" altLang="zh-CN" sz="1200" dirty="0" err="1" smtClean="0">
+                <a:solidFill>
+                  <a:schemeClr val="accent1">
+                    <a:lumMod val="40000"/>
+                    <a:lumOff val="60000"/>
+                  </a:schemeClr>
+                </a:solidFill>
+                <a:latin typeface="微软雅黑" panose="020B0503020204020204" pitchFamily="34" charset="-122"/>
+                <a:ea typeface="微软雅黑" panose="020B0503020204020204" pitchFamily="34" charset="-122"/>
+              </a:rPr>
+              <a:t>Readonly</a:t>
+            </a:r>
+            <a:endParaRPr lang="en-US" altLang="zh-CN" sz="1200" dirty="0" smtClean="0">
+              <a:solidFill>
+                <a:schemeClr val="accent1">
+                  <a:lumMod val="40000"/>
+                  <a:lumOff val="60000"/>
+                </a:schemeClr>
+              </a:solidFill>
+              <a:latin typeface="微软雅黑" panose="020B0503020204020204" pitchFamily="34" charset="-122"/>
+              <a:ea typeface="微软雅黑" panose="020B0503020204020204" pitchFamily="34" charset="-122"/>
+            </a:endParaRPr>
+          </a:p>
+        </p:txBody>
+      </p:sp>
+      <p:cxnSp>
+        <p:nvCxnSpPr>
+          <p:cNvPr id="121" name="直接箭头连接符 120"/>
+          <p:cNvCxnSpPr/>
+          <p:nvPr/>
+        </p:nvCxnSpPr>
+        <p:spPr>
+          <a:xfrm flipH="1">
+            <a:off x="9281535" y="3949824"/>
+            <a:ext cx="1075038" cy="14817"/>
+          </a:xfrm>
+          <a:prstGeom prst="straightConnector1">
+            <a:avLst/>
+          </a:prstGeom>
+          <a:ln>
+            <a:solidFill>
+              <a:srgbClr val="FFFF00"/>
+            </a:solidFill>
+            <a:tailEnd type="triangle"/>
+          </a:ln>
+        </p:spPr>
+        <p:style>
+          <a:lnRef idx="1">
+            <a:schemeClr val="accent1"/>
+          </a:lnRef>
+          <a:fillRef idx="0">
+            <a:schemeClr val="accent1"/>
+          </a:fillRef>
+          <a:effectRef idx="0">
+            <a:schemeClr val="accent1"/>
+          </a:effectRef>
+          <a:fontRef idx="minor">
+            <a:schemeClr val="tx1"/>
+          </a:fontRef>
+        </p:style>
+      </p:cxnSp>
+      <p:sp>
+        <p:nvSpPr>
+          <p:cNvPr id="122" name="矩形 121"/>
+          <p:cNvSpPr/>
+          <p:nvPr/>
+        </p:nvSpPr>
+        <p:spPr>
+          <a:xfrm>
+            <a:off x="10112621" y="2951441"/>
+            <a:ext cx="2288035" cy="307777"/>
+          </a:xfrm>
+          <a:prstGeom prst="rect">
+            <a:avLst/>
+          </a:prstGeom>
+        </p:spPr>
+        <p:txBody>
+          <a:bodyPr wrap="square">
+            <a:spAutoFit/>
+          </a:bodyPr>
+          <a:lstStyle/>
+          <a:p>
+            <a:r>
+              <a:rPr lang="en-US" altLang="zh-CN" sz="1400" dirty="0" smtClean="0">
+                <a:solidFill>
+                  <a:srgbClr val="FFFF00"/>
+                </a:solidFill>
+                <a:latin typeface="微软雅黑" panose="020B0503020204020204" pitchFamily="34" charset="-122"/>
+                <a:ea typeface="微软雅黑" panose="020B0503020204020204" pitchFamily="34" charset="-122"/>
+              </a:rPr>
+              <a:t>select </a:t>
+            </a:r>
+            <a:r>
+              <a:rPr lang="en-US" altLang="zh-CN" sz="1400" dirty="0" err="1" smtClean="0">
+                <a:solidFill>
+                  <a:srgbClr val="FFFF00"/>
+                </a:solidFill>
+                <a:latin typeface="微软雅黑" panose="020B0503020204020204" pitchFamily="34" charset="-122"/>
+                <a:ea typeface="微软雅黑" panose="020B0503020204020204" pitchFamily="34" charset="-122"/>
+              </a:rPr>
+              <a:t>real_query</a:t>
+            </a:r>
+            <a:endParaRPr lang="en-US" altLang="zh-CN" sz="1400" dirty="0" smtClean="0">
+              <a:solidFill>
+                <a:srgbClr val="FFFF00"/>
+              </a:solidFill>
+              <a:latin typeface="微软雅黑" panose="020B0503020204020204" pitchFamily="34" charset="-122"/>
+              <a:ea typeface="微软雅黑" panose="020B0503020204020204" pitchFamily="34" charset="-122"/>
+            </a:endParaRPr>
+          </a:p>
+        </p:txBody>
+      </p:sp>
       <p:cxnSp>
         <p:nvCxnSpPr>
           <p:cNvPr id="44" name="直接箭头连接符 43"/>
@@ -17425,7 +19692,7 @@
         </p:nvCxnSpPr>
         <p:spPr>
           <a:xfrm flipV="1">
-            <a:off x="785780" y="2730042"/>
+            <a:off x="900079" y="3194862"/>
             <a:ext cx="240123" cy="472709"/>
           </a:xfrm>
           <a:prstGeom prst="straightConnector1">
@@ -17461,7 +19728,7 @@
         </p:nvSpPr>
         <p:spPr>
           <a:xfrm>
-            <a:off x="857099" y="2791567"/>
+            <a:off x="971398" y="3256387"/>
             <a:ext cx="1302409" cy="307777"/>
           </a:xfrm>
           <a:prstGeom prst="rect">
@@ -17514,7 +19781,7 @@
 </p:sld>
 </file>
 
-<file path=ppt/slides/slide6.xml><?xml version="1.0" encoding="utf-8"?>
+<file path=ppt/slides/slide7.xml><?xml version="1.0" encoding="utf-8"?>
 <p:sld xmlns:a="http://schemas.openxmlformats.org/drawingml/2006/main" xmlns:r="http://schemas.openxmlformats.org/officeDocument/2006/relationships" xmlns:p="http://schemas.openxmlformats.org/presentationml/2006/main">
   <p:cSld>
     <p:spTree>
